--- a/0.组会记录/2024-11-21/report-2024-11-21.pptx
+++ b/0.组会记录/2024-11-21/report-2024-11-21.pptx
@@ -10305,6 +10305,46 @@
               <a:t>这周主要看一些</a:t>
             </a:r>
             <a:r>
+              <a:rPr lang="en-US" altLang="zh-CN" sz="1600" b="1" dirty="0">
+                <a:solidFill>
+                  <a:schemeClr val="tx1"/>
+                </a:solidFill>
+                <a:latin typeface="微软雅黑" panose="020B0503020204020204" charset="-122"/>
+                <a:ea typeface="微软雅黑" panose="020B0503020204020204" charset="-122"/>
+              </a:rPr>
+              <a:t>prompt-tuning</a:t>
+            </a:r>
+            <a:r>
+              <a:rPr lang="zh-CN" altLang="en-US" sz="1600" dirty="0">
+                <a:solidFill>
+                  <a:schemeClr val="tx1"/>
+                </a:solidFill>
+                <a:latin typeface="微软雅黑" panose="020B0503020204020204" charset="-122"/>
+                <a:ea typeface="微软雅黑" panose="020B0503020204020204" charset="-122"/>
+              </a:rPr>
+              <a:t>和</a:t>
+            </a:r>
+            <a:r>
+              <a:rPr lang="en-US" altLang="zh-CN" sz="1600" b="1" dirty="0">
+                <a:solidFill>
+                  <a:schemeClr val="tx1"/>
+                </a:solidFill>
+                <a:latin typeface="微软雅黑" panose="020B0503020204020204" charset="-122"/>
+                <a:ea typeface="微软雅黑" panose="020B0503020204020204" charset="-122"/>
+              </a:rPr>
+              <a:t>fine-tuning</a:t>
+            </a:r>
+            <a:r>
+              <a:rPr lang="zh-CN" altLang="en-US" sz="1600" dirty="0">
+                <a:solidFill>
+                  <a:schemeClr val="tx1"/>
+                </a:solidFill>
+                <a:latin typeface="微软雅黑" panose="020B0503020204020204" charset="-122"/>
+                <a:ea typeface="微软雅黑" panose="020B0503020204020204" charset="-122"/>
+              </a:rPr>
+              <a:t>内容。然后</a:t>
+            </a:r>
+            <a:r>
               <a:rPr lang="en-US" altLang="zh-CN" sz="1600" dirty="0">
                 <a:solidFill>
                   <a:schemeClr val="tx1"/>
@@ -10322,17 +10362,17 @@
                 <a:latin typeface="微软雅黑" panose="020B0503020204020204" charset="-122"/>
                 <a:ea typeface="微软雅黑" panose="020B0503020204020204" charset="-122"/>
               </a:rPr>
-              <a:t>和</a:t>
-            </a:r>
-            <a:r>
-              <a:rPr lang="en-US" altLang="zh-CN" sz="1600" dirty="0">
+              <a:t>的内容里面提到的一些</a:t>
+            </a:r>
+            <a:r>
+              <a:rPr lang="zh-CN" altLang="en-US" sz="1600" b="1" dirty="0">
                 <a:solidFill>
                   <a:schemeClr val="tx1"/>
                 </a:solidFill>
                 <a:latin typeface="微软雅黑" panose="020B0503020204020204" charset="-122"/>
                 <a:ea typeface="微软雅黑" panose="020B0503020204020204" charset="-122"/>
               </a:rPr>
-              <a:t>fine-tuning</a:t>
+              <a:t>知识蒸馏</a:t>
             </a:r>
             <a:r>
               <a:rPr lang="zh-CN" altLang="en-US" sz="1600" dirty="0">
@@ -10342,7 +10382,7 @@
                 <a:latin typeface="微软雅黑" panose="020B0503020204020204" charset="-122"/>
                 <a:ea typeface="微软雅黑" panose="020B0503020204020204" charset="-122"/>
               </a:rPr>
-              <a:t>内容</a:t>
+              <a:t>论文我也去看了</a:t>
             </a:r>
             <a:endParaRPr lang="zh-CN" altLang="en-US" sz="1600" dirty="0">
               <a:solidFill>
@@ -10379,6 +10419,30 @@
           <a:chExt cx="0" cy="0"/>
         </a:xfrm>
       </p:grpSpPr>
+      <p:pic>
+        <p:nvPicPr>
+          <p:cNvPr id="4" name="图片 3"/>
+          <p:cNvPicPr>
+            <a:picLocks noChangeAspect="1"/>
+          </p:cNvPicPr>
+          <p:nvPr/>
+        </p:nvPicPr>
+        <p:blipFill>
+          <a:blip r:embed="rId1"/>
+          <a:stretch>
+            <a:fillRect/>
+          </a:stretch>
+        </p:blipFill>
+        <p:spPr>
+          <a:xfrm>
+            <a:off x="1409700" y="2517775"/>
+            <a:ext cx="5429250" cy="1248410"/>
+          </a:xfrm>
+          <a:prstGeom prst="rect">
+            <a:avLst/>
+          </a:prstGeom>
+        </p:spPr>
+      </p:pic>
       <p:sp>
         <p:nvSpPr>
           <p:cNvPr id="13" name="文本框 12"/>
@@ -10459,7 +10523,7 @@
           <p:cNvSpPr/>
           <p:nvPr>
             <p:custDataLst>
-              <p:tags r:id="rId1"/>
+              <p:tags r:id="rId2"/>
             </p:custDataLst>
           </p:nvPr>
         </p:nvSpPr>
@@ -10544,7 +10608,7 @@
           <p:cNvSpPr txBox="1"/>
           <p:nvPr>
             <p:custDataLst>
-              <p:tags r:id="rId2"/>
+              <p:tags r:id="rId3"/>
             </p:custDataLst>
           </p:nvPr>
         </p:nvSpPr>
@@ -10575,7 +10639,21 @@
                 <a:latin typeface="微软雅黑" panose="020B0503020204020204" charset="-122"/>
                 <a:ea typeface="微软雅黑" panose="020B0503020204020204" charset="-122"/>
               </a:rPr>
-              <a:t>Frankle J, Carbin M. The lottery ticket hypothesis: Finding sparse, trainable neural networks[J]. arXiv preprint arXiv:1803.03635, 2018.</a:t>
+              <a:t>Schick T, Sch</a:t>
+            </a:r>
+            <a:r>
+              <a:rPr lang="en-US" altLang="en-US" b="1" dirty="0">
+                <a:latin typeface="微软雅黑" panose="020B0503020204020204" charset="-122"/>
+                <a:ea typeface="微软雅黑" panose="020B0503020204020204" charset="-122"/>
+              </a:rPr>
+              <a:t>ü</a:t>
+            </a:r>
+            <a:r>
+              <a:rPr lang="en-US" altLang="zh-CN" b="1" dirty="0">
+                <a:latin typeface="微软雅黑" panose="020B0503020204020204" charset="-122"/>
+                <a:ea typeface="微软雅黑" panose="020B0503020204020204" charset="-122"/>
+              </a:rPr>
+              <a:t>tze H. Exploiting cloze questions for few shot text classification and natural language inference[J]. arXiv preprint arXiv:2001.07676, 2020.</a:t>
             </a:r>
             <a:endParaRPr lang="en-US" altLang="zh-CN" b="1" dirty="0">
               <a:latin typeface="微软雅黑" panose="020B0503020204020204" charset="-122"/>
@@ -10593,7 +10671,7 @@
         <p:spPr>
           <a:xfrm>
             <a:off x="286385" y="1894205"/>
-            <a:ext cx="11251565" cy="1423670"/>
+            <a:ext cx="7369175" cy="1423670"/>
           </a:xfrm>
           <a:prstGeom prst="rect">
             <a:avLst/>
@@ -10616,7 +10694,7 @@
                 <a:latin typeface="微软雅黑" panose="020B0503020204020204" charset="-122"/>
                 <a:ea typeface="微软雅黑" panose="020B0503020204020204" charset="-122"/>
               </a:rPr>
-              <a:t>彩票假设，密集、随机初始化的前馈网络包含子网络（「中奖彩票」），当独立训练时，这些子网络能够在相似的迭代次数内达到与原始网络相当的测试准确率。也就是在一片神经网络中会有一个</a:t>
+              <a:t>提出</a:t>
             </a:r>
             <a:r>
               <a:rPr lang="en-US" altLang="zh-CN" sz="1600" dirty="0">
@@ -10626,7 +10704,7 @@
                 <a:latin typeface="微软雅黑" panose="020B0503020204020204" charset="-122"/>
                 <a:ea typeface="微软雅黑" panose="020B0503020204020204" charset="-122"/>
               </a:rPr>
-              <a:t>“</a:t>
+              <a:t>PET</a:t>
             </a:r>
             <a:r>
               <a:rPr lang="zh-CN" altLang="en-US" sz="1600" dirty="0">
@@ -10636,7 +10714,7 @@
                 <a:latin typeface="微软雅黑" panose="020B0503020204020204" charset="-122"/>
                 <a:ea typeface="微软雅黑" panose="020B0503020204020204" charset="-122"/>
               </a:rPr>
-              <a:t>重要的子网络</a:t>
+              <a:t>作为</a:t>
             </a:r>
             <a:r>
               <a:rPr lang="en-US" altLang="zh-CN" sz="1600" dirty="0">
@@ -10646,9 +10724,99 @@
                 <a:latin typeface="微软雅黑" panose="020B0503020204020204" charset="-122"/>
                 <a:ea typeface="微软雅黑" panose="020B0503020204020204" charset="-122"/>
               </a:rPr>
-              <a:t>”</a:t>
-            </a:r>
-            <a:endParaRPr lang="en-US" altLang="zh-CN" sz="1600" dirty="0">
+              <a:t>prompt-tuning</a:t>
+            </a:r>
+            <a:r>
+              <a:rPr lang="zh-CN" altLang="en-US" sz="1600" dirty="0">
+                <a:solidFill>
+                  <a:schemeClr val="tx1"/>
+                </a:solidFill>
+                <a:latin typeface="微软雅黑" panose="020B0503020204020204" charset="-122"/>
+                <a:ea typeface="微软雅黑" panose="020B0503020204020204" charset="-122"/>
+              </a:rPr>
+              <a:t>的基础论文，将所有的分类任务转换为和</a:t>
+            </a:r>
+            <a:r>
+              <a:rPr lang="en-US" altLang="zh-CN" sz="1600" dirty="0">
+                <a:solidFill>
+                  <a:schemeClr val="tx1"/>
+                </a:solidFill>
+                <a:latin typeface="微软雅黑" panose="020B0503020204020204" charset="-122"/>
+                <a:ea typeface="微软雅黑" panose="020B0503020204020204" charset="-122"/>
+              </a:rPr>
+              <a:t>MLM</a:t>
+            </a:r>
+            <a:r>
+              <a:rPr lang="zh-CN" altLang="en-US" sz="1600" dirty="0">
+                <a:solidFill>
+                  <a:schemeClr val="tx1"/>
+                </a:solidFill>
+                <a:latin typeface="微软雅黑" panose="020B0503020204020204" charset="-122"/>
+                <a:ea typeface="微软雅黑" panose="020B0503020204020204" charset="-122"/>
+              </a:rPr>
+              <a:t>一致的完形填空，基于</a:t>
+            </a:r>
+            <a:r>
+              <a:rPr lang="en-US" altLang="zh-CN" sz="1600" dirty="0">
+                <a:solidFill>
+                  <a:schemeClr val="tx1"/>
+                </a:solidFill>
+                <a:latin typeface="微软雅黑" panose="020B0503020204020204" charset="-122"/>
+                <a:ea typeface="微软雅黑" panose="020B0503020204020204" charset="-122"/>
+              </a:rPr>
+              <a:t>Pattern-Verbalizer-Pair</a:t>
+            </a:r>
+            <a:r>
+              <a:rPr lang="zh-CN" altLang="en-US" sz="1600" dirty="0">
+                <a:solidFill>
+                  <a:schemeClr val="tx1"/>
+                </a:solidFill>
+                <a:latin typeface="微软雅黑" panose="020B0503020204020204" charset="-122"/>
+                <a:ea typeface="微软雅黑" panose="020B0503020204020204" charset="-122"/>
+              </a:rPr>
+              <a:t>（</a:t>
+            </a:r>
+            <a:r>
+              <a:rPr lang="en-US" altLang="zh-CN" sz="1600" dirty="0">
+                <a:solidFill>
+                  <a:schemeClr val="tx1"/>
+                </a:solidFill>
+                <a:latin typeface="微软雅黑" panose="020B0503020204020204" charset="-122"/>
+                <a:ea typeface="微软雅黑" panose="020B0503020204020204" charset="-122"/>
+              </a:rPr>
+              <a:t>PVP</a:t>
+            </a:r>
+            <a:r>
+              <a:rPr lang="zh-CN" altLang="en-US" sz="1600" dirty="0">
+                <a:solidFill>
+                  <a:schemeClr val="tx1"/>
+                </a:solidFill>
+                <a:latin typeface="微软雅黑" panose="020B0503020204020204" charset="-122"/>
+                <a:ea typeface="微软雅黑" panose="020B0503020204020204" charset="-122"/>
+              </a:rPr>
+              <a:t>）组件训练目标：提高得分：</a:t>
+            </a:r>
+            <a:r>
+              <a:rPr lang="en-US" altLang="zh-CN" sz="1600" dirty="0">
+                <a:solidFill>
+                  <a:schemeClr val="tx1"/>
+                </a:solidFill>
+                <a:latin typeface="微软雅黑" panose="020B0503020204020204" charset="-122"/>
+                <a:ea typeface="微软雅黑" panose="020B0503020204020204" charset="-122"/>
+              </a:rPr>
+              <a:t>S</a:t>
+            </a:r>
+            <a:r>
+              <a:rPr lang="en-US" altLang="zh-CN" sz="1600" baseline="-25000" dirty="0">
+                <a:solidFill>
+                  <a:schemeClr val="tx1"/>
+                </a:solidFill>
+                <a:latin typeface="微软雅黑" panose="020B0503020204020204" charset="-122"/>
+                <a:ea typeface="微软雅黑" panose="020B0503020204020204" charset="-122"/>
+              </a:rPr>
+              <a:t>p</a:t>
+            </a:r>
+            <a:endParaRPr lang="en-US" altLang="zh-CN" sz="1600" baseline="-25000" dirty="0">
               <a:solidFill>
                 <a:schemeClr val="tx1"/>
               </a:solidFill>
@@ -10660,17 +10828,7 @@
             <a:pPr marL="0" lvl="0" indent="457200">
               <a:buNone/>
             </a:pPr>
-            <a:r>
-              <a:rPr lang="zh-CN" altLang="en-US" sz="1600" dirty="0">
-                <a:solidFill>
-                  <a:schemeClr val="tx1"/>
-                </a:solidFill>
-                <a:latin typeface="微软雅黑" panose="020B0503020204020204" charset="-122"/>
-                <a:ea typeface="微软雅黑" panose="020B0503020204020204" charset="-122"/>
-              </a:rPr>
-              <a:t>这个就是剪枝的理论基础，证明了剪枝操作的有效性，可行性。更多的是数学证明内容。</a:t>
-            </a:r>
-            <a:endParaRPr lang="en-US" altLang="zh-CN" sz="1600" dirty="0">
+            <a:endParaRPr lang="en-US" altLang="zh-CN" sz="1600" baseline="-25000" dirty="0">
               <a:solidFill>
                 <a:schemeClr val="tx1"/>
               </a:solidFill>
@@ -10678,8 +10836,102 @@
               <a:ea typeface="微软雅黑" panose="020B0503020204020204" charset="-122"/>
             </a:endParaRPr>
           </a:p>
-        </p:txBody>
-      </p:sp>
+          <a:p>
+            <a:pPr marL="0" lvl="0" indent="457200">
+              <a:buNone/>
+            </a:pPr>
+            <a:endParaRPr lang="en-US" altLang="zh-CN" sz="1600" baseline="-25000" dirty="0">
+              <a:solidFill>
+                <a:schemeClr val="tx1"/>
+              </a:solidFill>
+              <a:latin typeface="微软雅黑" panose="020B0503020204020204" charset="-122"/>
+              <a:ea typeface="微软雅黑" panose="020B0503020204020204" charset="-122"/>
+            </a:endParaRPr>
+          </a:p>
+          <a:p>
+            <a:pPr marL="0" lvl="0" indent="457200">
+              <a:buNone/>
+            </a:pPr>
+            <a:endParaRPr lang="en-US" altLang="zh-CN" sz="1600" baseline="-25000" dirty="0">
+              <a:solidFill>
+                <a:schemeClr val="tx1"/>
+              </a:solidFill>
+              <a:latin typeface="微软雅黑" panose="020B0503020204020204" charset="-122"/>
+              <a:ea typeface="微软雅黑" panose="020B0503020204020204" charset="-122"/>
+            </a:endParaRPr>
+          </a:p>
+          <a:p>
+            <a:pPr marL="0" lvl="0" indent="457200">
+              <a:buNone/>
+            </a:pPr>
+            <a:endParaRPr lang="en-US" altLang="zh-CN" sz="1600" baseline="-25000" dirty="0">
+              <a:solidFill>
+                <a:schemeClr val="tx1"/>
+              </a:solidFill>
+              <a:latin typeface="微软雅黑" panose="020B0503020204020204" charset="-122"/>
+              <a:ea typeface="微软雅黑" panose="020B0503020204020204" charset="-122"/>
+            </a:endParaRPr>
+          </a:p>
+          <a:p>
+            <a:pPr marL="0" lvl="0" indent="457200">
+              <a:buNone/>
+            </a:pPr>
+            <a:endParaRPr lang="zh-CN" altLang="en-US" sz="1600" baseline="-25000" dirty="0">
+              <a:solidFill>
+                <a:schemeClr val="tx1"/>
+              </a:solidFill>
+              <a:latin typeface="微软雅黑" panose="020B0503020204020204" charset="-122"/>
+              <a:ea typeface="微软雅黑" panose="020B0503020204020204" charset="-122"/>
+            </a:endParaRPr>
+          </a:p>
+          <a:p>
+            <a:pPr marL="0" lvl="0" indent="457200">
+              <a:buNone/>
+            </a:pPr>
+            <a:r>
+              <a:rPr lang="zh-CN" altLang="en-US" sz="1600" dirty="0">
+                <a:solidFill>
+                  <a:schemeClr val="tx1"/>
+                </a:solidFill>
+                <a:latin typeface="微软雅黑" panose="020B0503020204020204" charset="-122"/>
+                <a:ea typeface="微软雅黑" panose="020B0503020204020204" charset="-122"/>
+              </a:rPr>
+              <a:t>的</a:t>
+            </a:r>
+            <a:endParaRPr lang="zh-CN" altLang="en-US" sz="1600" dirty="0">
+              <a:solidFill>
+                <a:schemeClr val="tx1"/>
+              </a:solidFill>
+              <a:latin typeface="微软雅黑" panose="020B0503020204020204" charset="-122"/>
+              <a:ea typeface="微软雅黑" panose="020B0503020204020204" charset="-122"/>
+            </a:endParaRPr>
+          </a:p>
+        </p:txBody>
+      </p:sp>
+      <p:pic>
+        <p:nvPicPr>
+          <p:cNvPr id="2" name="图片 1"/>
+          <p:cNvPicPr>
+            <a:picLocks noChangeAspect="1"/>
+          </p:cNvPicPr>
+          <p:nvPr/>
+        </p:nvPicPr>
+        <p:blipFill>
+          <a:blip r:embed="rId4"/>
+          <a:stretch>
+            <a:fillRect/>
+          </a:stretch>
+        </p:blipFill>
+        <p:spPr>
+          <a:xfrm>
+            <a:off x="7737475" y="1894205"/>
+            <a:ext cx="4454525" cy="4876800"/>
+          </a:xfrm>
+          <a:prstGeom prst="rect">
+            <a:avLst/>
+          </a:prstGeom>
+        </p:spPr>
+      </p:pic>
     </p:spTree>
   </p:cSld>
   <p:clrMapOvr>
@@ -10877,7 +11129,7 @@
         <p:spPr>
           <a:xfrm>
             <a:off x="455295" y="972185"/>
-            <a:ext cx="11736705" cy="1337945"/>
+            <a:ext cx="11736705" cy="506730"/>
           </a:xfrm>
           <a:prstGeom prst="rect">
             <a:avLst/>
@@ -10901,7 +11153,7 @@
                 <a:latin typeface="微软雅黑" panose="020B0503020204020204" charset="-122"/>
                 <a:ea typeface="微软雅黑" panose="020B0503020204020204" charset="-122"/>
               </a:rPr>
-              <a:t>Ramanujan V, Wortsman M, Kembhavi A, et al. What's hidden in a randomly weighted neural network?[C]//Proceedings of the IEEE/CVF conference on computer vision and pattern recognition. 2020: 11893-11902.</a:t>
+              <a:t>Hinton G. Distilling the Knowledge in a Neural Network[J]. arXiv preprint arXiv:1503.02531, 2015.</a:t>
             </a:r>
             <a:endParaRPr lang="en-US" altLang="zh-CN" b="1" dirty="0">
               <a:latin typeface="微软雅黑" panose="020B0503020204020204" charset="-122"/>
@@ -10942,47 +11194,7 @@
                 <a:latin typeface="微软雅黑" panose="020B0503020204020204" charset="-122"/>
                 <a:ea typeface="微软雅黑" panose="020B0503020204020204" charset="-122"/>
               </a:rPr>
-              <a:t>加强版的彩票假设，表示出了计算神经网络中</a:t>
-            </a:r>
-            <a:r>
-              <a:rPr lang="en-US" altLang="zh-CN" sz="1600" dirty="0">
-                <a:solidFill>
-                  <a:schemeClr val="tx1"/>
-                </a:solidFill>
-                <a:latin typeface="微软雅黑" panose="020B0503020204020204" charset="-122"/>
-                <a:ea typeface="微软雅黑" panose="020B0503020204020204" charset="-122"/>
-              </a:rPr>
-              <a:t>“</a:t>
-            </a:r>
-            <a:r>
-              <a:rPr lang="zh-CN" altLang="en-US" sz="1600" dirty="0">
-                <a:solidFill>
-                  <a:schemeClr val="tx1"/>
-                </a:solidFill>
-                <a:latin typeface="微软雅黑" panose="020B0503020204020204" charset="-122"/>
-                <a:ea typeface="微软雅黑" panose="020B0503020204020204" charset="-122"/>
-              </a:rPr>
-              <a:t>最重要的子网络</a:t>
-            </a:r>
-            <a:r>
-              <a:rPr lang="en-US" altLang="zh-CN" sz="1600" dirty="0">
-                <a:solidFill>
-                  <a:schemeClr val="tx1"/>
-                </a:solidFill>
-                <a:latin typeface="微软雅黑" panose="020B0503020204020204" charset="-122"/>
-                <a:ea typeface="微软雅黑" panose="020B0503020204020204" charset="-122"/>
-              </a:rPr>
-              <a:t>”</a:t>
-            </a:r>
-            <a:r>
-              <a:rPr lang="zh-CN" altLang="en-US" sz="1600" dirty="0">
-                <a:solidFill>
-                  <a:schemeClr val="tx1"/>
-                </a:solidFill>
-                <a:latin typeface="微软雅黑" panose="020B0503020204020204" charset="-122"/>
-                <a:ea typeface="微软雅黑" panose="020B0503020204020204" charset="-122"/>
-              </a:rPr>
-              <a:t>的权重计算方法</a:t>
+              <a:t>提出知识蒸馏的想法</a:t>
             </a:r>
             <a:endParaRPr lang="zh-CN" altLang="en-US" sz="1600" dirty="0">
               <a:solidFill>
@@ -10994,28 +11206,6 @@
           </a:p>
         </p:txBody>
       </p:sp>
-      <p:pic>
-        <p:nvPicPr>
-          <p:cNvPr id="2" name="图片 1"/>
-          <p:cNvPicPr/>
-          <p:nvPr/>
-        </p:nvPicPr>
-        <p:blipFill>
-          <a:blip r:embed="rId3"/>
-          <a:stretch>
-            <a:fillRect/>
-          </a:stretch>
-        </p:blipFill>
-        <p:spPr>
-          <a:xfrm>
-            <a:off x="286068" y="3952558"/>
-            <a:ext cx="11591925" cy="2905125"/>
-          </a:xfrm>
-          <a:prstGeom prst="rect">
-            <a:avLst/>
-          </a:prstGeom>
-        </p:spPr>
-      </p:pic>
     </p:spTree>
   </p:cSld>
   <p:clrMapOvr>

--- a/0.组会记录/2024-11-21/report-2024-11-21.pptx
+++ b/0.组会记录/2024-11-21/report-2024-11-21.pptx
@@ -14,7 +14,7 @@
     <p:sldId id="1286" r:id="rId6"/>
     <p:sldId id="1495" r:id="rId8"/>
     <p:sldId id="1496" r:id="rId9"/>
-    <p:sldId id="1497" r:id="rId10"/>
+    <p:sldId id="1511" r:id="rId10"/>
     <p:sldId id="1493" r:id="rId11"/>
     <p:sldId id="1494" r:id="rId12"/>
     <p:sldId id="1478" r:id="rId13"/>
@@ -11403,7 +11403,7 @@
         <p:spPr>
           <a:xfrm>
             <a:off x="455295" y="972185"/>
-            <a:ext cx="11736705" cy="922020"/>
+            <a:ext cx="11736705" cy="506730"/>
           </a:xfrm>
           <a:prstGeom prst="rect">
             <a:avLst/>
@@ -11427,7 +11427,7 @@
                 <a:latin typeface="微软雅黑" panose="020B0503020204020204" charset="-122"/>
                 <a:ea typeface="微软雅黑" panose="020B0503020204020204" charset="-122"/>
               </a:rPr>
-              <a:t>Malach E, Yehudai G, Shalev-Schwartz S, et al. Proving the lottery ticket hypothesis: Pruning is all you need[C]//International Conference on Machine Learning. PMLR, 2020: 6682-6691.</a:t>
+              <a:t>Hinton G. Distilling the Knowledge in a Neural Network[J]. arXiv preprint arXiv:1503.02531, 2015.</a:t>
             </a:r>
             <a:endParaRPr lang="en-US" altLang="zh-CN" b="1" dirty="0">
               <a:latin typeface="微软雅黑" panose="020B0503020204020204" charset="-122"/>
@@ -11444,7 +11444,7 @@
         </p:nvSpPr>
         <p:spPr>
           <a:xfrm>
-            <a:off x="353060" y="1894205"/>
+            <a:off x="286385" y="2426970"/>
             <a:ext cx="11251565" cy="1423670"/>
           </a:xfrm>
           <a:prstGeom prst="rect">
@@ -11468,107 +11468,7 @@
                 <a:latin typeface="微软雅黑" panose="020B0503020204020204" charset="-122"/>
                 <a:ea typeface="微软雅黑" panose="020B0503020204020204" charset="-122"/>
               </a:rPr>
-              <a:t>证明了结构化剪枝的效果，提出了两种剪枝的方法：权重剪枝</a:t>
-            </a:r>
-            <a:r>
-              <a:rPr lang="en-US" altLang="zh-CN" sz="1600" dirty="0">
-                <a:solidFill>
-                  <a:schemeClr val="tx1"/>
-                </a:solidFill>
-                <a:latin typeface="微软雅黑" panose="020B0503020204020204" charset="-122"/>
-                <a:ea typeface="微软雅黑" panose="020B0503020204020204" charset="-122"/>
-              </a:rPr>
-              <a:t>--</a:t>
-            </a:r>
-            <a:r>
-              <a:rPr lang="zh-CN" altLang="en-US" sz="1600" dirty="0">
-                <a:solidFill>
-                  <a:schemeClr val="tx1"/>
-                </a:solidFill>
-                <a:latin typeface="微软雅黑" panose="020B0503020204020204" charset="-122"/>
-                <a:ea typeface="微软雅黑" panose="020B0503020204020204" charset="-122"/>
-              </a:rPr>
-              <a:t>根据重要性剪出</a:t>
-            </a:r>
-            <a:r>
-              <a:rPr lang="en-US" altLang="zh-CN" sz="1600" dirty="0">
-                <a:solidFill>
-                  <a:schemeClr val="tx1"/>
-                </a:solidFill>
-                <a:latin typeface="微软雅黑" panose="020B0503020204020204" charset="-122"/>
-                <a:ea typeface="微软雅黑" panose="020B0503020204020204" charset="-122"/>
-              </a:rPr>
-              <a:t>“</a:t>
-            </a:r>
-            <a:r>
-              <a:rPr lang="zh-CN" altLang="en-US" sz="1600" dirty="0">
-                <a:solidFill>
-                  <a:schemeClr val="tx1"/>
-                </a:solidFill>
-                <a:latin typeface="微软雅黑" panose="020B0503020204020204" charset="-122"/>
-                <a:ea typeface="微软雅黑" panose="020B0503020204020204" charset="-122"/>
-              </a:rPr>
-              <a:t>最重要的子网络</a:t>
-            </a:r>
-            <a:r>
-              <a:rPr lang="en-US" altLang="zh-CN" sz="1600" dirty="0">
-                <a:solidFill>
-                  <a:schemeClr val="tx1"/>
-                </a:solidFill>
-                <a:latin typeface="微软雅黑" panose="020B0503020204020204" charset="-122"/>
-                <a:ea typeface="微软雅黑" panose="020B0503020204020204" charset="-122"/>
-              </a:rPr>
-              <a:t>”</a:t>
-            </a:r>
-            <a:r>
-              <a:rPr lang="zh-CN" altLang="en-US" sz="1600" dirty="0">
-                <a:solidFill>
-                  <a:schemeClr val="tx1"/>
-                </a:solidFill>
-                <a:latin typeface="微软雅黑" panose="020B0503020204020204" charset="-122"/>
-                <a:ea typeface="微软雅黑" panose="020B0503020204020204" charset="-122"/>
-              </a:rPr>
-              <a:t>。这样会出现一个问题就是神经网络会不完全，如下图</a:t>
-            </a:r>
-            <a:r>
-              <a:rPr lang="en-US" altLang="zh-CN" sz="1600" dirty="0">
-                <a:solidFill>
-                  <a:schemeClr val="tx1"/>
-                </a:solidFill>
-                <a:latin typeface="微软雅黑" panose="020B0503020204020204" charset="-122"/>
-                <a:ea typeface="微软雅黑" panose="020B0503020204020204" charset="-122"/>
-              </a:rPr>
-              <a:t>b</a:t>
-            </a:r>
-            <a:r>
-              <a:rPr lang="zh-CN" altLang="en-US" sz="1600" dirty="0">
-                <a:solidFill>
-                  <a:schemeClr val="tx1"/>
-                </a:solidFill>
-                <a:latin typeface="微软雅黑" panose="020B0503020204020204" charset="-122"/>
-                <a:ea typeface="微软雅黑" panose="020B0503020204020204" charset="-122"/>
-              </a:rPr>
-              <a:t>。第二层某个神经元会和下一层没有链接。第二种方法：子网络剪枝</a:t>
-            </a:r>
-            <a:r>
-              <a:rPr lang="en-US" altLang="zh-CN" sz="1600" dirty="0">
-                <a:solidFill>
-                  <a:schemeClr val="tx1"/>
-                </a:solidFill>
-                <a:latin typeface="微软雅黑" panose="020B0503020204020204" charset="-122"/>
-                <a:ea typeface="微软雅黑" panose="020B0503020204020204" charset="-122"/>
-              </a:rPr>
-              <a:t>--</a:t>
-            </a:r>
-            <a:r>
-              <a:rPr lang="zh-CN" altLang="en-US" sz="1600" dirty="0">
-                <a:solidFill>
-                  <a:schemeClr val="tx1"/>
-                </a:solidFill>
-                <a:latin typeface="微软雅黑" panose="020B0503020204020204" charset="-122"/>
-                <a:ea typeface="微软雅黑" panose="020B0503020204020204" charset="-122"/>
-              </a:rPr>
-              <a:t>这样就剪出一个完整的相对重要的网络</a:t>
+              <a:t>提出知识蒸馏的想法</a:t>
             </a:r>
             <a:endParaRPr lang="zh-CN" altLang="en-US" sz="1600" dirty="0">
               <a:solidFill>
@@ -11580,108 +11480,6 @@
           </a:p>
         </p:txBody>
       </p:sp>
-      <p:pic>
-        <p:nvPicPr>
-          <p:cNvPr id="4" name="图片 3"/>
-          <p:cNvPicPr>
-            <a:picLocks noChangeAspect="1"/>
-          </p:cNvPicPr>
-          <p:nvPr/>
-        </p:nvPicPr>
-        <p:blipFill>
-          <a:blip r:embed="rId3"/>
-          <a:stretch>
-            <a:fillRect/>
-          </a:stretch>
-        </p:blipFill>
-        <p:spPr>
-          <a:xfrm>
-            <a:off x="2370455" y="3453130"/>
-            <a:ext cx="7310755" cy="2983865"/>
-          </a:xfrm>
-          <a:prstGeom prst="rect">
-            <a:avLst/>
-          </a:prstGeom>
-        </p:spPr>
-      </p:pic>
-      <p:sp>
-        <p:nvSpPr>
-          <p:cNvPr id="6" name="图文框 5"/>
-          <p:cNvSpPr/>
-          <p:nvPr/>
-        </p:nvSpPr>
-        <p:spPr>
-          <a:xfrm>
-            <a:off x="5384165" y="4041775"/>
-            <a:ext cx="396875" cy="504825"/>
-          </a:xfrm>
-          <a:prstGeom prst="frame">
-            <a:avLst/>
-          </a:prstGeom>
-        </p:spPr>
-        <p:style>
-          <a:lnRef idx="2">
-            <a:schemeClr val="accent1">
-              <a:lumMod val="75000"/>
-            </a:schemeClr>
-          </a:lnRef>
-          <a:fillRef idx="1">
-            <a:schemeClr val="accent1"/>
-          </a:fillRef>
-          <a:effectRef idx="0">
-            <a:srgbClr val="FFFFFF"/>
-          </a:effectRef>
-          <a:fontRef idx="minor">
-            <a:schemeClr val="lt1"/>
-          </a:fontRef>
-        </p:style>
-        <p:txBody>
-          <a:bodyPr rtlCol="0" anchor="ctr"/>
-          <a:p>
-            <a:pPr algn="ctr"/>
-            <a:endParaRPr lang="zh-CN" altLang="en-US">
-              <a:solidFill>
-                <a:schemeClr val="tx1"/>
-              </a:solidFill>
-            </a:endParaRPr>
-          </a:p>
-        </p:txBody>
-      </p:sp>
-      <p:cxnSp>
-        <p:nvCxnSpPr>
-          <p:cNvPr id="8" name="直接箭头连接符 7"/>
-          <p:cNvCxnSpPr>
-            <a:endCxn id="6" idx="0"/>
-          </p:cNvCxnSpPr>
-          <p:nvPr/>
-        </p:nvCxnSpPr>
-        <p:spPr>
-          <a:xfrm flipH="1">
-            <a:off x="5582920" y="2429510"/>
-            <a:ext cx="544195" cy="1612265"/>
-          </a:xfrm>
-          <a:prstGeom prst="straightConnector1">
-            <a:avLst/>
-          </a:prstGeom>
-          <a:ln>
-            <a:tailEnd type="arrow"/>
-          </a:ln>
-        </p:spPr>
-        <p:style>
-          <a:lnRef idx="2">
-            <a:schemeClr val="accent1"/>
-          </a:lnRef>
-          <a:fillRef idx="0">
-            <a:srgbClr val="FFFFFF"/>
-          </a:fillRef>
-          <a:effectRef idx="0">
-            <a:srgbClr val="FFFFFF"/>
-          </a:effectRef>
-          <a:fontRef idx="minor">
-            <a:schemeClr val="tx1"/>
-          </a:fontRef>
-        </p:style>
-      </p:cxnSp>
     </p:spTree>
   </p:cSld>
   <p:clrMapOvr>

--- a/0.组会记录/2024-11-21/report-2024-11-21.pptx
+++ b/0.组会记录/2024-11-21/report-2024-11-21.pptx
@@ -14,25 +14,18 @@
     <p:sldId id="1286" r:id="rId6"/>
     <p:sldId id="1495" r:id="rId8"/>
     <p:sldId id="1496" r:id="rId9"/>
-    <p:sldId id="1511" r:id="rId10"/>
-    <p:sldId id="1493" r:id="rId11"/>
-    <p:sldId id="1494" r:id="rId12"/>
-    <p:sldId id="1478" r:id="rId13"/>
-    <p:sldId id="1498" r:id="rId14"/>
-    <p:sldId id="1369" r:id="rId15"/>
-    <p:sldId id="1499" r:id="rId16"/>
-    <p:sldId id="1500" r:id="rId17"/>
-    <p:sldId id="1501" r:id="rId18"/>
-    <p:sldId id="1502" r:id="rId19"/>
-    <p:sldId id="1430" r:id="rId20"/>
-    <p:sldId id="1432" r:id="rId21"/>
-    <p:sldId id="1491" r:id="rId22"/>
-    <p:sldId id="1356" r:id="rId23"/>
+    <p:sldId id="1493" r:id="rId10"/>
+    <p:sldId id="1526" r:id="rId11"/>
+    <p:sldId id="1525" r:id="rId12"/>
+    <p:sldId id="1527" r:id="rId13"/>
+    <p:sldId id="1430" r:id="rId14"/>
+    <p:sldId id="1432" r:id="rId15"/>
+    <p:sldId id="1356" r:id="rId16"/>
   </p:sldIdLst>
   <p:sldSz cx="12192000" cy="6858000"/>
   <p:notesSz cx="6858000" cy="9144000"/>
   <p:custDataLst>
-    <p:tags r:id="rId28"/>
+    <p:tags r:id="rId21"/>
   </p:custDataLst>
   <p:defaultTextStyle>
     <a:defPPr>
@@ -563,318 +556,6 @@
 </p:notes>
 </file>
 
-<file path=ppt/notesSlides/notesSlide10.xml><?xml version="1.0" encoding="utf-8"?>
-<p:notes xmlns:a="http://schemas.openxmlformats.org/drawingml/2006/main" xmlns:r="http://schemas.openxmlformats.org/officeDocument/2006/relationships" xmlns:p="http://schemas.openxmlformats.org/presentationml/2006/main">
-  <p:cSld>
-    <p:spTree>
-      <p:nvGrpSpPr>
-        <p:cNvPr id="1" name=""/>
-        <p:cNvGrpSpPr/>
-        <p:nvPr/>
-      </p:nvGrpSpPr>
-      <p:grpSpPr>
-        <a:xfrm>
-          <a:off x="0" y="0"/>
-          <a:ext cx="0" cy="0"/>
-          <a:chOff x="0" y="0"/>
-          <a:chExt cx="0" cy="0"/>
-        </a:xfrm>
-      </p:grpSpPr>
-      <p:sp>
-        <p:nvSpPr>
-          <p:cNvPr id="2" name="幻灯片图像占位符 1"/>
-          <p:cNvSpPr>
-            <a:spLocks noGrp="1" noRot="1" noChangeAspect="1"/>
-          </p:cNvSpPr>
-          <p:nvPr>
-            <p:ph type="sldImg"/>
-          </p:nvPr>
-        </p:nvSpPr>
-        <p:spPr/>
-      </p:sp>
-      <p:sp>
-        <p:nvSpPr>
-          <p:cNvPr id="3" name="备注占位符 2"/>
-          <p:cNvSpPr>
-            <a:spLocks noGrp="1"/>
-          </p:cNvSpPr>
-          <p:nvPr>
-            <p:ph type="body" idx="1"/>
-          </p:nvPr>
-        </p:nvSpPr>
-        <p:spPr/>
-        <p:txBody>
-          <a:bodyPr/>
-          <a:lstStyle/>
-          <a:p>
-            <a:endParaRPr lang="zh-CN" altLang="en-US" dirty="0"/>
-          </a:p>
-        </p:txBody>
-      </p:sp>
-      <p:sp>
-        <p:nvSpPr>
-          <p:cNvPr id="4" name="灯片编号占位符 3"/>
-          <p:cNvSpPr>
-            <a:spLocks noGrp="1"/>
-          </p:cNvSpPr>
-          <p:nvPr>
-            <p:ph type="sldNum" sz="quarter" idx="5"/>
-          </p:nvPr>
-        </p:nvSpPr>
-        <p:spPr/>
-        <p:txBody>
-          <a:bodyPr/>
-          <a:lstStyle/>
-          <a:p>
-            <a:fld id="{311DA921-5814-416C-A214-0F50BD081254}" type="slidenum">
-              <a:rPr lang="zh-CN" altLang="en-US" smtClean="0"/>
-            </a:fld>
-            <a:endParaRPr lang="zh-CN" altLang="en-US"/>
-          </a:p>
-        </p:txBody>
-      </p:sp>
-    </p:spTree>
-  </p:cSld>
-  <p:clrMapOvr>
-    <a:masterClrMapping/>
-  </p:clrMapOvr>
-</p:notes>
-</file>
-
-<file path=ppt/notesSlides/notesSlide11.xml><?xml version="1.0" encoding="utf-8"?>
-<p:notes xmlns:a="http://schemas.openxmlformats.org/drawingml/2006/main" xmlns:r="http://schemas.openxmlformats.org/officeDocument/2006/relationships" xmlns:p="http://schemas.openxmlformats.org/presentationml/2006/main">
-  <p:cSld>
-    <p:spTree>
-      <p:nvGrpSpPr>
-        <p:cNvPr id="1" name=""/>
-        <p:cNvGrpSpPr/>
-        <p:nvPr/>
-      </p:nvGrpSpPr>
-      <p:grpSpPr>
-        <a:xfrm>
-          <a:off x="0" y="0"/>
-          <a:ext cx="0" cy="0"/>
-          <a:chOff x="0" y="0"/>
-          <a:chExt cx="0" cy="0"/>
-        </a:xfrm>
-      </p:grpSpPr>
-      <p:sp>
-        <p:nvSpPr>
-          <p:cNvPr id="2" name="幻灯片图像占位符 1"/>
-          <p:cNvSpPr>
-            <a:spLocks noGrp="1" noRot="1" noChangeAspect="1"/>
-          </p:cNvSpPr>
-          <p:nvPr>
-            <p:ph type="sldImg"/>
-          </p:nvPr>
-        </p:nvSpPr>
-        <p:spPr/>
-      </p:sp>
-      <p:sp>
-        <p:nvSpPr>
-          <p:cNvPr id="3" name="备注占位符 2"/>
-          <p:cNvSpPr>
-            <a:spLocks noGrp="1"/>
-          </p:cNvSpPr>
-          <p:nvPr>
-            <p:ph type="body" idx="1"/>
-          </p:nvPr>
-        </p:nvSpPr>
-        <p:spPr/>
-        <p:txBody>
-          <a:bodyPr/>
-          <a:lstStyle/>
-          <a:p>
-            <a:endParaRPr lang="zh-CN" altLang="en-US" dirty="0"/>
-          </a:p>
-        </p:txBody>
-      </p:sp>
-      <p:sp>
-        <p:nvSpPr>
-          <p:cNvPr id="4" name="灯片编号占位符 3"/>
-          <p:cNvSpPr>
-            <a:spLocks noGrp="1"/>
-          </p:cNvSpPr>
-          <p:nvPr>
-            <p:ph type="sldNum" sz="quarter" idx="5"/>
-          </p:nvPr>
-        </p:nvSpPr>
-        <p:spPr/>
-        <p:txBody>
-          <a:bodyPr/>
-          <a:lstStyle/>
-          <a:p>
-            <a:fld id="{311DA921-5814-416C-A214-0F50BD081254}" type="slidenum">
-              <a:rPr lang="zh-CN" altLang="en-US" smtClean="0"/>
-            </a:fld>
-            <a:endParaRPr lang="zh-CN" altLang="en-US"/>
-          </a:p>
-        </p:txBody>
-      </p:sp>
-    </p:spTree>
-  </p:cSld>
-  <p:clrMapOvr>
-    <a:masterClrMapping/>
-  </p:clrMapOvr>
-</p:notes>
-</file>
-
-<file path=ppt/notesSlides/notesSlide12.xml><?xml version="1.0" encoding="utf-8"?>
-<p:notes xmlns:a="http://schemas.openxmlformats.org/drawingml/2006/main" xmlns:r="http://schemas.openxmlformats.org/officeDocument/2006/relationships" xmlns:p="http://schemas.openxmlformats.org/presentationml/2006/main">
-  <p:cSld>
-    <p:spTree>
-      <p:nvGrpSpPr>
-        <p:cNvPr id="1" name=""/>
-        <p:cNvGrpSpPr/>
-        <p:nvPr/>
-      </p:nvGrpSpPr>
-      <p:grpSpPr>
-        <a:xfrm>
-          <a:off x="0" y="0"/>
-          <a:ext cx="0" cy="0"/>
-          <a:chOff x="0" y="0"/>
-          <a:chExt cx="0" cy="0"/>
-        </a:xfrm>
-      </p:grpSpPr>
-      <p:sp>
-        <p:nvSpPr>
-          <p:cNvPr id="2" name="幻灯片图像占位符 1"/>
-          <p:cNvSpPr>
-            <a:spLocks noGrp="1" noRot="1" noChangeAspect="1"/>
-          </p:cNvSpPr>
-          <p:nvPr>
-            <p:ph type="sldImg"/>
-          </p:nvPr>
-        </p:nvSpPr>
-        <p:spPr/>
-      </p:sp>
-      <p:sp>
-        <p:nvSpPr>
-          <p:cNvPr id="3" name="备注占位符 2"/>
-          <p:cNvSpPr>
-            <a:spLocks noGrp="1"/>
-          </p:cNvSpPr>
-          <p:nvPr>
-            <p:ph type="body" idx="1"/>
-          </p:nvPr>
-        </p:nvSpPr>
-        <p:spPr/>
-        <p:txBody>
-          <a:bodyPr/>
-          <a:lstStyle/>
-          <a:p>
-            <a:endParaRPr lang="zh-CN" altLang="en-US" dirty="0"/>
-          </a:p>
-        </p:txBody>
-      </p:sp>
-      <p:sp>
-        <p:nvSpPr>
-          <p:cNvPr id="4" name="灯片编号占位符 3"/>
-          <p:cNvSpPr>
-            <a:spLocks noGrp="1"/>
-          </p:cNvSpPr>
-          <p:nvPr>
-            <p:ph type="sldNum" sz="quarter" idx="5"/>
-          </p:nvPr>
-        </p:nvSpPr>
-        <p:spPr/>
-        <p:txBody>
-          <a:bodyPr/>
-          <a:lstStyle/>
-          <a:p>
-            <a:fld id="{311DA921-5814-416C-A214-0F50BD081254}" type="slidenum">
-              <a:rPr lang="zh-CN" altLang="en-US" smtClean="0"/>
-            </a:fld>
-            <a:endParaRPr lang="zh-CN" altLang="en-US"/>
-          </a:p>
-        </p:txBody>
-      </p:sp>
-    </p:spTree>
-  </p:cSld>
-  <p:clrMapOvr>
-    <a:masterClrMapping/>
-  </p:clrMapOvr>
-</p:notes>
-</file>
-
-<file path=ppt/notesSlides/notesSlide13.xml><?xml version="1.0" encoding="utf-8"?>
-<p:notes xmlns:a="http://schemas.openxmlformats.org/drawingml/2006/main" xmlns:r="http://schemas.openxmlformats.org/officeDocument/2006/relationships" xmlns:p="http://schemas.openxmlformats.org/presentationml/2006/main">
-  <p:cSld>
-    <p:spTree>
-      <p:nvGrpSpPr>
-        <p:cNvPr id="1" name=""/>
-        <p:cNvGrpSpPr/>
-        <p:nvPr/>
-      </p:nvGrpSpPr>
-      <p:grpSpPr>
-        <a:xfrm>
-          <a:off x="0" y="0"/>
-          <a:ext cx="0" cy="0"/>
-          <a:chOff x="0" y="0"/>
-          <a:chExt cx="0" cy="0"/>
-        </a:xfrm>
-      </p:grpSpPr>
-      <p:sp>
-        <p:nvSpPr>
-          <p:cNvPr id="2" name="幻灯片图像占位符 1"/>
-          <p:cNvSpPr>
-            <a:spLocks noGrp="1" noRot="1" noChangeAspect="1"/>
-          </p:cNvSpPr>
-          <p:nvPr>
-            <p:ph type="sldImg"/>
-          </p:nvPr>
-        </p:nvSpPr>
-        <p:spPr/>
-      </p:sp>
-      <p:sp>
-        <p:nvSpPr>
-          <p:cNvPr id="3" name="备注占位符 2"/>
-          <p:cNvSpPr>
-            <a:spLocks noGrp="1"/>
-          </p:cNvSpPr>
-          <p:nvPr>
-            <p:ph type="body" idx="1"/>
-          </p:nvPr>
-        </p:nvSpPr>
-        <p:spPr/>
-        <p:txBody>
-          <a:bodyPr/>
-          <a:lstStyle/>
-          <a:p>
-            <a:endParaRPr lang="zh-CN" altLang="en-US" dirty="0"/>
-          </a:p>
-        </p:txBody>
-      </p:sp>
-      <p:sp>
-        <p:nvSpPr>
-          <p:cNvPr id="4" name="灯片编号占位符 3"/>
-          <p:cNvSpPr>
-            <a:spLocks noGrp="1"/>
-          </p:cNvSpPr>
-          <p:nvPr>
-            <p:ph type="sldNum" sz="quarter" idx="5"/>
-          </p:nvPr>
-        </p:nvSpPr>
-        <p:spPr/>
-        <p:txBody>
-          <a:bodyPr/>
-          <a:lstStyle/>
-          <a:p>
-            <a:fld id="{311DA921-5814-416C-A214-0F50BD081254}" type="slidenum">
-              <a:rPr lang="zh-CN" altLang="en-US" smtClean="0"/>
-            </a:fld>
-            <a:endParaRPr lang="zh-CN" altLang="en-US"/>
-          </a:p>
-        </p:txBody>
-      </p:sp>
-    </p:spTree>
-  </p:cSld>
-  <p:clrMapOvr>
-    <a:masterClrMapping/>
-  </p:clrMapOvr>
-</p:notes>
-</file>
-
 <file path=ppt/notesSlides/notesSlide2.xml><?xml version="1.0" encoding="utf-8"?>
 <p:notes xmlns:a="http://schemas.openxmlformats.org/drawingml/2006/main" xmlns:r="http://schemas.openxmlformats.org/officeDocument/2006/relationships" xmlns:p="http://schemas.openxmlformats.org/presentationml/2006/main">
   <p:cSld>
@@ -1188,240 +869,6 @@
 </file>
 
 <file path=ppt/notesSlides/notesSlide6.xml><?xml version="1.0" encoding="utf-8"?>
-<p:notes xmlns:a="http://schemas.openxmlformats.org/drawingml/2006/main" xmlns:r="http://schemas.openxmlformats.org/officeDocument/2006/relationships" xmlns:p="http://schemas.openxmlformats.org/presentationml/2006/main">
-  <p:cSld>
-    <p:spTree>
-      <p:nvGrpSpPr>
-        <p:cNvPr id="1" name=""/>
-        <p:cNvGrpSpPr/>
-        <p:nvPr/>
-      </p:nvGrpSpPr>
-      <p:grpSpPr>
-        <a:xfrm>
-          <a:off x="0" y="0"/>
-          <a:ext cx="0" cy="0"/>
-          <a:chOff x="0" y="0"/>
-          <a:chExt cx="0" cy="0"/>
-        </a:xfrm>
-      </p:grpSpPr>
-      <p:sp>
-        <p:nvSpPr>
-          <p:cNvPr id="2" name="幻灯片图像占位符 1"/>
-          <p:cNvSpPr>
-            <a:spLocks noGrp="1" noRot="1" noChangeAspect="1"/>
-          </p:cNvSpPr>
-          <p:nvPr>
-            <p:ph type="sldImg"/>
-          </p:nvPr>
-        </p:nvSpPr>
-        <p:spPr/>
-      </p:sp>
-      <p:sp>
-        <p:nvSpPr>
-          <p:cNvPr id="3" name="备注占位符 2"/>
-          <p:cNvSpPr>
-            <a:spLocks noGrp="1"/>
-          </p:cNvSpPr>
-          <p:nvPr>
-            <p:ph type="body" idx="1"/>
-          </p:nvPr>
-        </p:nvSpPr>
-        <p:spPr/>
-        <p:txBody>
-          <a:bodyPr/>
-          <a:lstStyle/>
-          <a:p>
-            <a:endParaRPr lang="zh-CN" altLang="en-US" dirty="0"/>
-          </a:p>
-        </p:txBody>
-      </p:sp>
-      <p:sp>
-        <p:nvSpPr>
-          <p:cNvPr id="4" name="灯片编号占位符 3"/>
-          <p:cNvSpPr>
-            <a:spLocks noGrp="1"/>
-          </p:cNvSpPr>
-          <p:nvPr>
-            <p:ph type="sldNum" sz="quarter" idx="5"/>
-          </p:nvPr>
-        </p:nvSpPr>
-        <p:spPr/>
-        <p:txBody>
-          <a:bodyPr/>
-          <a:lstStyle/>
-          <a:p>
-            <a:fld id="{311DA921-5814-416C-A214-0F50BD081254}" type="slidenum">
-              <a:rPr lang="zh-CN" altLang="en-US" smtClean="0"/>
-            </a:fld>
-            <a:endParaRPr lang="zh-CN" altLang="en-US"/>
-          </a:p>
-        </p:txBody>
-      </p:sp>
-    </p:spTree>
-  </p:cSld>
-  <p:clrMapOvr>
-    <a:masterClrMapping/>
-  </p:clrMapOvr>
-</p:notes>
-</file>
-
-<file path=ppt/notesSlides/notesSlide7.xml><?xml version="1.0" encoding="utf-8"?>
-<p:notes xmlns:a="http://schemas.openxmlformats.org/drawingml/2006/main" xmlns:r="http://schemas.openxmlformats.org/officeDocument/2006/relationships" xmlns:p="http://schemas.openxmlformats.org/presentationml/2006/main">
-  <p:cSld>
-    <p:spTree>
-      <p:nvGrpSpPr>
-        <p:cNvPr id="1" name=""/>
-        <p:cNvGrpSpPr/>
-        <p:nvPr/>
-      </p:nvGrpSpPr>
-      <p:grpSpPr>
-        <a:xfrm>
-          <a:off x="0" y="0"/>
-          <a:ext cx="0" cy="0"/>
-          <a:chOff x="0" y="0"/>
-          <a:chExt cx="0" cy="0"/>
-        </a:xfrm>
-      </p:grpSpPr>
-      <p:sp>
-        <p:nvSpPr>
-          <p:cNvPr id="2" name="幻灯片图像占位符 1"/>
-          <p:cNvSpPr>
-            <a:spLocks noGrp="1" noRot="1" noChangeAspect="1"/>
-          </p:cNvSpPr>
-          <p:nvPr>
-            <p:ph type="sldImg"/>
-          </p:nvPr>
-        </p:nvSpPr>
-        <p:spPr/>
-      </p:sp>
-      <p:sp>
-        <p:nvSpPr>
-          <p:cNvPr id="3" name="备注占位符 2"/>
-          <p:cNvSpPr>
-            <a:spLocks noGrp="1"/>
-          </p:cNvSpPr>
-          <p:nvPr>
-            <p:ph type="body" idx="1"/>
-          </p:nvPr>
-        </p:nvSpPr>
-        <p:spPr/>
-        <p:txBody>
-          <a:bodyPr/>
-          <a:lstStyle/>
-          <a:p>
-            <a:endParaRPr lang="zh-CN" altLang="en-US" dirty="0"/>
-          </a:p>
-        </p:txBody>
-      </p:sp>
-      <p:sp>
-        <p:nvSpPr>
-          <p:cNvPr id="4" name="灯片编号占位符 3"/>
-          <p:cNvSpPr>
-            <a:spLocks noGrp="1"/>
-          </p:cNvSpPr>
-          <p:nvPr>
-            <p:ph type="sldNum" sz="quarter" idx="5"/>
-          </p:nvPr>
-        </p:nvSpPr>
-        <p:spPr/>
-        <p:txBody>
-          <a:bodyPr/>
-          <a:lstStyle/>
-          <a:p>
-            <a:fld id="{311DA921-5814-416C-A214-0F50BD081254}" type="slidenum">
-              <a:rPr lang="zh-CN" altLang="en-US" smtClean="0"/>
-            </a:fld>
-            <a:endParaRPr lang="zh-CN" altLang="en-US"/>
-          </a:p>
-        </p:txBody>
-      </p:sp>
-    </p:spTree>
-  </p:cSld>
-  <p:clrMapOvr>
-    <a:masterClrMapping/>
-  </p:clrMapOvr>
-</p:notes>
-</file>
-
-<file path=ppt/notesSlides/notesSlide8.xml><?xml version="1.0" encoding="utf-8"?>
-<p:notes xmlns:a="http://schemas.openxmlformats.org/drawingml/2006/main" xmlns:r="http://schemas.openxmlformats.org/officeDocument/2006/relationships" xmlns:p="http://schemas.openxmlformats.org/presentationml/2006/main">
-  <p:cSld>
-    <p:spTree>
-      <p:nvGrpSpPr>
-        <p:cNvPr id="1" name=""/>
-        <p:cNvGrpSpPr/>
-        <p:nvPr/>
-      </p:nvGrpSpPr>
-      <p:grpSpPr>
-        <a:xfrm>
-          <a:off x="0" y="0"/>
-          <a:ext cx="0" cy="0"/>
-          <a:chOff x="0" y="0"/>
-          <a:chExt cx="0" cy="0"/>
-        </a:xfrm>
-      </p:grpSpPr>
-      <p:sp>
-        <p:nvSpPr>
-          <p:cNvPr id="2" name="幻灯片图像占位符 1"/>
-          <p:cNvSpPr>
-            <a:spLocks noGrp="1" noRot="1" noChangeAspect="1"/>
-          </p:cNvSpPr>
-          <p:nvPr>
-            <p:ph type="sldImg"/>
-          </p:nvPr>
-        </p:nvSpPr>
-        <p:spPr/>
-      </p:sp>
-      <p:sp>
-        <p:nvSpPr>
-          <p:cNvPr id="3" name="备注占位符 2"/>
-          <p:cNvSpPr>
-            <a:spLocks noGrp="1"/>
-          </p:cNvSpPr>
-          <p:nvPr>
-            <p:ph type="body" idx="1"/>
-          </p:nvPr>
-        </p:nvSpPr>
-        <p:spPr/>
-        <p:txBody>
-          <a:bodyPr/>
-          <a:lstStyle/>
-          <a:p>
-            <a:endParaRPr lang="zh-CN" altLang="en-US" dirty="0"/>
-          </a:p>
-        </p:txBody>
-      </p:sp>
-      <p:sp>
-        <p:nvSpPr>
-          <p:cNvPr id="4" name="灯片编号占位符 3"/>
-          <p:cNvSpPr>
-            <a:spLocks noGrp="1"/>
-          </p:cNvSpPr>
-          <p:nvPr>
-            <p:ph type="sldNum" sz="quarter" idx="5"/>
-          </p:nvPr>
-        </p:nvSpPr>
-        <p:spPr/>
-        <p:txBody>
-          <a:bodyPr/>
-          <a:lstStyle/>
-          <a:p>
-            <a:fld id="{311DA921-5814-416C-A214-0F50BD081254}" type="slidenum">
-              <a:rPr lang="zh-CN" altLang="en-US" smtClean="0"/>
-            </a:fld>
-            <a:endParaRPr lang="zh-CN" altLang="en-US"/>
-          </a:p>
-        </p:txBody>
-      </p:sp>
-    </p:spTree>
-  </p:cSld>
-  <p:clrMapOvr>
-    <a:masterClrMapping/>
-  </p:clrMapOvr>
-</p:notes>
-</file>
-
-<file path=ppt/notesSlides/notesSlide9.xml><?xml version="1.0" encoding="utf-8"?>
 <p:notes xmlns:a="http://schemas.openxmlformats.org/drawingml/2006/main" xmlns:r="http://schemas.openxmlformats.org/officeDocument/2006/relationships" xmlns:p="http://schemas.openxmlformats.org/presentationml/2006/main">
   <p:cSld>
     <p:spTree>
@@ -4647,54 +4094,6 @@
           <a:chExt cx="0" cy="0"/>
         </a:xfrm>
       </p:grpSpPr>
-      <p:pic>
-        <p:nvPicPr>
-          <p:cNvPr id="8" name="图片 7"/>
-          <p:cNvPicPr>
-            <a:picLocks noChangeAspect="1"/>
-          </p:cNvPicPr>
-          <p:nvPr/>
-        </p:nvPicPr>
-        <p:blipFill>
-          <a:blip r:embed="rId1"/>
-          <a:stretch>
-            <a:fillRect/>
-          </a:stretch>
-        </p:blipFill>
-        <p:spPr>
-          <a:xfrm>
-            <a:off x="372110" y="5573395"/>
-            <a:ext cx="6826250" cy="685800"/>
-          </a:xfrm>
-          <a:prstGeom prst="rect">
-            <a:avLst/>
-          </a:prstGeom>
-        </p:spPr>
-      </p:pic>
-      <p:pic>
-        <p:nvPicPr>
-          <p:cNvPr id="11" name="图片 10"/>
-          <p:cNvPicPr>
-            <a:picLocks noChangeAspect="1"/>
-          </p:cNvPicPr>
-          <p:nvPr/>
-        </p:nvPicPr>
-        <p:blipFill>
-          <a:blip r:embed="rId2"/>
-          <a:stretch>
-            <a:fillRect/>
-          </a:stretch>
-        </p:blipFill>
-        <p:spPr>
-          <a:xfrm>
-            <a:off x="486410" y="4811395"/>
-            <a:ext cx="6597650" cy="762000"/>
-          </a:xfrm>
-          <a:prstGeom prst="rect">
-            <a:avLst/>
-          </a:prstGeom>
-        </p:spPr>
-      </p:pic>
       <p:sp>
         <p:nvSpPr>
           <p:cNvPr id="13" name="文本框 12"/>
@@ -4726,7 +4125,7 @@
                 <a:latin typeface="微软雅黑" panose="020B0503020204020204" charset="-122"/>
                 <a:ea typeface="微软雅黑" panose="020B0503020204020204" charset="-122"/>
               </a:rPr>
-              <a:t>流程</a:t>
+              <a:t>概述</a:t>
             </a:r>
             <a:endParaRPr lang="zh-CN" altLang="en-US" sz="2000" b="1" dirty="0"/>
           </a:p>
@@ -4775,7 +4174,7 @@
           <p:cNvSpPr/>
           <p:nvPr>
             <p:custDataLst>
-              <p:tags r:id="rId3"/>
+              <p:tags r:id="rId1"/>
             </p:custDataLst>
           </p:nvPr>
         </p:nvSpPr>
@@ -4830,21 +4229,30 @@
               <a:defRPr/>
             </a:pPr>
             <a:r>
-              <a:rPr lang="en-US" altLang="zh-CN" sz="1800" dirty="0">
-                <a:effectLst/>
-                <a:latin typeface="微软雅黑" panose="020B0503020204020204" charset="-122"/>
-                <a:ea typeface="微软雅黑" panose="020B0503020204020204" charset="-122"/>
-              </a:rPr>
-              <a:t>2.</a:t>
-            </a:r>
-            <a:r>
               <a:rPr lang="en-US" altLang="zh-CN" dirty="0">
                 <a:effectLst/>
                 <a:latin typeface="微软雅黑" panose="020B0503020204020204" charset="-122"/>
                 <a:ea typeface="微软雅黑" panose="020B0503020204020204" charset="-122"/>
                 <a:sym typeface="+mn-ea"/>
               </a:rPr>
-              <a:t>LLM-Pruner: On the Structural Pruning of Large Language Models</a:t>
+              <a:t>3.</a:t>
+            </a:r>
+            <a:r>
+              <a:rPr lang="en-US" altLang="zh-CN" dirty="0">
+                <a:effectLst/>
+                <a:latin typeface="微软雅黑" panose="020B0503020204020204" charset="-122"/>
+                <a:ea typeface="微软雅黑" panose="020B0503020204020204" charset="-122"/>
+              </a:rPr>
+              <a:t>In</a:t>
+            </a:r>
+            <a:r>
+              <a:rPr lang="en-US" altLang="zh-CN" dirty="0">
+                <a:effectLst/>
+                <a:latin typeface="微软雅黑" panose="020B0503020204020204" charset="-122"/>
+                <a:ea typeface="微软雅黑" panose="020B0503020204020204" charset="-122"/>
+                <a:sym typeface="+mn-ea"/>
+              </a:rPr>
+              <a:t>tegrated image-based deep learning and language models for primary diabetes care</a:t>
             </a:r>
             <a:endParaRPr lang="en-US" altLang="zh-CN" dirty="0">
               <a:effectLst/>
@@ -4856,14 +4264,18 @@
       </p:sp>
       <p:sp>
         <p:nvSpPr>
-          <p:cNvPr id="10" name="文本框 9"/>
+          <p:cNvPr id="5" name="文本框 4"/>
           <p:cNvSpPr txBox="1"/>
-          <p:nvPr/>
-        </p:nvSpPr>
-        <p:spPr>
-          <a:xfrm>
-            <a:off x="286385" y="1545590"/>
-            <a:ext cx="5511800" cy="1730375"/>
+          <p:nvPr>
+            <p:custDataLst>
+              <p:tags r:id="rId2"/>
+            </p:custDataLst>
+          </p:nvPr>
+        </p:nvSpPr>
+        <p:spPr>
+          <a:xfrm>
+            <a:off x="455295" y="972185"/>
+            <a:ext cx="1725930" cy="506730"/>
           </a:xfrm>
           <a:prstGeom prst="rect">
             <a:avLst/>
@@ -4872,231 +4284,261 @@
         </p:spPr>
         <p:txBody>
           <a:bodyPr wrap="square" rtlCol="0">
+            <a:spAutoFit/>
+          </a:bodyPr>
+          <a:p>
+            <a:pPr marL="285750" indent="-285750">
+              <a:lnSpc>
+                <a:spcPct val="150000"/>
+              </a:lnSpc>
+              <a:buFont typeface="Wingdings" panose="05000000000000000000" charset="0"/>
+              <a:buChar char="p"/>
+            </a:pPr>
+            <a:r>
+              <a:rPr lang="zh-CN" altLang="en-US" b="1" dirty="0">
+                <a:latin typeface="微软雅黑" panose="020B0503020204020204" charset="-122"/>
+                <a:ea typeface="微软雅黑" panose="020B0503020204020204" charset="-122"/>
+              </a:rPr>
+              <a:t>任务：</a:t>
+            </a:r>
+            <a:endParaRPr lang="en-US" altLang="zh-CN" b="1" dirty="0">
+              <a:latin typeface="微软雅黑" panose="020B0503020204020204" charset="-122"/>
+              <a:ea typeface="微软雅黑" panose="020B0503020204020204" charset="-122"/>
+            </a:endParaRPr>
+          </a:p>
+        </p:txBody>
+      </p:sp>
+      <p:sp>
+        <p:nvSpPr>
+          <p:cNvPr id="11" name="文本框 10"/>
+          <p:cNvSpPr txBox="1"/>
+          <p:nvPr>
+            <p:custDataLst>
+              <p:tags r:id="rId3"/>
+            </p:custDataLst>
+          </p:nvPr>
+        </p:nvSpPr>
+        <p:spPr>
+          <a:xfrm>
+            <a:off x="455295" y="1849755"/>
+            <a:ext cx="1725930" cy="506730"/>
+          </a:xfrm>
+          <a:prstGeom prst="rect">
+            <a:avLst/>
+          </a:prstGeom>
+          <a:noFill/>
+        </p:spPr>
+        <p:txBody>
+          <a:bodyPr wrap="square" rtlCol="0">
+            <a:spAutoFit/>
+          </a:bodyPr>
+          <a:p>
+            <a:pPr marL="285750" indent="-285750">
+              <a:lnSpc>
+                <a:spcPct val="150000"/>
+              </a:lnSpc>
+              <a:buFont typeface="Wingdings" panose="05000000000000000000" charset="0"/>
+              <a:buChar char="p"/>
+            </a:pPr>
+            <a:r>
+              <a:rPr lang="zh-CN" altLang="en-US" b="1" dirty="0">
+                <a:latin typeface="微软雅黑" panose="020B0503020204020204" charset="-122"/>
+                <a:ea typeface="微软雅黑" panose="020B0503020204020204" charset="-122"/>
+              </a:rPr>
+              <a:t>动机：</a:t>
+            </a:r>
+            <a:endParaRPr lang="en-US" altLang="zh-CN" b="1" dirty="0">
+              <a:latin typeface="微软雅黑" panose="020B0503020204020204" charset="-122"/>
+              <a:ea typeface="微软雅黑" panose="020B0503020204020204" charset="-122"/>
+            </a:endParaRPr>
+          </a:p>
+        </p:txBody>
+      </p:sp>
+      <p:sp>
+        <p:nvSpPr>
+          <p:cNvPr id="4" name="文本框 3"/>
+          <p:cNvSpPr txBox="1"/>
+          <p:nvPr>
+            <p:custDataLst>
+              <p:tags r:id="rId4"/>
+            </p:custDataLst>
+          </p:nvPr>
+        </p:nvSpPr>
+        <p:spPr>
+          <a:xfrm>
+            <a:off x="455295" y="3140075"/>
+            <a:ext cx="1725930" cy="506730"/>
+          </a:xfrm>
+          <a:prstGeom prst="rect">
+            <a:avLst/>
+          </a:prstGeom>
+          <a:noFill/>
+        </p:spPr>
+        <p:txBody>
+          <a:bodyPr wrap="square" rtlCol="0">
+            <a:spAutoFit/>
+          </a:bodyPr>
+          <a:p>
+            <a:pPr marL="285750" indent="-285750">
+              <a:lnSpc>
+                <a:spcPct val="150000"/>
+              </a:lnSpc>
+              <a:buFont typeface="Wingdings" panose="05000000000000000000" charset="0"/>
+              <a:buChar char="p"/>
+            </a:pPr>
+            <a:r>
+              <a:rPr lang="zh-CN" altLang="en-US" b="1" dirty="0">
+                <a:latin typeface="微软雅黑" panose="020B0503020204020204" charset="-122"/>
+                <a:ea typeface="微软雅黑" panose="020B0503020204020204" charset="-122"/>
+              </a:rPr>
+              <a:t>整体</a:t>
+            </a:r>
+            <a:r>
+              <a:rPr lang="zh-CN" altLang="en-US" b="1" dirty="0">
+                <a:latin typeface="微软雅黑" panose="020B0503020204020204" charset="-122"/>
+                <a:ea typeface="微软雅黑" panose="020B0503020204020204" charset="-122"/>
+              </a:rPr>
+              <a:t>思路：</a:t>
+            </a:r>
+            <a:endParaRPr lang="en-US" altLang="zh-CN" b="1" dirty="0">
+              <a:latin typeface="微软雅黑" panose="020B0503020204020204" charset="-122"/>
+              <a:ea typeface="微软雅黑" panose="020B0503020204020204" charset="-122"/>
+            </a:endParaRPr>
+          </a:p>
+        </p:txBody>
+      </p:sp>
+      <p:sp>
+        <p:nvSpPr>
+          <p:cNvPr id="6" name="文本框 5"/>
+          <p:cNvSpPr txBox="1"/>
+          <p:nvPr>
+            <p:custDataLst>
+              <p:tags r:id="rId5"/>
+            </p:custDataLst>
+          </p:nvPr>
+        </p:nvSpPr>
+        <p:spPr>
+          <a:xfrm>
+            <a:off x="455295" y="5414010"/>
+            <a:ext cx="1725930" cy="506730"/>
+          </a:xfrm>
+          <a:prstGeom prst="rect">
+            <a:avLst/>
+          </a:prstGeom>
+          <a:noFill/>
+        </p:spPr>
+        <p:txBody>
+          <a:bodyPr wrap="square" rtlCol="0">
+            <a:spAutoFit/>
+          </a:bodyPr>
+          <a:p>
+            <a:pPr marL="285750" indent="-285750">
+              <a:lnSpc>
+                <a:spcPct val="150000"/>
+              </a:lnSpc>
+              <a:buFont typeface="Wingdings" panose="05000000000000000000" charset="0"/>
+              <a:buChar char="p"/>
+            </a:pPr>
+            <a:r>
+              <a:rPr lang="zh-CN" altLang="en-US" b="1" dirty="0">
+                <a:latin typeface="微软雅黑" panose="020B0503020204020204" charset="-122"/>
+                <a:ea typeface="微软雅黑" panose="020B0503020204020204" charset="-122"/>
+              </a:rPr>
+              <a:t>贡献：</a:t>
+            </a:r>
+            <a:endParaRPr lang="en-US" altLang="zh-CN" b="1" dirty="0">
+              <a:latin typeface="微软雅黑" panose="020B0503020204020204" charset="-122"/>
+              <a:ea typeface="微软雅黑" panose="020B0503020204020204" charset="-122"/>
+            </a:endParaRPr>
+          </a:p>
+        </p:txBody>
+      </p:sp>
+      <p:sp>
+        <p:nvSpPr>
+          <p:cNvPr id="14" name="文本框 13"/>
+          <p:cNvSpPr txBox="1"/>
+          <p:nvPr/>
+        </p:nvSpPr>
+        <p:spPr>
+          <a:xfrm>
+            <a:off x="106680" y="6453505"/>
+            <a:ext cx="12229465" cy="275590"/>
+          </a:xfrm>
+          <a:prstGeom prst="rect">
+            <a:avLst/>
+          </a:prstGeom>
+        </p:spPr>
+        <p:txBody>
+          <a:bodyPr wrap="square">
+            <a:spAutoFit/>
+          </a:bodyPr>
+          <a:p>
+            <a:pPr marL="0" indent="0" algn="l"/>
+            <a:r>
+              <a:rPr lang="en-US" altLang="zh-CN" sz="1200" b="0" i="0">
+                <a:solidFill>
+                  <a:srgbClr val="333333"/>
+                </a:solidFill>
+                <a:latin typeface="Arial" panose="020B0604020202020204"/>
+                <a:ea typeface="Arial" panose="020B0604020202020204"/>
+              </a:rPr>
+              <a:t>Song M, Wang J, Yu Z, et al. PneumoLLM: Harnessing the power of large language model for pneumoconiosis diagnosis[J]. Medical Image Analysis, 2024: 103248.</a:t>
+            </a:r>
+            <a:endParaRPr lang="en-US" altLang="zh-CN" sz="1200" b="0" i="0">
+              <a:solidFill>
+                <a:srgbClr val="333333"/>
+              </a:solidFill>
+              <a:latin typeface="Arial" panose="020B0604020202020204"/>
+              <a:ea typeface="Arial" panose="020B0604020202020204"/>
+            </a:endParaRPr>
+          </a:p>
+        </p:txBody>
+      </p:sp>
+      <p:sp>
+        <p:nvSpPr>
+          <p:cNvPr id="15" name="文本框 14"/>
+          <p:cNvSpPr txBox="1"/>
+          <p:nvPr/>
+        </p:nvSpPr>
+        <p:spPr>
+          <a:xfrm>
+            <a:off x="286385" y="1457325"/>
+            <a:ext cx="8058150" cy="444500"/>
+          </a:xfrm>
+          <a:prstGeom prst="rect">
+            <a:avLst/>
+          </a:prstGeom>
+          <a:noFill/>
+        </p:spPr>
+        <p:txBody>
+          <a:bodyPr wrap="square" rtlCol="0">
             <a:noAutofit/>
           </a:bodyPr>
           <a:p>
+            <a:pPr indent="457200"/>
+            <a:r>
+              <a:rPr lang="zh-CN" altLang="en-US" sz="1600" dirty="0">
+                <a:solidFill>
+                  <a:schemeClr val="tx1"/>
+                </a:solidFill>
+                <a:latin typeface="微软雅黑" panose="020B0503020204020204" charset="-122"/>
+                <a:ea typeface="微软雅黑" panose="020B0503020204020204" charset="-122"/>
+              </a:rPr>
+              <a:t>实现一个对话式的糖尿病诊断</a:t>
+            </a:r>
+            <a:endParaRPr lang="en-US" altLang="zh-CN" sz="1600" dirty="0">
+              <a:solidFill>
+                <a:schemeClr val="tx1"/>
+              </a:solidFill>
+              <a:latin typeface="微软雅黑" panose="020B0503020204020204" charset="-122"/>
+              <a:ea typeface="微软雅黑" panose="020B0503020204020204" charset="-122"/>
+            </a:endParaRPr>
+          </a:p>
+          <a:p>
             <a:pPr marL="0" lvl="0" indent="457200">
               <a:buNone/>
             </a:pPr>
-            <a:r>
-              <a:rPr lang="zh-CN" altLang="en-US" sz="1600" dirty="0">
-                <a:solidFill>
-                  <a:schemeClr val="tx1"/>
-                </a:solidFill>
-                <a:latin typeface="微软雅黑" panose="020B0503020204020204" charset="-122"/>
-                <a:ea typeface="微软雅黑" panose="020B0503020204020204" charset="-122"/>
-              </a:rPr>
-              <a:t>据依赖性准则，将</a:t>
-            </a:r>
-            <a:r>
-              <a:rPr lang="en-US" altLang="zh-CN" sz="1600" dirty="0">
-                <a:solidFill>
-                  <a:schemeClr val="tx1"/>
-                </a:solidFill>
-                <a:latin typeface="微软雅黑" panose="020B0503020204020204" charset="-122"/>
-                <a:ea typeface="微软雅黑" panose="020B0503020204020204" charset="-122"/>
-              </a:rPr>
-              <a:t> LLM </a:t>
-            </a:r>
-            <a:r>
-              <a:rPr lang="zh-CN" altLang="en-US" sz="1600" dirty="0">
-                <a:solidFill>
-                  <a:schemeClr val="tx1"/>
-                </a:solidFill>
-                <a:latin typeface="微软雅黑" panose="020B0503020204020204" charset="-122"/>
-                <a:ea typeface="微软雅黑" panose="020B0503020204020204" charset="-122"/>
-              </a:rPr>
-              <a:t>中互相依赖的神经元划分为一组。依赖性准则为：若</a:t>
-            </a:r>
-            <a:r>
-              <a:rPr lang="en-US" altLang="zh-CN" sz="1600" dirty="0">
-                <a:solidFill>
-                  <a:schemeClr val="tx1"/>
-                </a:solidFill>
-                <a:latin typeface="微软雅黑" panose="020B0503020204020204" charset="-122"/>
-                <a:ea typeface="微软雅黑" panose="020B0503020204020204" charset="-122"/>
-              </a:rPr>
-              <a:t> i </a:t>
-            </a:r>
-            <a:r>
-              <a:rPr lang="zh-CN" altLang="en-US" sz="1600" dirty="0">
-                <a:solidFill>
-                  <a:schemeClr val="tx1"/>
-                </a:solidFill>
-                <a:latin typeface="微软雅黑" panose="020B0503020204020204" charset="-122"/>
-                <a:ea typeface="微软雅黑" panose="020B0503020204020204" charset="-122"/>
-              </a:rPr>
-              <a:t>是</a:t>
-            </a:r>
-            <a:r>
-              <a:rPr lang="en-US" altLang="zh-CN" sz="1600" dirty="0">
-                <a:solidFill>
-                  <a:schemeClr val="tx1"/>
-                </a:solidFill>
-                <a:latin typeface="微软雅黑" panose="020B0503020204020204" charset="-122"/>
-                <a:ea typeface="微软雅黑" panose="020B0503020204020204" charset="-122"/>
-              </a:rPr>
-              <a:t> j </a:t>
-            </a:r>
-            <a:r>
-              <a:rPr lang="zh-CN" altLang="en-US" sz="1600" dirty="0">
-                <a:solidFill>
-                  <a:schemeClr val="tx1"/>
-                </a:solidFill>
-                <a:latin typeface="微软雅黑" panose="020B0503020204020204" charset="-122"/>
-                <a:ea typeface="微软雅黑" panose="020B0503020204020204" charset="-122"/>
-              </a:rPr>
-              <a:t>的唯一前驱，则</a:t>
-            </a:r>
-            <a:r>
-              <a:rPr lang="en-US" altLang="zh-CN" sz="1600" dirty="0">
-                <a:solidFill>
-                  <a:schemeClr val="tx1"/>
-                </a:solidFill>
-                <a:latin typeface="微软雅黑" panose="020B0503020204020204" charset="-122"/>
-                <a:ea typeface="微软雅黑" panose="020B0503020204020204" charset="-122"/>
-              </a:rPr>
-              <a:t> j </a:t>
-            </a:r>
-            <a:r>
-              <a:rPr lang="zh-CN" altLang="en-US" sz="1600" dirty="0">
-                <a:solidFill>
-                  <a:schemeClr val="tx1"/>
-                </a:solidFill>
-                <a:latin typeface="微软雅黑" panose="020B0503020204020204" charset="-122"/>
-                <a:ea typeface="微软雅黑" panose="020B0503020204020204" charset="-122"/>
-              </a:rPr>
-              <a:t>依赖于</a:t>
-            </a:r>
-            <a:r>
-              <a:rPr lang="en-US" altLang="zh-CN" sz="1600" dirty="0">
-                <a:solidFill>
-                  <a:schemeClr val="tx1"/>
-                </a:solidFill>
-                <a:latin typeface="微软雅黑" panose="020B0503020204020204" charset="-122"/>
-                <a:ea typeface="微软雅黑" panose="020B0503020204020204" charset="-122"/>
-              </a:rPr>
-              <a:t> i</a:t>
-            </a:r>
-            <a:r>
-              <a:rPr lang="zh-CN" altLang="en-US" sz="1600" dirty="0">
-                <a:solidFill>
-                  <a:schemeClr val="tx1"/>
-                </a:solidFill>
-                <a:latin typeface="微软雅黑" panose="020B0503020204020204" charset="-122"/>
-                <a:ea typeface="微软雅黑" panose="020B0503020204020204" charset="-122"/>
-              </a:rPr>
-              <a:t>；若</a:t>
-            </a:r>
-            <a:r>
-              <a:rPr lang="en-US" altLang="zh-CN" sz="1600" dirty="0">
-                <a:solidFill>
-                  <a:schemeClr val="tx1"/>
-                </a:solidFill>
-                <a:latin typeface="微软雅黑" panose="020B0503020204020204" charset="-122"/>
-                <a:ea typeface="微软雅黑" panose="020B0503020204020204" charset="-122"/>
-              </a:rPr>
-              <a:t> j </a:t>
-            </a:r>
-            <a:r>
-              <a:rPr lang="zh-CN" altLang="en-US" sz="1600" dirty="0">
-                <a:solidFill>
-                  <a:schemeClr val="tx1"/>
-                </a:solidFill>
-                <a:latin typeface="微软雅黑" panose="020B0503020204020204" charset="-122"/>
-                <a:ea typeface="微软雅黑" panose="020B0503020204020204" charset="-122"/>
-              </a:rPr>
-              <a:t>是</a:t>
-            </a:r>
-            <a:r>
-              <a:rPr lang="en-US" altLang="zh-CN" sz="1600" dirty="0">
-                <a:solidFill>
-                  <a:schemeClr val="tx1"/>
-                </a:solidFill>
-                <a:latin typeface="微软雅黑" panose="020B0503020204020204" charset="-122"/>
-                <a:ea typeface="微软雅黑" panose="020B0503020204020204" charset="-122"/>
-              </a:rPr>
-              <a:t> i </a:t>
-            </a:r>
-            <a:r>
-              <a:rPr lang="zh-CN" altLang="en-US" sz="1600" dirty="0">
-                <a:solidFill>
-                  <a:schemeClr val="tx1"/>
-                </a:solidFill>
-                <a:latin typeface="微软雅黑" panose="020B0503020204020204" charset="-122"/>
-                <a:ea typeface="微软雅黑" panose="020B0503020204020204" charset="-122"/>
-              </a:rPr>
-              <a:t>的唯一后继，则</a:t>
-            </a:r>
-            <a:r>
-              <a:rPr lang="en-US" altLang="zh-CN" sz="1600" dirty="0">
-                <a:solidFill>
-                  <a:schemeClr val="tx1"/>
-                </a:solidFill>
-                <a:latin typeface="微软雅黑" panose="020B0503020204020204" charset="-122"/>
-                <a:ea typeface="微软雅黑" panose="020B0503020204020204" charset="-122"/>
-              </a:rPr>
-              <a:t> i </a:t>
-            </a:r>
-            <a:r>
-              <a:rPr lang="zh-CN" altLang="en-US" sz="1600" dirty="0">
-                <a:solidFill>
-                  <a:schemeClr val="tx1"/>
-                </a:solidFill>
-                <a:latin typeface="微软雅黑" panose="020B0503020204020204" charset="-122"/>
-                <a:ea typeface="微软雅黑" panose="020B0503020204020204" charset="-122"/>
-              </a:rPr>
-              <a:t>依赖于</a:t>
-            </a:r>
-            <a:r>
-              <a:rPr lang="en-US" altLang="zh-CN" sz="1600" dirty="0">
-                <a:solidFill>
-                  <a:schemeClr val="tx1"/>
-                </a:solidFill>
-                <a:latin typeface="微软雅黑" panose="020B0503020204020204" charset="-122"/>
-                <a:ea typeface="微软雅黑" panose="020B0503020204020204" charset="-122"/>
-              </a:rPr>
-              <a:t> j</a:t>
-            </a:r>
-            <a:r>
-              <a:rPr lang="zh-CN" altLang="en-US" sz="1600" dirty="0">
-                <a:solidFill>
-                  <a:schemeClr val="tx1"/>
-                </a:solidFill>
-                <a:latin typeface="微软雅黑" panose="020B0503020204020204" charset="-122"/>
-                <a:ea typeface="微软雅黑" panose="020B0503020204020204" charset="-122"/>
-              </a:rPr>
-              <a:t>。</a:t>
-            </a:r>
-            <a:r>
-              <a:rPr lang="zh-CN" altLang="en-US" sz="1600" b="1" dirty="0">
-                <a:solidFill>
-                  <a:schemeClr val="tx1"/>
-                </a:solidFill>
-                <a:latin typeface="微软雅黑" panose="020B0503020204020204" charset="-122"/>
-                <a:ea typeface="微软雅黑" panose="020B0503020204020204" charset="-122"/>
-              </a:rPr>
-              <a:t>（有点像哈斯图的极大值的定义）</a:t>
-            </a:r>
-            <a:r>
-              <a:rPr lang="zh-CN" altLang="en-US" sz="1600" dirty="0">
-                <a:latin typeface="微软雅黑" panose="020B0503020204020204" charset="-122"/>
-                <a:ea typeface="微软雅黑" panose="020B0503020204020204" charset="-122"/>
-                <a:sym typeface="+mn-ea"/>
-              </a:rPr>
-              <a:t>。</a:t>
-            </a:r>
-            <a:r>
-              <a:rPr lang="zh-CN" altLang="en-US" sz="1600" dirty="0">
-                <a:solidFill>
-                  <a:schemeClr val="tx1"/>
-                </a:solidFill>
-                <a:latin typeface="微软雅黑" panose="020B0503020204020204" charset="-122"/>
-                <a:ea typeface="微软雅黑" panose="020B0503020204020204" charset="-122"/>
-              </a:rPr>
-              <a:t>具体操作中，需要分别将网络中每个神经元作为初始节点，依赖关系沿方向传导，传导过程中遍历的神经元为一组，一组需同时剪枝。</a:t>
-            </a:r>
-            <a:endParaRPr lang="zh-CN" altLang="en-US" sz="1600" dirty="0">
+            <a:endParaRPr lang="en-US" altLang="zh-CN" sz="1600" dirty="0">
               <a:solidFill>
                 <a:schemeClr val="tx1"/>
               </a:solidFill>
@@ -5116,6 +4558,48 @@
               <a:ea typeface="微软雅黑" panose="020B0503020204020204" charset="-122"/>
             </a:endParaRPr>
           </a:p>
+        </p:txBody>
+      </p:sp>
+      <p:sp>
+        <p:nvSpPr>
+          <p:cNvPr id="2" name="文本框 1"/>
+          <p:cNvSpPr txBox="1"/>
+          <p:nvPr/>
+        </p:nvSpPr>
+        <p:spPr>
+          <a:xfrm>
+            <a:off x="286385" y="2358390"/>
+            <a:ext cx="5688965" cy="444500"/>
+          </a:xfrm>
+          <a:prstGeom prst="rect">
+            <a:avLst/>
+          </a:prstGeom>
+          <a:noFill/>
+        </p:spPr>
+        <p:txBody>
+          <a:bodyPr wrap="square" rtlCol="0">
+            <a:noAutofit/>
+          </a:bodyPr>
+          <a:p>
+            <a:pPr indent="457200"/>
+            <a:r>
+              <a:rPr lang="zh-CN" altLang="en-US" sz="1600" dirty="0">
+                <a:solidFill>
+                  <a:schemeClr val="tx1"/>
+                </a:solidFill>
+                <a:latin typeface="微软雅黑" panose="020B0503020204020204" charset="-122"/>
+                <a:ea typeface="微软雅黑" panose="020B0503020204020204" charset="-122"/>
+              </a:rPr>
+              <a:t>尘肺病</a:t>
+            </a:r>
+            <a:endParaRPr lang="en-US" altLang="zh-CN" sz="1600" dirty="0">
+              <a:solidFill>
+                <a:schemeClr val="tx1"/>
+              </a:solidFill>
+              <a:latin typeface="微软雅黑" panose="020B0503020204020204" charset="-122"/>
+              <a:ea typeface="微软雅黑" panose="020B0503020204020204" charset="-122"/>
+            </a:endParaRPr>
+          </a:p>
           <a:p>
             <a:pPr marL="0" lvl="0" indent="457200">
               <a:buNone/>
@@ -5128,11 +4612,31 @@
               <a:ea typeface="微软雅黑" panose="020B0503020204020204" charset="-122"/>
             </a:endParaRPr>
           </a:p>
-          <a:p>
-            <a:pPr marL="0" lvl="0" indent="457200">
-              <a:buNone/>
-            </a:pPr>
-            <a:endParaRPr lang="zh-CN" altLang="en-US" sz="1600" dirty="0">
+        </p:txBody>
+      </p:sp>
+      <p:sp>
+        <p:nvSpPr>
+          <p:cNvPr id="12" name="文本框 11"/>
+          <p:cNvSpPr txBox="1"/>
+          <p:nvPr/>
+        </p:nvSpPr>
+        <p:spPr>
+          <a:xfrm>
+            <a:off x="286385" y="5920740"/>
+            <a:ext cx="8058150" cy="444500"/>
+          </a:xfrm>
+          <a:prstGeom prst="rect">
+            <a:avLst/>
+          </a:prstGeom>
+          <a:noFill/>
+        </p:spPr>
+        <p:txBody>
+          <a:bodyPr wrap="square" rtlCol="0">
+            <a:noAutofit/>
+          </a:bodyPr>
+          <a:p>
+            <a:pPr indent="457200"/>
+            <a:endParaRPr lang="en-US" altLang="zh-CN" sz="1600" dirty="0">
               <a:solidFill>
                 <a:schemeClr val="tx1"/>
               </a:solidFill>
@@ -5144,7 +4648,7 @@
             <a:pPr marL="0" lvl="0" indent="457200">
               <a:buNone/>
             </a:pPr>
-            <a:endParaRPr lang="zh-CN" altLang="en-US" sz="1600" dirty="0">
+            <a:endParaRPr lang="en-US" altLang="zh-CN" sz="1600" dirty="0">
               <a:solidFill>
                 <a:schemeClr val="tx1"/>
               </a:solidFill>
@@ -5156,264 +4660,10 @@
             <a:pPr marL="0" lvl="0" indent="457200">
               <a:buNone/>
             </a:pPr>
-            <a:r>
-              <a:rPr lang="zh-CN" altLang="en-US" sz="1600" dirty="0">
-                <a:solidFill>
-                  <a:schemeClr val="tx1"/>
-                </a:solidFill>
-                <a:latin typeface="微软雅黑" panose="020B0503020204020204" charset="-122"/>
-                <a:ea typeface="微软雅黑" panose="020B0503020204020204" charset="-122"/>
-              </a:rPr>
-              <a:t>用两条计算组重要性的路径：权重向量级别和单个参数级别来评估整个组别的重要性：</a:t>
-            </a:r>
             <a:endParaRPr lang="zh-CN" altLang="en-US" sz="1600" dirty="0">
               <a:solidFill>
                 <a:schemeClr val="tx1"/>
               </a:solidFill>
-              <a:latin typeface="微软雅黑" panose="020B0503020204020204" charset="-122"/>
-              <a:ea typeface="微软雅黑" panose="020B0503020204020204" charset="-122"/>
-            </a:endParaRPr>
-          </a:p>
-          <a:p>
-            <a:pPr marL="0" lvl="0" indent="457200">
-              <a:buNone/>
-            </a:pPr>
-            <a:r>
-              <a:rPr lang="zh-CN" altLang="en-US" sz="1600" dirty="0">
-                <a:solidFill>
-                  <a:schemeClr val="tx1"/>
-                </a:solidFill>
-                <a:latin typeface="微软雅黑" panose="020B0503020204020204" charset="-122"/>
-                <a:ea typeface="微软雅黑" panose="020B0503020204020204" charset="-122"/>
-              </a:rPr>
-              <a:t>组别重要性：</a:t>
-            </a:r>
-            <a:endParaRPr lang="zh-CN" altLang="en-US" sz="1600" dirty="0">
-              <a:solidFill>
-                <a:schemeClr val="tx1"/>
-              </a:solidFill>
-              <a:latin typeface="微软雅黑" panose="020B0503020204020204" charset="-122"/>
-              <a:ea typeface="微软雅黑" panose="020B0503020204020204" charset="-122"/>
-            </a:endParaRPr>
-          </a:p>
-          <a:p>
-            <a:pPr marL="0" lvl="0" indent="457200">
-              <a:buNone/>
-            </a:pPr>
-            <a:endParaRPr lang="zh-CN" altLang="en-US" sz="1600" dirty="0">
-              <a:solidFill>
-                <a:schemeClr val="tx1"/>
-              </a:solidFill>
-              <a:latin typeface="微软雅黑" panose="020B0503020204020204" charset="-122"/>
-              <a:ea typeface="微软雅黑" panose="020B0503020204020204" charset="-122"/>
-            </a:endParaRPr>
-          </a:p>
-          <a:p>
-            <a:pPr marL="0" lvl="0" indent="457200">
-              <a:buNone/>
-            </a:pPr>
-            <a:endParaRPr lang="zh-CN" altLang="en-US" sz="1600" dirty="0">
-              <a:solidFill>
-                <a:schemeClr val="tx1"/>
-              </a:solidFill>
-              <a:latin typeface="微软雅黑" panose="020B0503020204020204" charset="-122"/>
-              <a:ea typeface="微软雅黑" panose="020B0503020204020204" charset="-122"/>
-            </a:endParaRPr>
-          </a:p>
-          <a:p>
-            <a:pPr marL="0" lvl="0" indent="457200">
-              <a:buNone/>
-            </a:pPr>
-            <a:r>
-              <a:rPr lang="zh-CN" altLang="en-US" sz="1600" dirty="0">
-                <a:solidFill>
-                  <a:schemeClr val="tx1"/>
-                </a:solidFill>
-                <a:latin typeface="微软雅黑" panose="020B0503020204020204" charset="-122"/>
-                <a:ea typeface="微软雅黑" panose="020B0503020204020204" charset="-122"/>
-              </a:rPr>
-              <a:t>单个重要性：</a:t>
-            </a:r>
-            <a:endParaRPr lang="zh-CN" altLang="en-US" sz="1600" dirty="0">
-              <a:solidFill>
-                <a:schemeClr val="tx1"/>
-              </a:solidFill>
-              <a:latin typeface="微软雅黑" panose="020B0503020204020204" charset="-122"/>
-              <a:ea typeface="微软雅黑" panose="020B0503020204020204" charset="-122"/>
-            </a:endParaRPr>
-          </a:p>
-        </p:txBody>
-      </p:sp>
-      <p:sp>
-        <p:nvSpPr>
-          <p:cNvPr id="5" name="文本框 4"/>
-          <p:cNvSpPr txBox="1"/>
-          <p:nvPr>
-            <p:custDataLst>
-              <p:tags r:id="rId4"/>
-            </p:custDataLst>
-          </p:nvPr>
-        </p:nvSpPr>
-        <p:spPr>
-          <a:xfrm>
-            <a:off x="455295" y="972185"/>
-            <a:ext cx="10515600" cy="506095"/>
-          </a:xfrm>
-          <a:prstGeom prst="rect">
-            <a:avLst/>
-          </a:prstGeom>
-          <a:noFill/>
-        </p:spPr>
-        <p:txBody>
-          <a:bodyPr wrap="square" rtlCol="0">
-            <a:noAutofit/>
-          </a:bodyPr>
-          <a:p>
-            <a:pPr marL="285750" indent="-285750">
-              <a:lnSpc>
-                <a:spcPct val="150000"/>
-              </a:lnSpc>
-              <a:buFont typeface="Wingdings" panose="05000000000000000000" charset="0"/>
-              <a:buChar char="p"/>
-            </a:pPr>
-            <a:r>
-              <a:rPr lang="zh-CN" altLang="en-US" b="1" dirty="0">
-                <a:latin typeface="微软雅黑" panose="020B0503020204020204" charset="-122"/>
-                <a:ea typeface="微软雅黑" panose="020B0503020204020204" charset="-122"/>
-              </a:rPr>
-              <a:t>分组</a:t>
-            </a:r>
-            <a:endParaRPr lang="zh-CN" altLang="en-US" b="1" dirty="0">
-              <a:latin typeface="微软雅黑" panose="020B0503020204020204" charset="-122"/>
-              <a:ea typeface="微软雅黑" panose="020B0503020204020204" charset="-122"/>
-            </a:endParaRPr>
-          </a:p>
-        </p:txBody>
-      </p:sp>
-      <p:pic>
-        <p:nvPicPr>
-          <p:cNvPr id="9" name="图片 8"/>
-          <p:cNvPicPr>
-            <a:picLocks noChangeAspect="1"/>
-          </p:cNvPicPr>
-          <p:nvPr/>
-        </p:nvPicPr>
-        <p:blipFill>
-          <a:blip r:embed="rId5"/>
-          <a:stretch>
-            <a:fillRect/>
-          </a:stretch>
-        </p:blipFill>
-        <p:spPr>
-          <a:xfrm>
-            <a:off x="5798185" y="1156970"/>
-            <a:ext cx="6236335" cy="2422525"/>
-          </a:xfrm>
-          <a:prstGeom prst="rect">
-            <a:avLst/>
-          </a:prstGeom>
-        </p:spPr>
-      </p:pic>
-      <p:sp>
-        <p:nvSpPr>
-          <p:cNvPr id="4" name="文本框 3"/>
-          <p:cNvSpPr txBox="1"/>
-          <p:nvPr>
-            <p:custDataLst>
-              <p:tags r:id="rId6"/>
-            </p:custDataLst>
-          </p:nvPr>
-        </p:nvSpPr>
-        <p:spPr>
-          <a:xfrm>
-            <a:off x="455295" y="3429000"/>
-            <a:ext cx="10515600" cy="506095"/>
-          </a:xfrm>
-          <a:prstGeom prst="rect">
-            <a:avLst/>
-          </a:prstGeom>
-          <a:noFill/>
-        </p:spPr>
-        <p:txBody>
-          <a:bodyPr wrap="square" rtlCol="0">
-            <a:noAutofit/>
-          </a:bodyPr>
-          <a:p>
-            <a:pPr marL="285750" indent="-285750">
-              <a:lnSpc>
-                <a:spcPct val="150000"/>
-              </a:lnSpc>
-              <a:buFont typeface="Wingdings" panose="05000000000000000000" charset="0"/>
-              <a:buChar char="p"/>
-            </a:pPr>
-            <a:r>
-              <a:rPr lang="zh-CN" altLang="en-US" b="1" dirty="0">
-                <a:latin typeface="微软雅黑" panose="020B0503020204020204" charset="-122"/>
-                <a:ea typeface="微软雅黑" panose="020B0503020204020204" charset="-122"/>
-              </a:rPr>
-              <a:t>重要性评估</a:t>
-            </a:r>
-            <a:endParaRPr lang="zh-CN" altLang="en-US" b="1" dirty="0">
-              <a:latin typeface="微软雅黑" panose="020B0503020204020204" charset="-122"/>
-              <a:ea typeface="微软雅黑" panose="020B0503020204020204" charset="-122"/>
-            </a:endParaRPr>
-          </a:p>
-        </p:txBody>
-      </p:sp>
-      <p:sp>
-        <p:nvSpPr>
-          <p:cNvPr id="12" name="文本框 11"/>
-          <p:cNvSpPr txBox="1"/>
-          <p:nvPr>
-            <p:custDataLst>
-              <p:tags r:id="rId7"/>
-            </p:custDataLst>
-          </p:nvPr>
-        </p:nvSpPr>
-        <p:spPr>
-          <a:xfrm>
-            <a:off x="486410" y="6259195"/>
-            <a:ext cx="10515600" cy="506095"/>
-          </a:xfrm>
-          <a:prstGeom prst="rect">
-            <a:avLst/>
-          </a:prstGeom>
-          <a:noFill/>
-        </p:spPr>
-        <p:txBody>
-          <a:bodyPr wrap="square" rtlCol="0">
-            <a:noAutofit/>
-          </a:bodyPr>
-          <a:p>
-            <a:pPr marL="285750" indent="-285750">
-              <a:lnSpc>
-                <a:spcPct val="150000"/>
-              </a:lnSpc>
-              <a:buFont typeface="Wingdings" panose="05000000000000000000" charset="0"/>
-              <a:buChar char="p"/>
-            </a:pPr>
-            <a:r>
-              <a:rPr lang="zh-CN" altLang="en-US" b="1" dirty="0">
-                <a:latin typeface="微软雅黑" panose="020B0503020204020204" charset="-122"/>
-                <a:ea typeface="微软雅黑" panose="020B0503020204020204" charset="-122"/>
-              </a:rPr>
-              <a:t>第三步</a:t>
-            </a:r>
-            <a:r>
-              <a:rPr lang="en-US" altLang="zh-CN" b="1" dirty="0">
-                <a:latin typeface="微软雅黑" panose="020B0503020204020204" charset="-122"/>
-                <a:ea typeface="微软雅黑" panose="020B0503020204020204" charset="-122"/>
-              </a:rPr>
-              <a:t>LoRA</a:t>
-            </a:r>
-            <a:r>
-              <a:rPr lang="zh-CN" altLang="en-US" b="1" dirty="0">
-                <a:latin typeface="微软雅黑" panose="020B0503020204020204" charset="-122"/>
-                <a:ea typeface="微软雅黑" panose="020B0503020204020204" charset="-122"/>
-              </a:rPr>
-              <a:t>微调</a:t>
-            </a:r>
-            <a:endParaRPr lang="zh-CN" altLang="en-US" b="1" dirty="0">
               <a:latin typeface="微软雅黑" panose="020B0503020204020204" charset="-122"/>
               <a:ea typeface="微软雅黑" panose="020B0503020204020204" charset="-122"/>
             </a:endParaRPr>
@@ -5429,451 +4679,6 @@
 </file>
 
 <file path=ppt/slides/slide11.xml><?xml version="1.0" encoding="utf-8"?>
-<p:sld xmlns:a="http://schemas.openxmlformats.org/drawingml/2006/main" xmlns:r="http://schemas.openxmlformats.org/officeDocument/2006/relationships" xmlns:p="http://schemas.openxmlformats.org/presentationml/2006/main">
-  <p:cSld>
-    <p:spTree>
-      <p:nvGrpSpPr>
-        <p:cNvPr id="1" name=""/>
-        <p:cNvGrpSpPr/>
-        <p:nvPr/>
-      </p:nvGrpSpPr>
-      <p:grpSpPr>
-        <a:xfrm>
-          <a:off x="0" y="0"/>
-          <a:ext cx="0" cy="0"/>
-          <a:chOff x="0" y="0"/>
-          <a:chExt cx="0" cy="0"/>
-        </a:xfrm>
-      </p:grpSpPr>
-      <p:sp>
-        <p:nvSpPr>
-          <p:cNvPr id="13" name="文本框 12"/>
-          <p:cNvSpPr txBox="1"/>
-          <p:nvPr/>
-        </p:nvSpPr>
-        <p:spPr>
-          <a:xfrm>
-            <a:off x="106466" y="601786"/>
-            <a:ext cx="1033780" cy="398780"/>
-          </a:xfrm>
-          <a:prstGeom prst="rect">
-            <a:avLst/>
-          </a:prstGeom>
-          <a:noFill/>
-        </p:spPr>
-        <p:txBody>
-          <a:bodyPr wrap="none" rtlCol="0">
-            <a:spAutoFit/>
-          </a:bodyPr>
-          <a:lstStyle/>
-          <a:p>
-            <a:pPr marL="342900" indent="-342900">
-              <a:buFont typeface="Wingdings" panose="05000000000000000000" charset="0"/>
-              <a:buChar char="n"/>
-            </a:pPr>
-            <a:r>
-              <a:rPr lang="zh-CN" altLang="en-US" sz="2000" b="1" dirty="0">
-                <a:latin typeface="微软雅黑" panose="020B0503020204020204" charset="-122"/>
-                <a:ea typeface="微软雅黑" panose="020B0503020204020204" charset="-122"/>
-              </a:rPr>
-              <a:t>效果</a:t>
-            </a:r>
-            <a:endParaRPr lang="zh-CN" altLang="en-US" sz="2000" b="1" dirty="0"/>
-          </a:p>
-        </p:txBody>
-      </p:sp>
-      <p:sp>
-        <p:nvSpPr>
-          <p:cNvPr id="7" name="文本框 6"/>
-          <p:cNvSpPr txBox="1"/>
-          <p:nvPr/>
-        </p:nvSpPr>
-        <p:spPr>
-          <a:xfrm>
-            <a:off x="724535" y="1323340"/>
-            <a:ext cx="2247900" cy="410845"/>
-          </a:xfrm>
-          <a:prstGeom prst="rect">
-            <a:avLst/>
-          </a:prstGeom>
-          <a:noFill/>
-        </p:spPr>
-        <p:txBody>
-          <a:bodyPr wrap="square">
-            <a:noAutofit/>
-          </a:bodyPr>
-          <a:lstStyle/>
-          <a:p>
-            <a:pPr algn="l" fontAlgn="auto">
-              <a:lnSpc>
-                <a:spcPts val="2200"/>
-              </a:lnSpc>
-              <a:buClrTx/>
-              <a:buSzTx/>
-              <a:buNone/>
-            </a:pPr>
-            <a:endParaRPr lang="zh-CN" altLang="en-US" sz="1600" dirty="0">
-              <a:latin typeface="微软雅黑" panose="020B0503020204020204" charset="-122"/>
-              <a:ea typeface="微软雅黑" panose="020B0503020204020204" charset="-122"/>
-            </a:endParaRPr>
-          </a:p>
-        </p:txBody>
-      </p:sp>
-      <p:sp>
-        <p:nvSpPr>
-          <p:cNvPr id="3" name="矩形 2"/>
-          <p:cNvSpPr/>
-          <p:nvPr>
-            <p:custDataLst>
-              <p:tags r:id="rId1"/>
-            </p:custDataLst>
-          </p:nvPr>
-        </p:nvSpPr>
-        <p:spPr>
-          <a:xfrm>
-            <a:off x="-6350" y="0"/>
-            <a:ext cx="12198350" cy="540000"/>
-          </a:xfrm>
-          <a:prstGeom prst="rect">
-            <a:avLst/>
-          </a:prstGeom>
-          <a:solidFill>
-            <a:srgbClr val="A099CB"/>
-          </a:solidFill>
-          <a:ln>
-            <a:noFill/>
-          </a:ln>
-        </p:spPr>
-        <p:style>
-          <a:lnRef idx="2">
-            <a:schemeClr val="accent1">
-              <a:shade val="50000"/>
-            </a:schemeClr>
-          </a:lnRef>
-          <a:fillRef idx="1">
-            <a:schemeClr val="accent1"/>
-          </a:fillRef>
-          <a:effectRef idx="0">
-            <a:schemeClr val="accent1"/>
-          </a:effectRef>
-          <a:fontRef idx="minor">
-            <a:schemeClr val="lt1"/>
-          </a:fontRef>
-        </p:style>
-        <p:txBody>
-          <a:bodyPr rtlCol="0" anchor="ctr"/>
-          <a:p>
-            <a:pPr marL="0" marR="0" lvl="0" indent="0" algn="ctr" defTabSz="914400" rtl="0" eaLnBrk="1" fontAlgn="auto" latinLnBrk="0" hangingPunct="1">
-              <a:lnSpc>
-                <a:spcPct val="100000"/>
-              </a:lnSpc>
-              <a:spcBef>
-                <a:spcPts val="0"/>
-              </a:spcBef>
-              <a:spcAft>
-                <a:spcPts val="0"/>
-              </a:spcAft>
-              <a:buClrTx/>
-              <a:buSzTx/>
-              <a:buFontTx/>
-              <a:buNone/>
-              <a:defRPr/>
-            </a:pPr>
-            <a:r>
-              <a:rPr lang="en-US" altLang="zh-CN" sz="1800" dirty="0">
-                <a:effectLst/>
-                <a:latin typeface="微软雅黑" panose="020B0503020204020204" charset="-122"/>
-                <a:ea typeface="微软雅黑" panose="020B0503020204020204" charset="-122"/>
-              </a:rPr>
-              <a:t>2.</a:t>
-            </a:r>
-            <a:r>
-              <a:rPr lang="en-US" altLang="zh-CN" dirty="0">
-                <a:effectLst/>
-                <a:latin typeface="微软雅黑" panose="020B0503020204020204" charset="-122"/>
-                <a:ea typeface="微软雅黑" panose="020B0503020204020204" charset="-122"/>
-                <a:sym typeface="+mn-ea"/>
-              </a:rPr>
-              <a:t>LLM-Pruner: On the Structural Pruning of Large Language Models</a:t>
-            </a:r>
-            <a:endParaRPr lang="en-US" altLang="zh-CN" dirty="0">
-              <a:effectLst/>
-              <a:latin typeface="微软雅黑" panose="020B0503020204020204" charset="-122"/>
-              <a:ea typeface="微软雅黑" panose="020B0503020204020204" charset="-122"/>
-            </a:endParaRPr>
-          </a:p>
-        </p:txBody>
-      </p:sp>
-      <p:sp>
-        <p:nvSpPr>
-          <p:cNvPr id="10" name="文本框 9"/>
-          <p:cNvSpPr txBox="1"/>
-          <p:nvPr/>
-        </p:nvSpPr>
-        <p:spPr>
-          <a:xfrm>
-            <a:off x="6745605" y="2204720"/>
-            <a:ext cx="5511800" cy="1730375"/>
-          </a:xfrm>
-          <a:prstGeom prst="rect">
-            <a:avLst/>
-          </a:prstGeom>
-          <a:noFill/>
-        </p:spPr>
-        <p:txBody>
-          <a:bodyPr wrap="square" rtlCol="0">
-            <a:noAutofit/>
-          </a:bodyPr>
-          <a:p>
-            <a:pPr marL="0" lvl="0" indent="457200">
-              <a:buNone/>
-            </a:pPr>
-            <a:endParaRPr lang="zh-CN" altLang="en-US" sz="1600" dirty="0">
-              <a:solidFill>
-                <a:schemeClr val="tx1"/>
-              </a:solidFill>
-              <a:latin typeface="微软雅黑" panose="020B0503020204020204" charset="-122"/>
-              <a:ea typeface="微软雅黑" panose="020B0503020204020204" charset="-122"/>
-            </a:endParaRPr>
-          </a:p>
-          <a:p>
-            <a:pPr marL="0" lvl="0" indent="457200">
-              <a:buNone/>
-            </a:pPr>
-            <a:endParaRPr lang="zh-CN" altLang="en-US" sz="1600" dirty="0">
-              <a:solidFill>
-                <a:schemeClr val="tx1"/>
-              </a:solidFill>
-              <a:latin typeface="微软雅黑" panose="020B0503020204020204" charset="-122"/>
-              <a:ea typeface="微软雅黑" panose="020B0503020204020204" charset="-122"/>
-            </a:endParaRPr>
-          </a:p>
-        </p:txBody>
-      </p:sp>
-      <p:sp>
-        <p:nvSpPr>
-          <p:cNvPr id="4" name="文本框 3"/>
-          <p:cNvSpPr txBox="1"/>
-          <p:nvPr>
-            <p:custDataLst>
-              <p:tags r:id="rId2"/>
-            </p:custDataLst>
-          </p:nvPr>
-        </p:nvSpPr>
-        <p:spPr>
-          <a:xfrm>
-            <a:off x="232410" y="1119505"/>
-            <a:ext cx="3117215" cy="506095"/>
-          </a:xfrm>
-          <a:prstGeom prst="rect">
-            <a:avLst/>
-          </a:prstGeom>
-          <a:noFill/>
-        </p:spPr>
-        <p:txBody>
-          <a:bodyPr wrap="square" rtlCol="0">
-            <a:noAutofit/>
-          </a:bodyPr>
-          <a:p>
-            <a:pPr indent="0">
-              <a:lnSpc>
-                <a:spcPct val="150000"/>
-              </a:lnSpc>
-              <a:buFont typeface="Wingdings" panose="05000000000000000000" charset="0"/>
-              <a:buNone/>
-            </a:pPr>
-            <a:r>
-              <a:rPr lang="zh-CN" altLang="en-US" sz="1600" dirty="0">
-                <a:latin typeface="微软雅黑" panose="020B0503020204020204" charset="-122"/>
-                <a:ea typeface="微软雅黑" panose="020B0503020204020204" charset="-122"/>
-              </a:rPr>
-              <a:t>剪枝在20%时效果保留在90%左右，LoRA微调之后保留了原模型95%的效果。</a:t>
-            </a:r>
-            <a:endParaRPr lang="zh-CN" altLang="en-US" sz="1600" dirty="0">
-              <a:latin typeface="微软雅黑" panose="020B0503020204020204" charset="-122"/>
-              <a:ea typeface="微软雅黑" panose="020B0503020204020204" charset="-122"/>
-            </a:endParaRPr>
-          </a:p>
-          <a:p>
-            <a:pPr indent="0">
-              <a:lnSpc>
-                <a:spcPct val="150000"/>
-              </a:lnSpc>
-              <a:buFont typeface="Wingdings" panose="05000000000000000000" charset="0"/>
-              <a:buNone/>
-            </a:pPr>
-            <a:endParaRPr lang="zh-CN" altLang="en-US" sz="1600" dirty="0">
-              <a:latin typeface="微软雅黑" panose="020B0503020204020204" charset="-122"/>
-              <a:ea typeface="微软雅黑" panose="020B0503020204020204" charset="-122"/>
-            </a:endParaRPr>
-          </a:p>
-          <a:p>
-            <a:pPr indent="0">
-              <a:lnSpc>
-                <a:spcPct val="150000"/>
-              </a:lnSpc>
-              <a:buFont typeface="Wingdings" panose="05000000000000000000" charset="0"/>
-              <a:buNone/>
-            </a:pPr>
-            <a:r>
-              <a:rPr lang="zh-CN" altLang="en-US" sz="1600" dirty="0">
-                <a:latin typeface="微软雅黑" panose="020B0503020204020204" charset="-122"/>
-                <a:ea typeface="微软雅黑" panose="020B0503020204020204" charset="-122"/>
-              </a:rPr>
-              <a:t>不过在剪枝</a:t>
-            </a:r>
-            <a:r>
-              <a:rPr lang="en-US" altLang="zh-CN" sz="1600" dirty="0">
-                <a:latin typeface="微软雅黑" panose="020B0503020204020204" charset="-122"/>
-                <a:ea typeface="微软雅黑" panose="020B0503020204020204" charset="-122"/>
-              </a:rPr>
-              <a:t>50%</a:t>
-            </a:r>
-            <a:r>
-              <a:rPr lang="zh-CN" altLang="en-US" sz="1600" dirty="0">
-                <a:latin typeface="微软雅黑" panose="020B0503020204020204" charset="-122"/>
-                <a:ea typeface="微软雅黑" panose="020B0503020204020204" charset="-122"/>
-              </a:rPr>
-              <a:t>之后效果下降太严重</a:t>
-            </a:r>
-            <a:endParaRPr lang="zh-CN" altLang="en-US" sz="1600" dirty="0">
-              <a:latin typeface="微软雅黑" panose="020B0503020204020204" charset="-122"/>
-              <a:ea typeface="微软雅黑" panose="020B0503020204020204" charset="-122"/>
-            </a:endParaRPr>
-          </a:p>
-          <a:p>
-            <a:pPr indent="0">
-              <a:lnSpc>
-                <a:spcPct val="150000"/>
-              </a:lnSpc>
-              <a:buFont typeface="Wingdings" panose="05000000000000000000" charset="0"/>
-              <a:buNone/>
-            </a:pPr>
-            <a:endParaRPr lang="zh-CN" altLang="en-US" sz="1600" dirty="0">
-              <a:latin typeface="微软雅黑" panose="020B0503020204020204" charset="-122"/>
-              <a:ea typeface="微软雅黑" panose="020B0503020204020204" charset="-122"/>
-            </a:endParaRPr>
-          </a:p>
-          <a:p>
-            <a:pPr indent="0">
-              <a:lnSpc>
-                <a:spcPct val="150000"/>
-              </a:lnSpc>
-              <a:buFont typeface="Wingdings" panose="05000000000000000000" charset="0"/>
-              <a:buNone/>
-            </a:pPr>
-            <a:endParaRPr lang="zh-CN" altLang="en-US" sz="1600" dirty="0">
-              <a:latin typeface="微软雅黑" panose="020B0503020204020204" charset="-122"/>
-              <a:ea typeface="微软雅黑" panose="020B0503020204020204" charset="-122"/>
-            </a:endParaRPr>
-          </a:p>
-          <a:p>
-            <a:pPr indent="0">
-              <a:lnSpc>
-                <a:spcPct val="150000"/>
-              </a:lnSpc>
-              <a:buFont typeface="Wingdings" panose="05000000000000000000" charset="0"/>
-              <a:buNone/>
-            </a:pPr>
-            <a:r>
-              <a:rPr lang="zh-CN" altLang="en-US" sz="1600" dirty="0">
-                <a:latin typeface="微软雅黑" panose="020B0503020204020204" charset="-122"/>
-                <a:ea typeface="微软雅黑" panose="020B0503020204020204" charset="-122"/>
-              </a:rPr>
-              <a:t>（可以考虑优化它的剪枝方法？它的剪枝方法可以在保证效果的前提下把</a:t>
-            </a:r>
-            <a:r>
-              <a:rPr lang="en-US" altLang="zh-CN" sz="1600" dirty="0">
-                <a:latin typeface="微软雅黑" panose="020B0503020204020204" charset="-122"/>
-                <a:ea typeface="微软雅黑" panose="020B0503020204020204" charset="-122"/>
-              </a:rPr>
-              <a:t>2.7B</a:t>
-            </a:r>
-            <a:r>
-              <a:rPr lang="zh-CN" altLang="en-US" sz="1600" dirty="0">
-                <a:latin typeface="微软雅黑" panose="020B0503020204020204" charset="-122"/>
-                <a:ea typeface="微软雅黑" panose="020B0503020204020204" charset="-122"/>
-              </a:rPr>
-              <a:t>参数的模型剪枝到</a:t>
-            </a:r>
-            <a:r>
-              <a:rPr lang="en-US" altLang="zh-CN" sz="1600" dirty="0">
-                <a:latin typeface="微软雅黑" panose="020B0503020204020204" charset="-122"/>
-                <a:ea typeface="微软雅黑" panose="020B0503020204020204" charset="-122"/>
-              </a:rPr>
-              <a:t>2B</a:t>
-            </a:r>
-            <a:r>
-              <a:rPr lang="zh-CN" altLang="en-US" sz="1600" dirty="0">
-                <a:latin typeface="微软雅黑" panose="020B0503020204020204" charset="-122"/>
-                <a:ea typeface="微软雅黑" panose="020B0503020204020204" charset="-122"/>
-              </a:rPr>
-              <a:t>参数）</a:t>
-            </a:r>
-            <a:endParaRPr lang="zh-CN" altLang="en-US" sz="1600" dirty="0">
-              <a:latin typeface="微软雅黑" panose="020B0503020204020204" charset="-122"/>
-              <a:ea typeface="微软雅黑" panose="020B0503020204020204" charset="-122"/>
-            </a:endParaRPr>
-          </a:p>
-        </p:txBody>
-      </p:sp>
-      <p:pic>
-        <p:nvPicPr>
-          <p:cNvPr id="2" name="图片 1"/>
-          <p:cNvPicPr>
-            <a:picLocks noChangeAspect="1"/>
-          </p:cNvPicPr>
-          <p:nvPr/>
-        </p:nvPicPr>
-        <p:blipFill>
-          <a:blip r:embed="rId3"/>
-          <a:stretch>
-            <a:fillRect/>
-          </a:stretch>
-        </p:blipFill>
-        <p:spPr>
-          <a:xfrm>
-            <a:off x="3484245" y="4003040"/>
-            <a:ext cx="8610600" cy="2717800"/>
-          </a:xfrm>
-          <a:prstGeom prst="rect">
-            <a:avLst/>
-          </a:prstGeom>
-        </p:spPr>
-      </p:pic>
-      <p:pic>
-        <p:nvPicPr>
-          <p:cNvPr id="6" name="图片 5"/>
-          <p:cNvPicPr>
-            <a:picLocks noChangeAspect="1"/>
-          </p:cNvPicPr>
-          <p:nvPr/>
-        </p:nvPicPr>
-        <p:blipFill>
-          <a:blip r:embed="rId4"/>
-          <a:stretch>
-            <a:fillRect/>
-          </a:stretch>
-        </p:blipFill>
-        <p:spPr>
-          <a:xfrm>
-            <a:off x="3582670" y="956310"/>
-            <a:ext cx="8609330" cy="2748915"/>
-          </a:xfrm>
-          <a:prstGeom prst="rect">
-            <a:avLst/>
-          </a:prstGeom>
-        </p:spPr>
-      </p:pic>
-    </p:spTree>
-  </p:cSld>
-  <p:clrMapOvr>
-    <a:masterClrMapping/>
-  </p:clrMapOvr>
-</p:sld>
-</file>
-
-<file path=ppt/slides/slide12.xml><?xml version="1.0" encoding="utf-8"?>
 <p:sld xmlns:a="http://schemas.openxmlformats.org/drawingml/2006/main" xmlns:r="http://schemas.openxmlformats.org/officeDocument/2006/relationships" xmlns:p="http://schemas.openxmlformats.org/presentationml/2006/main">
   <p:cSld>
     <p:spTree>
@@ -5967,7 +4772,7 @@
                 <a:ea typeface="宋体" panose="02010600030101010101" pitchFamily="2" charset="-122"/>
                 <a:cs typeface="+mn-cs"/>
               </a:rPr>
-              <a:t>03</a:t>
+              <a:t>04</a:t>
             </a:r>
             <a:endParaRPr kumimoji="0" lang="en-US" altLang="zh-CN" sz="11500" b="0" i="0" u="none" strike="noStrike" kern="1200" cap="none" spc="0" normalizeH="0" baseline="0" noProof="0" dirty="0">
               <a:ln>
@@ -6025,7 +4830,7 @@
               <a:defRPr/>
             </a:pPr>
             <a:r>
-              <a:rPr lang="en-US" altLang="zh-CN" sz="3600" dirty="0">
+              <a:rPr lang="zh-CN" sz="3600" dirty="0">
                 <a:solidFill>
                   <a:srgbClr val="383987"/>
                 </a:solidFill>
@@ -6033,9 +4838,9 @@
                 <a:ea typeface="微软雅黑" panose="020B0503020204020204" charset="-122"/>
                 <a:sym typeface="+mn-ea"/>
               </a:rPr>
-              <a:t>Computational Bottlenecks of Training Small-scale Large Language Models</a:t>
-            </a:r>
-            <a:endParaRPr lang="en-US" altLang="zh-CN" sz="3600" dirty="0">
+              <a:t>计划</a:t>
+            </a:r>
+            <a:endParaRPr lang="zh-CN" sz="3600" dirty="0">
               <a:solidFill>
                 <a:srgbClr val="383987"/>
               </a:solidFill>
@@ -6054,7 +4859,7 @@
 </p:sld>
 </file>
 
-<file path=ppt/slides/slide13.xml><?xml version="1.0" encoding="utf-8"?>
+<file path=ppt/slides/slide12.xml><?xml version="1.0" encoding="utf-8"?>
 <p:sld xmlns:a="http://schemas.openxmlformats.org/drawingml/2006/main" xmlns:r="http://schemas.openxmlformats.org/officeDocument/2006/relationships" xmlns:p="http://schemas.openxmlformats.org/presentationml/2006/main">
   <p:cSld>
     <p:spTree>
@@ -6080,7 +4885,7 @@
         <p:spPr>
           <a:xfrm>
             <a:off x="106466" y="601786"/>
-            <a:ext cx="1033780" cy="398780"/>
+            <a:ext cx="1287780" cy="398780"/>
           </a:xfrm>
           <a:prstGeom prst="rect">
             <a:avLst/>
@@ -6102,43 +4907,9 @@
                 <a:latin typeface="微软雅黑" panose="020B0503020204020204" charset="-122"/>
                 <a:ea typeface="微软雅黑" panose="020B0503020204020204" charset="-122"/>
               </a:rPr>
-              <a:t>概述</a:t>
-            </a:r>
-            <a:endParaRPr lang="zh-CN" altLang="en-US" sz="2000" b="1" dirty="0"/>
-          </a:p>
-        </p:txBody>
-      </p:sp>
-      <p:sp>
-        <p:nvSpPr>
-          <p:cNvPr id="7" name="文本框 6"/>
-          <p:cNvSpPr txBox="1"/>
-          <p:nvPr/>
-        </p:nvSpPr>
-        <p:spPr>
-          <a:xfrm>
-            <a:off x="724535" y="1323340"/>
-            <a:ext cx="2247900" cy="410845"/>
-          </a:xfrm>
-          <a:prstGeom prst="rect">
-            <a:avLst/>
-          </a:prstGeom>
-          <a:noFill/>
-        </p:spPr>
-        <p:txBody>
-          <a:bodyPr wrap="square">
-            <a:noAutofit/>
-          </a:bodyPr>
-          <a:lstStyle/>
-          <a:p>
-            <a:pPr algn="l" fontAlgn="auto">
-              <a:lnSpc>
-                <a:spcPts val="2200"/>
-              </a:lnSpc>
-              <a:buClrTx/>
-              <a:buSzTx/>
-              <a:buNone/>
-            </a:pPr>
-            <a:endParaRPr lang="zh-CN" altLang="en-US" sz="1600" dirty="0">
+              <a:t>下一周</a:t>
+            </a:r>
+            <a:endParaRPr lang="zh-CN" altLang="en-US" sz="2000" b="1" dirty="0">
               <a:latin typeface="微软雅黑" panose="020B0503020204020204" charset="-122"/>
               <a:ea typeface="微软雅黑" panose="020B0503020204020204" charset="-122"/>
             </a:endParaRPr>
@@ -6147,7 +4918,7 @@
       </p:sp>
       <p:sp>
         <p:nvSpPr>
-          <p:cNvPr id="3" name="矩形 2"/>
+          <p:cNvPr id="6" name="矩形 5"/>
           <p:cNvSpPr/>
           <p:nvPr>
             <p:custDataLst>
@@ -6206,48 +4977,46 @@
               <a:defRPr/>
             </a:pPr>
             <a:r>
-              <a:rPr lang="en-US" altLang="zh-CN" sz="1800" dirty="0">
-                <a:effectLst/>
-                <a:latin typeface="微软雅黑" panose="020B0503020204020204" charset="-122"/>
-                <a:ea typeface="微软雅黑" panose="020B0503020204020204" charset="-122"/>
-              </a:rPr>
-              <a:t>3.</a:t>
-            </a:r>
-            <a:r>
               <a:rPr lang="en-US" altLang="zh-CN" dirty="0">
                 <a:effectLst/>
                 <a:latin typeface="微软雅黑" panose="020B0503020204020204" charset="-122"/>
                 <a:ea typeface="微软雅黑" panose="020B0503020204020204" charset="-122"/>
-              </a:rPr>
-              <a:t>Comput</a:t>
-            </a:r>
-            <a:r>
-              <a:rPr lang="en-US" altLang="zh-CN" dirty="0">
+                <a:sym typeface="+mn-ea"/>
+              </a:rPr>
+              <a:t>4.</a:t>
+            </a:r>
+            <a:r>
+              <a:rPr lang="zh-CN" altLang="en-US" dirty="0">
                 <a:effectLst/>
                 <a:latin typeface="微软雅黑" panose="020B0503020204020204" charset="-122"/>
                 <a:ea typeface="微软雅黑" panose="020B0503020204020204" charset="-122"/>
                 <a:sym typeface="+mn-ea"/>
               </a:rPr>
-              <a:t>ational Bottlenecks of Training Small-scale Large Language Models</a:t>
-            </a:r>
-            <a:endParaRPr lang="en-US" altLang="zh-CN" dirty="0">
+              <a:t>计划</a:t>
+            </a:r>
+            <a:endParaRPr lang="zh-CN" altLang="en-US" dirty="0">
               <a:effectLst/>
               <a:latin typeface="微软雅黑" panose="020B0503020204020204" charset="-122"/>
               <a:ea typeface="微软雅黑" panose="020B0503020204020204" charset="-122"/>
+              <a:sym typeface="+mn-ea"/>
             </a:endParaRPr>
           </a:p>
         </p:txBody>
       </p:sp>
       <p:sp>
         <p:nvSpPr>
-          <p:cNvPr id="10" name="文本框 9"/>
+          <p:cNvPr id="3" name="文本框 2"/>
           <p:cNvSpPr txBox="1"/>
-          <p:nvPr/>
-        </p:nvSpPr>
-        <p:spPr>
-          <a:xfrm>
-            <a:off x="204470" y="1226820"/>
-            <a:ext cx="11251565" cy="1423670"/>
+          <p:nvPr>
+            <p:custDataLst>
+              <p:tags r:id="rId2"/>
+            </p:custDataLst>
+          </p:nvPr>
+        </p:nvSpPr>
+        <p:spPr>
+          <a:xfrm>
+            <a:off x="455295" y="1075690"/>
+            <a:ext cx="4956810" cy="506730"/>
           </a:xfrm>
           <a:prstGeom prst="rect">
             <a:avLst/>
@@ -6256,238 +5025,30 @@
         </p:spPr>
         <p:txBody>
           <a:bodyPr wrap="square" rtlCol="0">
-            <a:noAutofit/>
+            <a:spAutoFit/>
           </a:bodyPr>
           <a:p>
-            <a:pPr marL="0" lvl="0" indent="457200">
-              <a:buNone/>
+            <a:pPr marL="285750" indent="-285750">
+              <a:lnSpc>
+                <a:spcPct val="150000"/>
+              </a:lnSpc>
+              <a:buFont typeface="Wingdings" panose="05000000000000000000" charset="0"/>
+              <a:buChar char="p"/>
             </a:pPr>
             <a:r>
-              <a:rPr lang="zh-CN" altLang="en-US" sz="1600" dirty="0">
-                <a:solidFill>
-                  <a:schemeClr val="tx1"/>
-                </a:solidFill>
-                <a:latin typeface="微软雅黑" panose="020B0503020204020204" charset="-122"/>
-                <a:ea typeface="微软雅黑" panose="020B0503020204020204" charset="-122"/>
-              </a:rPr>
-              <a:t>基于小规模大模型（</a:t>
-            </a:r>
-            <a:r>
-              <a:rPr lang="en-US" altLang="zh-CN" sz="1600" dirty="0">
-                <a:solidFill>
-                  <a:schemeClr val="tx1"/>
-                </a:solidFill>
-                <a:latin typeface="微软雅黑" panose="020B0503020204020204" charset="-122"/>
-                <a:ea typeface="微软雅黑" panose="020B0503020204020204" charset="-122"/>
-              </a:rPr>
-              <a:t>SLMs</a:t>
-            </a:r>
-            <a:r>
-              <a:rPr lang="zh-CN" altLang="en-US" sz="1600" dirty="0">
-                <a:solidFill>
-                  <a:schemeClr val="tx1"/>
-                </a:solidFill>
-                <a:latin typeface="微软雅黑" panose="020B0503020204020204" charset="-122"/>
-                <a:ea typeface="微软雅黑" panose="020B0503020204020204" charset="-122"/>
-              </a:rPr>
-              <a:t>）在成本和效率层面的优势为出发点，通过考察各种超参数和配置（包括</a:t>
-            </a:r>
-            <a:r>
-              <a:rPr lang="en-US" altLang="zh-CN" sz="1600" dirty="0">
-                <a:solidFill>
-                  <a:schemeClr val="tx1"/>
-                </a:solidFill>
-                <a:latin typeface="微软雅黑" panose="020B0503020204020204" charset="-122"/>
-                <a:ea typeface="微软雅黑" panose="020B0503020204020204" charset="-122"/>
-              </a:rPr>
-              <a:t>GPU</a:t>
-            </a:r>
-            <a:r>
-              <a:rPr lang="zh-CN" altLang="en-US" sz="1600" dirty="0">
-                <a:solidFill>
-                  <a:schemeClr val="tx1"/>
-                </a:solidFill>
-                <a:latin typeface="微软雅黑" panose="020B0503020204020204" charset="-122"/>
-                <a:ea typeface="微软雅黑" panose="020B0503020204020204" charset="-122"/>
-              </a:rPr>
-              <a:t>类型、批量大小、模型大小、通信协议、注意力类型和</a:t>
-            </a:r>
-            <a:r>
-              <a:rPr lang="en-US" altLang="zh-CN" sz="1600" dirty="0">
-                <a:solidFill>
-                  <a:schemeClr val="tx1"/>
-                </a:solidFill>
-                <a:latin typeface="微软雅黑" panose="020B0503020204020204" charset="-122"/>
-                <a:ea typeface="微软雅黑" panose="020B0503020204020204" charset="-122"/>
-              </a:rPr>
-              <a:t>GPU</a:t>
-            </a:r>
-            <a:r>
-              <a:rPr lang="zh-CN" altLang="en-US" sz="1600" dirty="0">
-                <a:solidFill>
-                  <a:schemeClr val="tx1"/>
-                </a:solidFill>
-                <a:latin typeface="微软雅黑" panose="020B0503020204020204" charset="-122"/>
-                <a:ea typeface="微软雅黑" panose="020B0503020204020204" charset="-122"/>
-              </a:rPr>
-              <a:t>数量）对训练</a:t>
-            </a:r>
-            <a:r>
-              <a:rPr lang="en-US" altLang="zh-CN" sz="1600" dirty="0">
-                <a:solidFill>
-                  <a:schemeClr val="tx1"/>
-                </a:solidFill>
-                <a:latin typeface="微软雅黑" panose="020B0503020204020204" charset="-122"/>
-                <a:ea typeface="微软雅黑" panose="020B0503020204020204" charset="-122"/>
-              </a:rPr>
-              <a:t>SLMs</a:t>
-            </a:r>
-            <a:r>
-              <a:rPr lang="zh-CN" altLang="en-US" sz="1600" dirty="0">
-                <a:solidFill>
-                  <a:schemeClr val="tx1"/>
-                </a:solidFill>
-                <a:latin typeface="微软雅黑" panose="020B0503020204020204" charset="-122"/>
-                <a:ea typeface="微软雅黑" panose="020B0503020204020204" charset="-122"/>
-              </a:rPr>
-              <a:t>（最多</a:t>
-            </a:r>
-            <a:r>
-              <a:rPr lang="en-US" altLang="zh-CN" sz="1600" dirty="0">
-                <a:solidFill>
-                  <a:schemeClr val="tx1"/>
-                </a:solidFill>
-                <a:latin typeface="微软雅黑" panose="020B0503020204020204" charset="-122"/>
-                <a:ea typeface="微软雅黑" panose="020B0503020204020204" charset="-122"/>
-              </a:rPr>
-              <a:t>2</a:t>
-            </a:r>
-            <a:r>
-              <a:rPr lang="zh-CN" altLang="en-US" sz="1600" dirty="0">
-                <a:solidFill>
-                  <a:schemeClr val="tx1"/>
-                </a:solidFill>
-                <a:latin typeface="微软雅黑" panose="020B0503020204020204" charset="-122"/>
-                <a:ea typeface="微软雅黑" panose="020B0503020204020204" charset="-122"/>
-              </a:rPr>
-              <a:t>亿参数）的计算瓶颈进行了探索。</a:t>
-            </a:r>
-            <a:endParaRPr lang="zh-CN" altLang="en-US" sz="1600" dirty="0">
-              <a:solidFill>
-                <a:schemeClr val="tx1"/>
-              </a:solidFill>
+              <a:rPr lang="zh-CN" altLang="en-US" b="1" dirty="0">
+                <a:latin typeface="微软雅黑" panose="020B0503020204020204" charset="-122"/>
+                <a:ea typeface="微软雅黑" panose="020B0503020204020204" charset="-122"/>
+              </a:rPr>
+              <a:t>选好一个基础的医疗大模型部署：</a:t>
+            </a:r>
+            <a:endParaRPr lang="en-US" altLang="zh-CN" b="1" dirty="0">
               <a:latin typeface="微软雅黑" panose="020B0503020204020204" charset="-122"/>
               <a:ea typeface="微软雅黑" panose="020B0503020204020204" charset="-122"/>
             </a:endParaRPr>
           </a:p>
-          <a:p>
-            <a:pPr marL="0" lvl="0" indent="457200">
-              <a:buNone/>
-            </a:pPr>
-            <a:r>
-              <a:rPr lang="zh-CN" altLang="en-US" sz="1600" dirty="0">
-                <a:solidFill>
-                  <a:schemeClr val="tx1"/>
-                </a:solidFill>
-                <a:latin typeface="微软雅黑" panose="020B0503020204020204" charset="-122"/>
-                <a:ea typeface="微软雅黑" panose="020B0503020204020204" charset="-122"/>
-              </a:rPr>
-              <a:t>先是证明了</a:t>
-            </a:r>
-            <a:r>
-              <a:rPr lang="en-US" altLang="zh-CN" sz="1600" dirty="0">
-                <a:solidFill>
-                  <a:schemeClr val="tx1"/>
-                </a:solidFill>
-                <a:latin typeface="微软雅黑" panose="020B0503020204020204" charset="-122"/>
-                <a:ea typeface="微软雅黑" panose="020B0503020204020204" charset="-122"/>
-              </a:rPr>
-              <a:t>FlashAttention</a:t>
-            </a:r>
-            <a:r>
-              <a:rPr lang="zh-CN" altLang="en-US" sz="1600" dirty="0">
-                <a:solidFill>
-                  <a:schemeClr val="tx1"/>
-                </a:solidFill>
-                <a:latin typeface="微软雅黑" panose="020B0503020204020204" charset="-122"/>
-                <a:ea typeface="微软雅黑" panose="020B0503020204020204" charset="-122"/>
-              </a:rPr>
-              <a:t>对于参数在</a:t>
-            </a:r>
-            <a:r>
-              <a:rPr lang="en-US" altLang="zh-CN" sz="1600" dirty="0">
-                <a:solidFill>
-                  <a:schemeClr val="tx1"/>
-                </a:solidFill>
-                <a:latin typeface="微软雅黑" panose="020B0503020204020204" charset="-122"/>
-                <a:ea typeface="微软雅黑" panose="020B0503020204020204" charset="-122"/>
-              </a:rPr>
-              <a:t>8B</a:t>
-            </a:r>
-            <a:r>
-              <a:rPr lang="zh-CN" altLang="en-US" sz="1600" dirty="0">
-                <a:solidFill>
-                  <a:schemeClr val="tx1"/>
-                </a:solidFill>
-                <a:latin typeface="微软雅黑" panose="020B0503020204020204" charset="-122"/>
-                <a:ea typeface="微软雅黑" panose="020B0503020204020204" charset="-122"/>
-              </a:rPr>
-              <a:t>以下的</a:t>
-            </a:r>
-            <a:r>
-              <a:rPr lang="en-US" altLang="zh-CN" sz="1600" dirty="0">
-                <a:solidFill>
-                  <a:schemeClr val="tx1"/>
-                </a:solidFill>
-                <a:latin typeface="微软雅黑" panose="020B0503020204020204" charset="-122"/>
-                <a:ea typeface="微软雅黑" panose="020B0503020204020204" charset="-122"/>
-              </a:rPr>
-              <a:t>SLM</a:t>
-            </a:r>
-            <a:r>
-              <a:rPr lang="zh-CN" altLang="en-US" sz="1600" dirty="0">
-                <a:solidFill>
-                  <a:schemeClr val="tx1"/>
-                </a:solidFill>
-                <a:latin typeface="微软雅黑" panose="020B0503020204020204" charset="-122"/>
-                <a:ea typeface="微软雅黑" panose="020B0503020204020204" charset="-122"/>
-              </a:rPr>
-              <a:t>更有成本效益（更好）</a:t>
-            </a:r>
-            <a:endParaRPr lang="zh-CN" altLang="en-US" sz="1600" dirty="0">
-              <a:solidFill>
-                <a:schemeClr val="tx1"/>
-              </a:solidFill>
-              <a:latin typeface="微软雅黑" panose="020B0503020204020204" charset="-122"/>
-              <a:ea typeface="微软雅黑" panose="020B0503020204020204" charset="-122"/>
-            </a:endParaRPr>
-          </a:p>
-        </p:txBody>
-      </p:sp>
-      <p:pic>
-        <p:nvPicPr>
-          <p:cNvPr id="4" name="图片 3"/>
-          <p:cNvPicPr>
-            <a:picLocks noChangeAspect="1"/>
-          </p:cNvPicPr>
-          <p:nvPr/>
-        </p:nvPicPr>
-        <p:blipFill>
-          <a:blip r:embed="rId2"/>
-          <a:stretch>
-            <a:fillRect/>
-          </a:stretch>
-        </p:blipFill>
-        <p:spPr>
-          <a:xfrm>
-            <a:off x="620395" y="2171065"/>
-            <a:ext cx="6724650" cy="2419350"/>
-          </a:xfrm>
-          <a:prstGeom prst="rect">
-            <a:avLst/>
-          </a:prstGeom>
-        </p:spPr>
-      </p:pic>
+        </p:txBody>
+      </p:sp>
     </p:spTree>
   </p:cSld>
   <p:clrMapOvr>
@@ -6496,917 +5057,7 @@
 </p:sld>
 </file>
 
-<file path=ppt/slides/slide14.xml><?xml version="1.0" encoding="utf-8"?>
-<p:sld xmlns:a="http://schemas.openxmlformats.org/drawingml/2006/main" xmlns:r="http://schemas.openxmlformats.org/officeDocument/2006/relationships" xmlns:p="http://schemas.openxmlformats.org/presentationml/2006/main">
-  <p:cSld>
-    <p:spTree>
-      <p:nvGrpSpPr>
-        <p:cNvPr id="1" name=""/>
-        <p:cNvGrpSpPr/>
-        <p:nvPr/>
-      </p:nvGrpSpPr>
-      <p:grpSpPr>
-        <a:xfrm>
-          <a:off x="0" y="0"/>
-          <a:ext cx="0" cy="0"/>
-          <a:chOff x="0" y="0"/>
-          <a:chExt cx="0" cy="0"/>
-        </a:xfrm>
-      </p:grpSpPr>
-      <p:sp>
-        <p:nvSpPr>
-          <p:cNvPr id="13" name="文本框 12"/>
-          <p:cNvSpPr txBox="1"/>
-          <p:nvPr/>
-        </p:nvSpPr>
-        <p:spPr>
-          <a:xfrm>
-            <a:off x="106466" y="601786"/>
-            <a:ext cx="1033780" cy="398780"/>
-          </a:xfrm>
-          <a:prstGeom prst="rect">
-            <a:avLst/>
-          </a:prstGeom>
-          <a:noFill/>
-        </p:spPr>
-        <p:txBody>
-          <a:bodyPr wrap="none" rtlCol="0">
-            <a:spAutoFit/>
-          </a:bodyPr>
-          <a:lstStyle/>
-          <a:p>
-            <a:pPr marL="342900" indent="-342900">
-              <a:buFont typeface="Wingdings" panose="05000000000000000000" charset="0"/>
-              <a:buChar char="n"/>
-            </a:pPr>
-            <a:r>
-              <a:rPr lang="zh-CN" altLang="en-US" sz="2000" b="1" dirty="0">
-                <a:latin typeface="微软雅黑" panose="020B0503020204020204" charset="-122"/>
-                <a:ea typeface="微软雅黑" panose="020B0503020204020204" charset="-122"/>
-              </a:rPr>
-              <a:t>概述</a:t>
-            </a:r>
-            <a:endParaRPr lang="zh-CN" altLang="en-US" sz="2000" b="1" dirty="0"/>
-          </a:p>
-        </p:txBody>
-      </p:sp>
-      <p:sp>
-        <p:nvSpPr>
-          <p:cNvPr id="7" name="文本框 6"/>
-          <p:cNvSpPr txBox="1"/>
-          <p:nvPr/>
-        </p:nvSpPr>
-        <p:spPr>
-          <a:xfrm>
-            <a:off x="724535" y="1323340"/>
-            <a:ext cx="2247900" cy="410845"/>
-          </a:xfrm>
-          <a:prstGeom prst="rect">
-            <a:avLst/>
-          </a:prstGeom>
-          <a:noFill/>
-        </p:spPr>
-        <p:txBody>
-          <a:bodyPr wrap="square">
-            <a:noAutofit/>
-          </a:bodyPr>
-          <a:lstStyle/>
-          <a:p>
-            <a:pPr algn="l" fontAlgn="auto">
-              <a:lnSpc>
-                <a:spcPts val="2200"/>
-              </a:lnSpc>
-              <a:buClrTx/>
-              <a:buSzTx/>
-              <a:buNone/>
-            </a:pPr>
-            <a:endParaRPr lang="zh-CN" altLang="en-US" sz="1600" dirty="0">
-              <a:latin typeface="微软雅黑" panose="020B0503020204020204" charset="-122"/>
-              <a:ea typeface="微软雅黑" panose="020B0503020204020204" charset="-122"/>
-            </a:endParaRPr>
-          </a:p>
-        </p:txBody>
-      </p:sp>
-      <p:sp>
-        <p:nvSpPr>
-          <p:cNvPr id="3" name="矩形 2"/>
-          <p:cNvSpPr/>
-          <p:nvPr>
-            <p:custDataLst>
-              <p:tags r:id="rId1"/>
-            </p:custDataLst>
-          </p:nvPr>
-        </p:nvSpPr>
-        <p:spPr>
-          <a:xfrm>
-            <a:off x="-6350" y="0"/>
-            <a:ext cx="12198350" cy="540000"/>
-          </a:xfrm>
-          <a:prstGeom prst="rect">
-            <a:avLst/>
-          </a:prstGeom>
-          <a:solidFill>
-            <a:srgbClr val="A099CB"/>
-          </a:solidFill>
-          <a:ln>
-            <a:noFill/>
-          </a:ln>
-        </p:spPr>
-        <p:style>
-          <a:lnRef idx="2">
-            <a:schemeClr val="accent1">
-              <a:shade val="50000"/>
-            </a:schemeClr>
-          </a:lnRef>
-          <a:fillRef idx="1">
-            <a:schemeClr val="accent1"/>
-          </a:fillRef>
-          <a:effectRef idx="0">
-            <a:schemeClr val="accent1"/>
-          </a:effectRef>
-          <a:fontRef idx="minor">
-            <a:schemeClr val="lt1"/>
-          </a:fontRef>
-        </p:style>
-        <p:txBody>
-          <a:bodyPr rtlCol="0" anchor="ctr"/>
-          <a:p>
-            <a:pPr marL="0" marR="0" lvl="0" indent="0" algn="ctr" defTabSz="914400" rtl="0" eaLnBrk="1" fontAlgn="auto" latinLnBrk="0" hangingPunct="1">
-              <a:lnSpc>
-                <a:spcPct val="100000"/>
-              </a:lnSpc>
-              <a:spcBef>
-                <a:spcPts val="0"/>
-              </a:spcBef>
-              <a:spcAft>
-                <a:spcPts val="0"/>
-              </a:spcAft>
-              <a:buClrTx/>
-              <a:buSzTx/>
-              <a:buFontTx/>
-              <a:buNone/>
-              <a:defRPr/>
-            </a:pPr>
-            <a:r>
-              <a:rPr lang="en-US" altLang="zh-CN" sz="1800" dirty="0">
-                <a:effectLst/>
-                <a:latin typeface="微软雅黑" panose="020B0503020204020204" charset="-122"/>
-                <a:ea typeface="微软雅黑" panose="020B0503020204020204" charset="-122"/>
-              </a:rPr>
-              <a:t>3.</a:t>
-            </a:r>
-            <a:r>
-              <a:rPr lang="en-US" altLang="zh-CN" dirty="0">
-                <a:effectLst/>
-                <a:latin typeface="微软雅黑" panose="020B0503020204020204" charset="-122"/>
-                <a:ea typeface="微软雅黑" panose="020B0503020204020204" charset="-122"/>
-              </a:rPr>
-              <a:t>Comput</a:t>
-            </a:r>
-            <a:r>
-              <a:rPr lang="en-US" altLang="zh-CN" dirty="0">
-                <a:effectLst/>
-                <a:latin typeface="微软雅黑" panose="020B0503020204020204" charset="-122"/>
-                <a:ea typeface="微软雅黑" panose="020B0503020204020204" charset="-122"/>
-                <a:sym typeface="+mn-ea"/>
-              </a:rPr>
-              <a:t>ational Bottlenecks of Training Small-scale Large Language Models</a:t>
-            </a:r>
-            <a:endParaRPr lang="en-US" altLang="zh-CN" dirty="0">
-              <a:effectLst/>
-              <a:latin typeface="微软雅黑" panose="020B0503020204020204" charset="-122"/>
-              <a:ea typeface="微软雅黑" panose="020B0503020204020204" charset="-122"/>
-            </a:endParaRPr>
-          </a:p>
-        </p:txBody>
-      </p:sp>
-      <p:sp>
-        <p:nvSpPr>
-          <p:cNvPr id="10" name="文本框 9"/>
-          <p:cNvSpPr txBox="1"/>
-          <p:nvPr/>
-        </p:nvSpPr>
-        <p:spPr>
-          <a:xfrm>
-            <a:off x="204470" y="1226820"/>
-            <a:ext cx="11251565" cy="1423670"/>
-          </a:xfrm>
-          <a:prstGeom prst="rect">
-            <a:avLst/>
-          </a:prstGeom>
-          <a:noFill/>
-        </p:spPr>
-        <p:txBody>
-          <a:bodyPr wrap="square" rtlCol="0">
-            <a:noAutofit/>
-          </a:bodyPr>
-          <a:p>
-            <a:pPr marL="0" lvl="0" indent="457200">
-              <a:buNone/>
-            </a:pPr>
-            <a:r>
-              <a:rPr lang="zh-CN" altLang="en-US" sz="1600" dirty="0">
-                <a:solidFill>
-                  <a:schemeClr val="tx1"/>
-                </a:solidFill>
-                <a:latin typeface="微软雅黑" panose="020B0503020204020204" charset="-122"/>
-                <a:ea typeface="微软雅黑" panose="020B0503020204020204" charset="-122"/>
-              </a:rPr>
-              <a:t>昂贵的硬件，如</a:t>
-            </a:r>
-            <a:r>
-              <a:rPr lang="en-US" altLang="zh-CN" sz="1600" dirty="0">
-                <a:solidFill>
-                  <a:schemeClr val="tx1"/>
-                </a:solidFill>
-                <a:latin typeface="微软雅黑" panose="020B0503020204020204" charset="-122"/>
-                <a:ea typeface="微软雅黑" panose="020B0503020204020204" charset="-122"/>
-              </a:rPr>
-              <a:t>H100-80GB</a:t>
-            </a:r>
-            <a:r>
-              <a:rPr lang="zh-CN" altLang="en-US" sz="1600" dirty="0">
-                <a:solidFill>
-                  <a:schemeClr val="tx1"/>
-                </a:solidFill>
-                <a:latin typeface="微软雅黑" panose="020B0503020204020204" charset="-122"/>
-                <a:ea typeface="微软雅黑" panose="020B0503020204020204" charset="-122"/>
-              </a:rPr>
-              <a:t>和</a:t>
-            </a:r>
-            <a:r>
-              <a:rPr lang="en-US" altLang="zh-CN" sz="1600" dirty="0">
-                <a:solidFill>
-                  <a:schemeClr val="tx1"/>
-                </a:solidFill>
-                <a:latin typeface="微软雅黑" panose="020B0503020204020204" charset="-122"/>
-                <a:ea typeface="微软雅黑" panose="020B0503020204020204" charset="-122"/>
-              </a:rPr>
-              <a:t>A100-80GB</a:t>
-            </a:r>
-            <a:r>
-              <a:rPr lang="zh-CN" altLang="en-US" sz="1600" dirty="0">
-                <a:solidFill>
-                  <a:schemeClr val="tx1"/>
-                </a:solidFill>
-                <a:latin typeface="微软雅黑" panose="020B0503020204020204" charset="-122"/>
-                <a:ea typeface="微软雅黑" panose="020B0503020204020204" charset="-122"/>
-              </a:rPr>
-              <a:t>，不一定对</a:t>
-            </a:r>
-            <a:r>
-              <a:rPr lang="en-US" altLang="zh-CN" sz="1600" dirty="0">
-                <a:solidFill>
-                  <a:schemeClr val="tx1"/>
-                </a:solidFill>
-                <a:latin typeface="微软雅黑" panose="020B0503020204020204" charset="-122"/>
-                <a:ea typeface="微软雅黑" panose="020B0503020204020204" charset="-122"/>
-              </a:rPr>
-              <a:t>SLM</a:t>
-            </a:r>
-            <a:r>
-              <a:rPr lang="zh-CN" altLang="en-US" sz="1600" dirty="0">
-                <a:solidFill>
-                  <a:schemeClr val="tx1"/>
-                </a:solidFill>
-                <a:latin typeface="微软雅黑" panose="020B0503020204020204" charset="-122"/>
-                <a:ea typeface="微软雅黑" panose="020B0503020204020204" charset="-122"/>
-              </a:rPr>
-              <a:t>训练具有成本效益</a:t>
-            </a:r>
-            <a:endParaRPr lang="zh-CN" altLang="en-US" sz="1600" dirty="0">
-              <a:solidFill>
-                <a:schemeClr val="tx1"/>
-              </a:solidFill>
-              <a:latin typeface="微软雅黑" panose="020B0503020204020204" charset="-122"/>
-              <a:ea typeface="微软雅黑" panose="020B0503020204020204" charset="-122"/>
-            </a:endParaRPr>
-          </a:p>
-        </p:txBody>
-      </p:sp>
-      <p:pic>
-        <p:nvPicPr>
-          <p:cNvPr id="2" name="图片 1"/>
-          <p:cNvPicPr>
-            <a:picLocks noChangeAspect="1"/>
-          </p:cNvPicPr>
-          <p:nvPr/>
-        </p:nvPicPr>
-        <p:blipFill>
-          <a:blip r:embed="rId2"/>
-          <a:stretch>
-            <a:fillRect/>
-          </a:stretch>
-        </p:blipFill>
-        <p:spPr>
-          <a:xfrm>
-            <a:off x="593090" y="1895475"/>
-            <a:ext cx="9658350" cy="3067050"/>
-          </a:xfrm>
-          <a:prstGeom prst="rect">
-            <a:avLst/>
-          </a:prstGeom>
-        </p:spPr>
-      </p:pic>
-    </p:spTree>
-  </p:cSld>
-  <p:clrMapOvr>
-    <a:masterClrMapping/>
-  </p:clrMapOvr>
-</p:sld>
-</file>
-
-<file path=ppt/slides/slide15.xml><?xml version="1.0" encoding="utf-8"?>
-<p:sld xmlns:a="http://schemas.openxmlformats.org/drawingml/2006/main" xmlns:r="http://schemas.openxmlformats.org/officeDocument/2006/relationships" xmlns:p="http://schemas.openxmlformats.org/presentationml/2006/main">
-  <p:cSld>
-    <p:spTree>
-      <p:nvGrpSpPr>
-        <p:cNvPr id="1" name=""/>
-        <p:cNvGrpSpPr/>
-        <p:nvPr/>
-      </p:nvGrpSpPr>
-      <p:grpSpPr>
-        <a:xfrm>
-          <a:off x="0" y="0"/>
-          <a:ext cx="0" cy="0"/>
-          <a:chOff x="0" y="0"/>
-          <a:chExt cx="0" cy="0"/>
-        </a:xfrm>
-      </p:grpSpPr>
-      <p:sp>
-        <p:nvSpPr>
-          <p:cNvPr id="13" name="文本框 12"/>
-          <p:cNvSpPr txBox="1"/>
-          <p:nvPr/>
-        </p:nvSpPr>
-        <p:spPr>
-          <a:xfrm>
-            <a:off x="106466" y="601786"/>
-            <a:ext cx="1033780" cy="398780"/>
-          </a:xfrm>
-          <a:prstGeom prst="rect">
-            <a:avLst/>
-          </a:prstGeom>
-          <a:noFill/>
-        </p:spPr>
-        <p:txBody>
-          <a:bodyPr wrap="none" rtlCol="0">
-            <a:spAutoFit/>
-          </a:bodyPr>
-          <a:lstStyle/>
-          <a:p>
-            <a:pPr marL="342900" indent="-342900">
-              <a:buFont typeface="Wingdings" panose="05000000000000000000" charset="0"/>
-              <a:buChar char="n"/>
-            </a:pPr>
-            <a:r>
-              <a:rPr lang="zh-CN" altLang="en-US" sz="2000" b="1" dirty="0">
-                <a:latin typeface="微软雅黑" panose="020B0503020204020204" charset="-122"/>
-                <a:ea typeface="微软雅黑" panose="020B0503020204020204" charset="-122"/>
-              </a:rPr>
-              <a:t>概述</a:t>
-            </a:r>
-            <a:endParaRPr lang="zh-CN" altLang="en-US" sz="2000" b="1" dirty="0"/>
-          </a:p>
-        </p:txBody>
-      </p:sp>
-      <p:sp>
-        <p:nvSpPr>
-          <p:cNvPr id="7" name="文本框 6"/>
-          <p:cNvSpPr txBox="1"/>
-          <p:nvPr/>
-        </p:nvSpPr>
-        <p:spPr>
-          <a:xfrm>
-            <a:off x="724535" y="1323340"/>
-            <a:ext cx="2247900" cy="410845"/>
-          </a:xfrm>
-          <a:prstGeom prst="rect">
-            <a:avLst/>
-          </a:prstGeom>
-          <a:noFill/>
-        </p:spPr>
-        <p:txBody>
-          <a:bodyPr wrap="square">
-            <a:noAutofit/>
-          </a:bodyPr>
-          <a:lstStyle/>
-          <a:p>
-            <a:pPr algn="l" fontAlgn="auto">
-              <a:lnSpc>
-                <a:spcPts val="2200"/>
-              </a:lnSpc>
-              <a:buClrTx/>
-              <a:buSzTx/>
-              <a:buNone/>
-            </a:pPr>
-            <a:endParaRPr lang="zh-CN" altLang="en-US" sz="1600" dirty="0">
-              <a:latin typeface="微软雅黑" panose="020B0503020204020204" charset="-122"/>
-              <a:ea typeface="微软雅黑" panose="020B0503020204020204" charset="-122"/>
-            </a:endParaRPr>
-          </a:p>
-        </p:txBody>
-      </p:sp>
-      <p:sp>
-        <p:nvSpPr>
-          <p:cNvPr id="3" name="矩形 2"/>
-          <p:cNvSpPr/>
-          <p:nvPr>
-            <p:custDataLst>
-              <p:tags r:id="rId1"/>
-            </p:custDataLst>
-          </p:nvPr>
-        </p:nvSpPr>
-        <p:spPr>
-          <a:xfrm>
-            <a:off x="-6350" y="0"/>
-            <a:ext cx="12198350" cy="540000"/>
-          </a:xfrm>
-          <a:prstGeom prst="rect">
-            <a:avLst/>
-          </a:prstGeom>
-          <a:solidFill>
-            <a:srgbClr val="A099CB"/>
-          </a:solidFill>
-          <a:ln>
-            <a:noFill/>
-          </a:ln>
-        </p:spPr>
-        <p:style>
-          <a:lnRef idx="2">
-            <a:schemeClr val="accent1">
-              <a:shade val="50000"/>
-            </a:schemeClr>
-          </a:lnRef>
-          <a:fillRef idx="1">
-            <a:schemeClr val="accent1"/>
-          </a:fillRef>
-          <a:effectRef idx="0">
-            <a:schemeClr val="accent1"/>
-          </a:effectRef>
-          <a:fontRef idx="minor">
-            <a:schemeClr val="lt1"/>
-          </a:fontRef>
-        </p:style>
-        <p:txBody>
-          <a:bodyPr rtlCol="0" anchor="ctr"/>
-          <a:p>
-            <a:pPr marL="0" marR="0" lvl="0" indent="0" algn="ctr" defTabSz="914400" rtl="0" eaLnBrk="1" fontAlgn="auto" latinLnBrk="0" hangingPunct="1">
-              <a:lnSpc>
-                <a:spcPct val="100000"/>
-              </a:lnSpc>
-              <a:spcBef>
-                <a:spcPts val="0"/>
-              </a:spcBef>
-              <a:spcAft>
-                <a:spcPts val="0"/>
-              </a:spcAft>
-              <a:buClrTx/>
-              <a:buSzTx/>
-              <a:buFontTx/>
-              <a:buNone/>
-              <a:defRPr/>
-            </a:pPr>
-            <a:r>
-              <a:rPr lang="en-US" altLang="zh-CN" sz="1800" dirty="0">
-                <a:effectLst/>
-                <a:latin typeface="微软雅黑" panose="020B0503020204020204" charset="-122"/>
-                <a:ea typeface="微软雅黑" panose="020B0503020204020204" charset="-122"/>
-              </a:rPr>
-              <a:t>3.</a:t>
-            </a:r>
-            <a:r>
-              <a:rPr lang="en-US" altLang="zh-CN" dirty="0">
-                <a:effectLst/>
-                <a:latin typeface="微软雅黑" panose="020B0503020204020204" charset="-122"/>
-                <a:ea typeface="微软雅黑" panose="020B0503020204020204" charset="-122"/>
-              </a:rPr>
-              <a:t>Comput</a:t>
-            </a:r>
-            <a:r>
-              <a:rPr lang="en-US" altLang="zh-CN" dirty="0">
-                <a:effectLst/>
-                <a:latin typeface="微软雅黑" panose="020B0503020204020204" charset="-122"/>
-                <a:ea typeface="微软雅黑" panose="020B0503020204020204" charset="-122"/>
-                <a:sym typeface="+mn-ea"/>
-              </a:rPr>
-              <a:t>ational Bottlenecks of Training Small-scale Large Language Models</a:t>
-            </a:r>
-            <a:endParaRPr lang="en-US" altLang="zh-CN" dirty="0">
-              <a:effectLst/>
-              <a:latin typeface="微软雅黑" panose="020B0503020204020204" charset="-122"/>
-              <a:ea typeface="微软雅黑" panose="020B0503020204020204" charset="-122"/>
-            </a:endParaRPr>
-          </a:p>
-        </p:txBody>
-      </p:sp>
-      <p:sp>
-        <p:nvSpPr>
-          <p:cNvPr id="10" name="文本框 9"/>
-          <p:cNvSpPr txBox="1"/>
-          <p:nvPr/>
-        </p:nvSpPr>
-        <p:spPr>
-          <a:xfrm>
-            <a:off x="204470" y="1226820"/>
-            <a:ext cx="11251565" cy="1423670"/>
-          </a:xfrm>
-          <a:prstGeom prst="rect">
-            <a:avLst/>
-          </a:prstGeom>
-          <a:noFill/>
-        </p:spPr>
-        <p:txBody>
-          <a:bodyPr wrap="square" rtlCol="0">
-            <a:noAutofit/>
-          </a:bodyPr>
-          <a:p>
-            <a:pPr marL="0" lvl="0" indent="457200">
-              <a:buNone/>
-            </a:pPr>
-            <a:r>
-              <a:rPr lang="en-US" altLang="zh-CN" sz="1600" dirty="0">
-                <a:solidFill>
-                  <a:schemeClr val="tx1"/>
-                </a:solidFill>
-                <a:latin typeface="微软雅黑" panose="020B0503020204020204" charset="-122"/>
-                <a:ea typeface="微软雅黑" panose="020B0503020204020204" charset="-122"/>
-              </a:rPr>
-              <a:t>DDP</a:t>
-            </a:r>
-            <a:r>
-              <a:rPr lang="zh-CN" altLang="en-US" sz="1600" dirty="0">
-                <a:solidFill>
-                  <a:schemeClr val="tx1"/>
-                </a:solidFill>
-                <a:latin typeface="微软雅黑" panose="020B0503020204020204" charset="-122"/>
-                <a:ea typeface="微软雅黑" panose="020B0503020204020204" charset="-122"/>
-              </a:rPr>
-              <a:t>是</a:t>
-            </a:r>
-            <a:r>
-              <a:rPr lang="en-US" altLang="zh-CN" sz="1600" dirty="0">
-                <a:solidFill>
-                  <a:schemeClr val="tx1"/>
-                </a:solidFill>
-                <a:latin typeface="微软雅黑" panose="020B0503020204020204" charset="-122"/>
-                <a:ea typeface="微软雅黑" panose="020B0503020204020204" charset="-122"/>
-              </a:rPr>
-              <a:t>SLMs</a:t>
-            </a:r>
-            <a:r>
-              <a:rPr lang="zh-CN" altLang="en-US" sz="1600" dirty="0">
-                <a:solidFill>
-                  <a:schemeClr val="tx1"/>
-                </a:solidFill>
-                <a:latin typeface="微软雅黑" panose="020B0503020204020204" charset="-122"/>
-                <a:ea typeface="微软雅黑" panose="020B0503020204020204" charset="-122"/>
-              </a:rPr>
-              <a:t>最佳的分布式训练方案</a:t>
-            </a:r>
-            <a:endParaRPr lang="zh-CN" altLang="en-US" sz="1600" dirty="0">
-              <a:solidFill>
-                <a:schemeClr val="tx1"/>
-              </a:solidFill>
-              <a:latin typeface="微软雅黑" panose="020B0503020204020204" charset="-122"/>
-              <a:ea typeface="微软雅黑" panose="020B0503020204020204" charset="-122"/>
-            </a:endParaRPr>
-          </a:p>
-        </p:txBody>
-      </p:sp>
-      <p:pic>
-        <p:nvPicPr>
-          <p:cNvPr id="4" name="图片 3"/>
-          <p:cNvPicPr>
-            <a:picLocks noChangeAspect="1"/>
-          </p:cNvPicPr>
-          <p:nvPr/>
-        </p:nvPicPr>
-        <p:blipFill>
-          <a:blip r:embed="rId2"/>
-          <a:stretch>
-            <a:fillRect/>
-          </a:stretch>
-        </p:blipFill>
-        <p:spPr>
-          <a:xfrm>
-            <a:off x="862965" y="1734185"/>
-            <a:ext cx="9429750" cy="3130550"/>
-          </a:xfrm>
-          <a:prstGeom prst="rect">
-            <a:avLst/>
-          </a:prstGeom>
-        </p:spPr>
-      </p:pic>
-    </p:spTree>
-  </p:cSld>
-  <p:clrMapOvr>
-    <a:masterClrMapping/>
-  </p:clrMapOvr>
-</p:sld>
-</file>
-
-<file path=ppt/slides/slide16.xml><?xml version="1.0" encoding="utf-8"?>
-<p:sld xmlns:a="http://schemas.openxmlformats.org/drawingml/2006/main" xmlns:r="http://schemas.openxmlformats.org/officeDocument/2006/relationships" xmlns:p="http://schemas.openxmlformats.org/presentationml/2006/main">
-  <p:cSld>
-    <p:spTree>
-      <p:nvGrpSpPr>
-        <p:cNvPr id="1" name=""/>
-        <p:cNvGrpSpPr/>
-        <p:nvPr/>
-      </p:nvGrpSpPr>
-      <p:grpSpPr>
-        <a:xfrm>
-          <a:off x="0" y="0"/>
-          <a:ext cx="0" cy="0"/>
-          <a:chOff x="0" y="0"/>
-          <a:chExt cx="0" cy="0"/>
-        </a:xfrm>
-      </p:grpSpPr>
-      <p:sp>
-        <p:nvSpPr>
-          <p:cNvPr id="13" name="文本框 12"/>
-          <p:cNvSpPr txBox="1"/>
-          <p:nvPr/>
-        </p:nvSpPr>
-        <p:spPr>
-          <a:xfrm>
-            <a:off x="106466" y="601786"/>
-            <a:ext cx="1033780" cy="398780"/>
-          </a:xfrm>
-          <a:prstGeom prst="rect">
-            <a:avLst/>
-          </a:prstGeom>
-          <a:noFill/>
-        </p:spPr>
-        <p:txBody>
-          <a:bodyPr wrap="none" rtlCol="0">
-            <a:spAutoFit/>
-          </a:bodyPr>
-          <a:lstStyle/>
-          <a:p>
-            <a:pPr marL="342900" indent="-342900">
-              <a:buFont typeface="Wingdings" panose="05000000000000000000" charset="0"/>
-              <a:buChar char="n"/>
-            </a:pPr>
-            <a:r>
-              <a:rPr lang="zh-CN" altLang="en-US" sz="2000" b="1" dirty="0">
-                <a:latin typeface="微软雅黑" panose="020B0503020204020204" charset="-122"/>
-                <a:ea typeface="微软雅黑" panose="020B0503020204020204" charset="-122"/>
-              </a:rPr>
-              <a:t>概述</a:t>
-            </a:r>
-            <a:endParaRPr lang="zh-CN" altLang="en-US" sz="2000" b="1" dirty="0"/>
-          </a:p>
-        </p:txBody>
-      </p:sp>
-      <p:sp>
-        <p:nvSpPr>
-          <p:cNvPr id="7" name="文本框 6"/>
-          <p:cNvSpPr txBox="1"/>
-          <p:nvPr/>
-        </p:nvSpPr>
-        <p:spPr>
-          <a:xfrm>
-            <a:off x="724535" y="1323340"/>
-            <a:ext cx="2247900" cy="410845"/>
-          </a:xfrm>
-          <a:prstGeom prst="rect">
-            <a:avLst/>
-          </a:prstGeom>
-          <a:noFill/>
-        </p:spPr>
-        <p:txBody>
-          <a:bodyPr wrap="square">
-            <a:noAutofit/>
-          </a:bodyPr>
-          <a:lstStyle/>
-          <a:p>
-            <a:pPr algn="l" fontAlgn="auto">
-              <a:lnSpc>
-                <a:spcPts val="2200"/>
-              </a:lnSpc>
-              <a:buClrTx/>
-              <a:buSzTx/>
-              <a:buNone/>
-            </a:pPr>
-            <a:endParaRPr lang="zh-CN" altLang="en-US" sz="1600" dirty="0">
-              <a:latin typeface="微软雅黑" panose="020B0503020204020204" charset="-122"/>
-              <a:ea typeface="微软雅黑" panose="020B0503020204020204" charset="-122"/>
-            </a:endParaRPr>
-          </a:p>
-        </p:txBody>
-      </p:sp>
-      <p:sp>
-        <p:nvSpPr>
-          <p:cNvPr id="3" name="矩形 2"/>
-          <p:cNvSpPr/>
-          <p:nvPr>
-            <p:custDataLst>
-              <p:tags r:id="rId1"/>
-            </p:custDataLst>
-          </p:nvPr>
-        </p:nvSpPr>
-        <p:spPr>
-          <a:xfrm>
-            <a:off x="-6350" y="0"/>
-            <a:ext cx="12198350" cy="540000"/>
-          </a:xfrm>
-          <a:prstGeom prst="rect">
-            <a:avLst/>
-          </a:prstGeom>
-          <a:solidFill>
-            <a:srgbClr val="A099CB"/>
-          </a:solidFill>
-          <a:ln>
-            <a:noFill/>
-          </a:ln>
-        </p:spPr>
-        <p:style>
-          <a:lnRef idx="2">
-            <a:schemeClr val="accent1">
-              <a:shade val="50000"/>
-            </a:schemeClr>
-          </a:lnRef>
-          <a:fillRef idx="1">
-            <a:schemeClr val="accent1"/>
-          </a:fillRef>
-          <a:effectRef idx="0">
-            <a:schemeClr val="accent1"/>
-          </a:effectRef>
-          <a:fontRef idx="minor">
-            <a:schemeClr val="lt1"/>
-          </a:fontRef>
-        </p:style>
-        <p:txBody>
-          <a:bodyPr rtlCol="0" anchor="ctr"/>
-          <a:p>
-            <a:pPr marL="0" marR="0" lvl="0" indent="0" algn="ctr" defTabSz="914400" rtl="0" eaLnBrk="1" fontAlgn="auto" latinLnBrk="0" hangingPunct="1">
-              <a:lnSpc>
-                <a:spcPct val="100000"/>
-              </a:lnSpc>
-              <a:spcBef>
-                <a:spcPts val="0"/>
-              </a:spcBef>
-              <a:spcAft>
-                <a:spcPts val="0"/>
-              </a:spcAft>
-              <a:buClrTx/>
-              <a:buSzTx/>
-              <a:buFontTx/>
-              <a:buNone/>
-              <a:defRPr/>
-            </a:pPr>
-            <a:r>
-              <a:rPr lang="en-US" altLang="zh-CN" sz="1800" dirty="0">
-                <a:effectLst/>
-                <a:latin typeface="微软雅黑" panose="020B0503020204020204" charset="-122"/>
-                <a:ea typeface="微软雅黑" panose="020B0503020204020204" charset="-122"/>
-              </a:rPr>
-              <a:t>3.</a:t>
-            </a:r>
-            <a:r>
-              <a:rPr lang="en-US" altLang="zh-CN" dirty="0">
-                <a:effectLst/>
-                <a:latin typeface="微软雅黑" panose="020B0503020204020204" charset="-122"/>
-                <a:ea typeface="微软雅黑" panose="020B0503020204020204" charset="-122"/>
-              </a:rPr>
-              <a:t>Comput</a:t>
-            </a:r>
-            <a:r>
-              <a:rPr lang="en-US" altLang="zh-CN" dirty="0">
-                <a:effectLst/>
-                <a:latin typeface="微软雅黑" panose="020B0503020204020204" charset="-122"/>
-                <a:ea typeface="微软雅黑" panose="020B0503020204020204" charset="-122"/>
-                <a:sym typeface="+mn-ea"/>
-              </a:rPr>
-              <a:t>ational Bottlenecks of Training Small-scale Large Language Models</a:t>
-            </a:r>
-            <a:endParaRPr lang="en-US" altLang="zh-CN" dirty="0">
-              <a:effectLst/>
-              <a:latin typeface="微软雅黑" panose="020B0503020204020204" charset="-122"/>
-              <a:ea typeface="微软雅黑" panose="020B0503020204020204" charset="-122"/>
-            </a:endParaRPr>
-          </a:p>
-        </p:txBody>
-      </p:sp>
-      <p:sp>
-        <p:nvSpPr>
-          <p:cNvPr id="10" name="文本框 9"/>
-          <p:cNvSpPr txBox="1"/>
-          <p:nvPr/>
-        </p:nvSpPr>
-        <p:spPr>
-          <a:xfrm>
-            <a:off x="204470" y="1226820"/>
-            <a:ext cx="11251565" cy="1423670"/>
-          </a:xfrm>
-          <a:prstGeom prst="rect">
-            <a:avLst/>
-          </a:prstGeom>
-          <a:noFill/>
-        </p:spPr>
-        <p:txBody>
-          <a:bodyPr wrap="square" rtlCol="0">
-            <a:noAutofit/>
-          </a:bodyPr>
-          <a:p>
-            <a:pPr marL="0" lvl="0" indent="457200">
-              <a:buNone/>
-            </a:pPr>
-            <a:r>
-              <a:rPr lang="zh-CN" altLang="en-US" sz="1600" dirty="0">
-                <a:solidFill>
-                  <a:schemeClr val="tx1"/>
-                </a:solidFill>
-                <a:latin typeface="微软雅黑" panose="020B0503020204020204" charset="-122"/>
-                <a:ea typeface="微软雅黑" panose="020B0503020204020204" charset="-122"/>
-              </a:rPr>
-              <a:t>最大化</a:t>
-            </a:r>
-            <a:r>
-              <a:rPr lang="en-US" altLang="zh-CN" sz="1600" dirty="0">
-                <a:solidFill>
-                  <a:schemeClr val="tx1"/>
-                </a:solidFill>
-                <a:latin typeface="微软雅黑" panose="020B0503020204020204" charset="-122"/>
-                <a:ea typeface="微软雅黑" panose="020B0503020204020204" charset="-122"/>
-              </a:rPr>
-              <a:t>GPU</a:t>
-            </a:r>
-            <a:r>
-              <a:rPr lang="zh-CN" altLang="en-US" sz="1600" dirty="0">
-                <a:solidFill>
-                  <a:schemeClr val="tx1"/>
-                </a:solidFill>
-                <a:latin typeface="微软雅黑" panose="020B0503020204020204" charset="-122"/>
-                <a:ea typeface="微软雅黑" panose="020B0503020204020204" charset="-122"/>
-              </a:rPr>
-              <a:t>内存利用率对</a:t>
-            </a:r>
-            <a:r>
-              <a:rPr lang="en-US" altLang="zh-CN" sz="1600" dirty="0">
-                <a:solidFill>
-                  <a:schemeClr val="tx1"/>
-                </a:solidFill>
-                <a:latin typeface="微软雅黑" panose="020B0503020204020204" charset="-122"/>
-                <a:ea typeface="微软雅黑" panose="020B0503020204020204" charset="-122"/>
-              </a:rPr>
-              <a:t>SLM</a:t>
-            </a:r>
-            <a:r>
-              <a:rPr lang="zh-CN" altLang="en-US" sz="1600" dirty="0">
-                <a:solidFill>
-                  <a:schemeClr val="tx1"/>
-                </a:solidFill>
-                <a:latin typeface="微软雅黑" panose="020B0503020204020204" charset="-122"/>
-                <a:ea typeface="微软雅黑" panose="020B0503020204020204" charset="-122"/>
-              </a:rPr>
-              <a:t>训练并不一定是成本最优的选择</a:t>
-            </a:r>
-            <a:endParaRPr lang="zh-CN" altLang="en-US" sz="1600" dirty="0">
-              <a:solidFill>
-                <a:schemeClr val="tx1"/>
-              </a:solidFill>
-              <a:latin typeface="微软雅黑" panose="020B0503020204020204" charset="-122"/>
-              <a:ea typeface="微软雅黑" panose="020B0503020204020204" charset="-122"/>
-            </a:endParaRPr>
-          </a:p>
-        </p:txBody>
-      </p:sp>
-      <p:pic>
-        <p:nvPicPr>
-          <p:cNvPr id="5" name="图片 4"/>
-          <p:cNvPicPr>
-            <a:picLocks noChangeAspect="1"/>
-          </p:cNvPicPr>
-          <p:nvPr/>
-        </p:nvPicPr>
-        <p:blipFill>
-          <a:blip r:embed="rId2"/>
-          <a:stretch>
-            <a:fillRect/>
-          </a:stretch>
-        </p:blipFill>
-        <p:spPr>
-          <a:xfrm>
-            <a:off x="359410" y="1814195"/>
-            <a:ext cx="9721850" cy="3511550"/>
-          </a:xfrm>
-          <a:prstGeom prst="rect">
-            <a:avLst/>
-          </a:prstGeom>
-        </p:spPr>
-      </p:pic>
-    </p:spTree>
-  </p:cSld>
-  <p:clrMapOvr>
-    <a:masterClrMapping/>
-  </p:clrMapOvr>
-</p:sld>
-</file>
-
-<file path=ppt/slides/slide17.xml><?xml version="1.0" encoding="utf-8"?>
+<file path=ppt/slides/slide13.xml><?xml version="1.0" encoding="utf-8"?>
 <p:sld xmlns:a="http://schemas.openxmlformats.org/drawingml/2006/main" xmlns:r="http://schemas.openxmlformats.org/officeDocument/2006/relationships" xmlns:p="http://schemas.openxmlformats.org/presentationml/2006/main">
   <p:cSld>
     <p:spTree>
@@ -7455,8 +5106,8 @@
         </p:nvSpPr>
         <p:spPr>
           <a:xfrm>
-            <a:off x="1038225" y="1470025"/>
-            <a:ext cx="2301875" cy="1861185"/>
+            <a:off x="768985" y="2095500"/>
+            <a:ext cx="7110730" cy="1445260"/>
           </a:xfrm>
           <a:prstGeom prst="rect">
             <a:avLst/>
@@ -7486,7 +5137,7 @@
               <a:defRPr/>
             </a:pPr>
             <a:r>
-              <a:rPr kumimoji="0" lang="en-US" altLang="zh-CN" sz="11500" b="0" i="0" u="none" strike="noStrike" kern="1200" cap="none" spc="0" normalizeH="0" baseline="0" noProof="0" dirty="0">
+              <a:rPr kumimoji="0" lang="en-US" altLang="zh-CN" sz="8800" b="0" i="0" u="none" strike="noStrike" kern="1200" cap="none" spc="0" normalizeH="0" baseline="0" noProof="0" dirty="0">
                 <a:ln>
                   <a:solidFill>
                     <a:srgbClr val="383987"/>
@@ -7500,9 +5151,9 @@
                 <a:ea typeface="宋体" panose="02010600030101010101" pitchFamily="2" charset="-122"/>
                 <a:cs typeface="+mn-cs"/>
               </a:rPr>
-              <a:t>04</a:t>
-            </a:r>
-            <a:endParaRPr kumimoji="0" lang="en-US" altLang="zh-CN" sz="11500" b="0" i="0" u="none" strike="noStrike" kern="1200" cap="none" spc="0" normalizeH="0" baseline="0" noProof="0" dirty="0">
+              <a:t>THANKS</a:t>
+            </a:r>
+            <a:endParaRPr kumimoji="0" lang="en-US" altLang="zh-CN" sz="8800" b="0" i="0" u="none" strike="noStrike" kern="1200" cap="none" spc="0" normalizeH="0" baseline="0" noProof="0" dirty="0">
               <a:ln>
                 <a:solidFill>
                   <a:srgbClr val="383987"/>
@@ -7521,14 +5172,14 @@
       </p:sp>
       <p:sp>
         <p:nvSpPr>
-          <p:cNvPr id="6" name="文本框 5"/>
+          <p:cNvPr id="2" name="文本框 1"/>
           <p:cNvSpPr txBox="1"/>
           <p:nvPr/>
         </p:nvSpPr>
         <p:spPr>
           <a:xfrm>
-            <a:off x="1265555" y="3049270"/>
-            <a:ext cx="11768455" cy="777240"/>
+            <a:off x="934085" y="3540760"/>
+            <a:ext cx="4176395" cy="460375"/>
           </a:xfrm>
           <a:prstGeom prst="rect">
             <a:avLst/>
@@ -7537,11 +5188,11 @@
         </p:spPr>
         <p:txBody>
           <a:bodyPr wrap="square" rtlCol="0">
-            <a:noAutofit/>
+            <a:spAutoFit/>
           </a:bodyPr>
           <a:lstStyle/>
           <a:p>
-            <a:pPr marL="0" marR="0" lvl="0" indent="0" algn="ctr" defTabSz="914400" rtl="0" eaLnBrk="1" fontAlgn="auto" latinLnBrk="0" hangingPunct="1">
+            <a:pPr marL="0" marR="0" lvl="0" indent="0" algn="dist" defTabSz="914400" rtl="0" eaLnBrk="1" fontAlgn="auto" latinLnBrk="0" hangingPunct="1">
               <a:lnSpc>
                 <a:spcPct val="100000"/>
               </a:lnSpc>
@@ -7558,1111 +5209,39 @@
               <a:defRPr/>
             </a:pPr>
             <a:r>
-              <a:rPr lang="zh-CN" sz="3600" dirty="0">
+              <a:rPr kumimoji="0" lang="zh-CN" altLang="en-US" sz="2400" b="0" i="0" u="none" strike="noStrike" kern="1200" cap="none" spc="0" normalizeH="0" baseline="0" noProof="0">
+                <a:ln>
+                  <a:noFill/>
+                </a:ln>
                 <a:solidFill>
                   <a:srgbClr val="383987"/>
                 </a:solidFill>
-                <a:latin typeface="微软雅黑" panose="020B0503020204020204" charset="-122"/>
-                <a:ea typeface="微软雅黑" panose="020B0503020204020204" charset="-122"/>
-                <a:sym typeface="+mn-ea"/>
-              </a:rPr>
-              <a:t>计划</a:t>
-            </a:r>
-            <a:endParaRPr lang="zh-CN" sz="3600" dirty="0">
+                <a:effectLst/>
+                <a:uLnTx/>
+                <a:uFillTx/>
+                <a:latin typeface="微软雅黑" panose="020B0503020204020204" charset="-122"/>
+                <a:ea typeface="微软雅黑" panose="020B0503020204020204" charset="-122"/>
+                <a:cs typeface="+mn-cs"/>
+              </a:rPr>
+              <a:t>谢谢观看</a:t>
+            </a:r>
+            <a:endParaRPr kumimoji="0" lang="zh-CN" altLang="en-US" sz="2400" b="0" i="0" u="none" strike="noStrike" kern="1200" cap="none" spc="0" normalizeH="0" baseline="0" noProof="0">
+              <a:ln>
+                <a:noFill/>
+              </a:ln>
               <a:solidFill>
                 <a:srgbClr val="383987"/>
               </a:solidFill>
+              <a:effectLst/>
+              <a:uLnTx/>
+              <a:uFillTx/>
               <a:latin typeface="微软雅黑" panose="020B0503020204020204" charset="-122"/>
               <a:ea typeface="微软雅黑" panose="020B0503020204020204" charset="-122"/>
-              <a:sym typeface="+mn-ea"/>
+              <a:cs typeface="+mn-cs"/>
             </a:endParaRPr>
           </a:p>
         </p:txBody>
       </p:sp>
-    </p:spTree>
-  </p:cSld>
-  <p:clrMapOvr>
-    <a:masterClrMapping/>
-  </p:clrMapOvr>
-</p:sld>
-</file>
-
-<file path=ppt/slides/slide18.xml><?xml version="1.0" encoding="utf-8"?>
-<p:sld xmlns:a="http://schemas.openxmlformats.org/drawingml/2006/main" xmlns:r="http://schemas.openxmlformats.org/officeDocument/2006/relationships" xmlns:p="http://schemas.openxmlformats.org/presentationml/2006/main">
-  <p:cSld>
-    <p:spTree>
-      <p:nvGrpSpPr>
-        <p:cNvPr id="1" name=""/>
-        <p:cNvGrpSpPr/>
-        <p:nvPr/>
-      </p:nvGrpSpPr>
-      <p:grpSpPr>
-        <a:xfrm>
-          <a:off x="0" y="0"/>
-          <a:ext cx="0" cy="0"/>
-          <a:chOff x="0" y="0"/>
-          <a:chExt cx="0" cy="0"/>
-        </a:xfrm>
-      </p:grpSpPr>
-      <p:sp>
-        <p:nvSpPr>
-          <p:cNvPr id="13" name="文本框 12"/>
-          <p:cNvSpPr txBox="1"/>
-          <p:nvPr/>
-        </p:nvSpPr>
-        <p:spPr>
-          <a:xfrm>
-            <a:off x="106466" y="601786"/>
-            <a:ext cx="1287780" cy="398780"/>
-          </a:xfrm>
-          <a:prstGeom prst="rect">
-            <a:avLst/>
-          </a:prstGeom>
-          <a:noFill/>
-        </p:spPr>
-        <p:txBody>
-          <a:bodyPr wrap="none" rtlCol="0">
-            <a:spAutoFit/>
-          </a:bodyPr>
-          <a:lstStyle/>
-          <a:p>
-            <a:pPr marL="342900" indent="-342900">
-              <a:buFont typeface="Wingdings" panose="05000000000000000000" charset="0"/>
-              <a:buChar char="n"/>
-            </a:pPr>
-            <a:r>
-              <a:rPr lang="zh-CN" altLang="en-US" sz="2000" b="1" dirty="0">
-                <a:latin typeface="微软雅黑" panose="020B0503020204020204" charset="-122"/>
-                <a:ea typeface="微软雅黑" panose="020B0503020204020204" charset="-122"/>
-              </a:rPr>
-              <a:t>下一周</a:t>
-            </a:r>
-            <a:endParaRPr lang="zh-CN" altLang="en-US" sz="2000" b="1" dirty="0">
-              <a:latin typeface="微软雅黑" panose="020B0503020204020204" charset="-122"/>
-              <a:ea typeface="微软雅黑" panose="020B0503020204020204" charset="-122"/>
-            </a:endParaRPr>
-          </a:p>
-        </p:txBody>
-      </p:sp>
-      <p:sp>
-        <p:nvSpPr>
-          <p:cNvPr id="6" name="矩形 5"/>
-          <p:cNvSpPr/>
-          <p:nvPr>
-            <p:custDataLst>
-              <p:tags r:id="rId1"/>
-            </p:custDataLst>
-          </p:nvPr>
-        </p:nvSpPr>
-        <p:spPr>
-          <a:xfrm>
-            <a:off x="-6350" y="0"/>
-            <a:ext cx="12198350" cy="540000"/>
-          </a:xfrm>
-          <a:prstGeom prst="rect">
-            <a:avLst/>
-          </a:prstGeom>
-          <a:solidFill>
-            <a:srgbClr val="A099CB"/>
-          </a:solidFill>
-          <a:ln>
-            <a:noFill/>
-          </a:ln>
-        </p:spPr>
-        <p:style>
-          <a:lnRef idx="2">
-            <a:schemeClr val="accent1">
-              <a:shade val="50000"/>
-            </a:schemeClr>
-          </a:lnRef>
-          <a:fillRef idx="1">
-            <a:schemeClr val="accent1"/>
-          </a:fillRef>
-          <a:effectRef idx="0">
-            <a:schemeClr val="accent1"/>
-          </a:effectRef>
-          <a:fontRef idx="minor">
-            <a:schemeClr val="lt1"/>
-          </a:fontRef>
-        </p:style>
-        <p:txBody>
-          <a:bodyPr rtlCol="0" anchor="ctr"/>
-          <a:p>
-            <a:pPr marL="0" marR="0" lvl="0" indent="0" algn="ctr" defTabSz="914400" rtl="0" eaLnBrk="1" fontAlgn="auto" latinLnBrk="0" hangingPunct="1">
-              <a:lnSpc>
-                <a:spcPct val="100000"/>
-              </a:lnSpc>
-              <a:spcBef>
-                <a:spcPts val="0"/>
-              </a:spcBef>
-              <a:spcAft>
-                <a:spcPts val="0"/>
-              </a:spcAft>
-              <a:buClrTx/>
-              <a:buSzTx/>
-              <a:buFontTx/>
-              <a:buNone/>
-              <a:defRPr/>
-            </a:pPr>
-            <a:r>
-              <a:rPr lang="en-US" altLang="zh-CN" dirty="0">
-                <a:effectLst/>
-                <a:latin typeface="微软雅黑" panose="020B0503020204020204" charset="-122"/>
-                <a:ea typeface="微软雅黑" panose="020B0503020204020204" charset="-122"/>
-                <a:sym typeface="+mn-ea"/>
-              </a:rPr>
-              <a:t>4.</a:t>
-            </a:r>
-            <a:r>
-              <a:rPr lang="zh-CN" altLang="en-US" dirty="0">
-                <a:effectLst/>
-                <a:latin typeface="微软雅黑" panose="020B0503020204020204" charset="-122"/>
-                <a:ea typeface="微软雅黑" panose="020B0503020204020204" charset="-122"/>
-                <a:sym typeface="+mn-ea"/>
-              </a:rPr>
-              <a:t>计划</a:t>
-            </a:r>
-            <a:endParaRPr lang="zh-CN" altLang="en-US" dirty="0">
-              <a:effectLst/>
-              <a:latin typeface="微软雅黑" panose="020B0503020204020204" charset="-122"/>
-              <a:ea typeface="微软雅黑" panose="020B0503020204020204" charset="-122"/>
-              <a:sym typeface="+mn-ea"/>
-            </a:endParaRPr>
-          </a:p>
-        </p:txBody>
-      </p:sp>
-      <p:sp>
-        <p:nvSpPr>
-          <p:cNvPr id="3" name="文本框 2"/>
-          <p:cNvSpPr txBox="1"/>
-          <p:nvPr>
-            <p:custDataLst>
-              <p:tags r:id="rId2"/>
-            </p:custDataLst>
-          </p:nvPr>
-        </p:nvSpPr>
-        <p:spPr>
-          <a:xfrm>
-            <a:off x="455295" y="1657350"/>
-            <a:ext cx="4956810" cy="506730"/>
-          </a:xfrm>
-          <a:prstGeom prst="rect">
-            <a:avLst/>
-          </a:prstGeom>
-          <a:noFill/>
-        </p:spPr>
-        <p:txBody>
-          <a:bodyPr wrap="square" rtlCol="0">
-            <a:spAutoFit/>
-          </a:bodyPr>
-          <a:p>
-            <a:pPr marL="285750" indent="-285750">
-              <a:lnSpc>
-                <a:spcPct val="150000"/>
-              </a:lnSpc>
-              <a:buFont typeface="Wingdings" panose="05000000000000000000" charset="0"/>
-              <a:buChar char="p"/>
-            </a:pPr>
-            <a:r>
-              <a:rPr lang="zh-CN" altLang="en-US" b="1" dirty="0">
-                <a:latin typeface="微软雅黑" panose="020B0503020204020204" charset="-122"/>
-                <a:ea typeface="微软雅黑" panose="020B0503020204020204" charset="-122"/>
-              </a:rPr>
-              <a:t>继续读大模型</a:t>
-            </a:r>
-            <a:r>
-              <a:rPr lang="en-US" altLang="zh-CN" b="1" dirty="0">
-                <a:latin typeface="微软雅黑" panose="020B0503020204020204" charset="-122"/>
-                <a:ea typeface="微软雅黑" panose="020B0503020204020204" charset="-122"/>
-              </a:rPr>
-              <a:t>guide</a:t>
-            </a:r>
-            <a:r>
-              <a:rPr lang="zh-CN" altLang="en-US" b="1" dirty="0">
-                <a:latin typeface="微软雅黑" panose="020B0503020204020204" charset="-122"/>
-                <a:ea typeface="微软雅黑" panose="020B0503020204020204" charset="-122"/>
-              </a:rPr>
-              <a:t>的论文推荐：</a:t>
-            </a:r>
-            <a:endParaRPr lang="en-US" altLang="zh-CN" b="1" dirty="0">
-              <a:latin typeface="微软雅黑" panose="020B0503020204020204" charset="-122"/>
-              <a:ea typeface="微软雅黑" panose="020B0503020204020204" charset="-122"/>
-            </a:endParaRPr>
-          </a:p>
-        </p:txBody>
-      </p:sp>
-      <p:sp>
-        <p:nvSpPr>
-          <p:cNvPr id="7" name="文本框 6"/>
-          <p:cNvSpPr txBox="1"/>
-          <p:nvPr/>
-        </p:nvSpPr>
-        <p:spPr>
-          <a:xfrm>
-            <a:off x="911860" y="2178050"/>
-            <a:ext cx="8903970" cy="4523105"/>
-          </a:xfrm>
-          <a:prstGeom prst="rect">
-            <a:avLst/>
-          </a:prstGeom>
-        </p:spPr>
-        <p:txBody>
-          <a:bodyPr wrap="square">
-            <a:spAutoFit/>
-          </a:bodyPr>
-          <a:p>
-            <a:pPr marL="0" indent="0" algn="just"/>
-            <a:r>
-              <a:rPr lang="zh-CN" altLang="en-US" sz="1600" b="0" i="0">
-                <a:solidFill>
-                  <a:srgbClr val="000000"/>
-                </a:solidFill>
-                <a:latin typeface="微软雅黑" panose="020B0503020204020204" charset="-122"/>
-                <a:ea typeface="微软雅黑" panose="020B0503020204020204" charset="-122"/>
-              </a:rPr>
-              <a:t>继续补充大模型和微调的基础论文，少看视频，多看论文和博客。不懂的多查，感觉看视频十分低效</a:t>
-            </a:r>
-            <a:endParaRPr lang="zh-CN" altLang="en-US" sz="1600" b="0" i="0">
-              <a:solidFill>
-                <a:srgbClr val="000000"/>
-              </a:solidFill>
-              <a:latin typeface="微软雅黑" panose="020B0503020204020204" charset="-122"/>
-              <a:ea typeface="微软雅黑" panose="020B0503020204020204" charset="-122"/>
-            </a:endParaRPr>
-          </a:p>
-          <a:p>
-            <a:pPr marL="0" indent="0" algn="just"/>
-            <a:endParaRPr lang="zh-CN" altLang="en-US" sz="1600" b="0" i="0">
-              <a:solidFill>
-                <a:srgbClr val="000000"/>
-              </a:solidFill>
-              <a:latin typeface="微软雅黑" panose="020B0503020204020204" charset="-122"/>
-              <a:ea typeface="微软雅黑" panose="020B0503020204020204" charset="-122"/>
-            </a:endParaRPr>
-          </a:p>
-          <a:p>
-            <a:pPr marL="0" indent="0" algn="just"/>
-            <a:r>
-              <a:rPr lang="zh-CN" altLang="en-US" sz="1600" b="1" i="0">
-                <a:solidFill>
-                  <a:srgbClr val="000000"/>
-                </a:solidFill>
-                <a:latin typeface="微软雅黑" panose="020B0503020204020204" charset="-122"/>
-                <a:ea typeface="微软雅黑" panose="020B0503020204020204" charset="-122"/>
-              </a:rPr>
-              <a:t>现阶段的疑惑是</a:t>
-            </a:r>
-            <a:r>
-              <a:rPr lang="zh-CN" altLang="en-US" sz="1600" b="0" i="0">
-                <a:solidFill>
-                  <a:srgbClr val="000000"/>
-                </a:solidFill>
-                <a:latin typeface="微软雅黑" panose="020B0503020204020204" charset="-122"/>
-                <a:ea typeface="微软雅黑" panose="020B0503020204020204" charset="-122"/>
-              </a:rPr>
-              <a:t>：</a:t>
-            </a:r>
-            <a:endParaRPr lang="zh-CN" altLang="en-US" sz="1600" b="0" i="0">
-              <a:solidFill>
-                <a:srgbClr val="000000"/>
-              </a:solidFill>
-              <a:latin typeface="微软雅黑" panose="020B0503020204020204" charset="-122"/>
-              <a:ea typeface="微软雅黑" panose="020B0503020204020204" charset="-122"/>
-            </a:endParaRPr>
-          </a:p>
-          <a:p>
-            <a:pPr marL="0" indent="0" algn="just"/>
-            <a:r>
-              <a:rPr lang="zh-CN" altLang="en-US" sz="1600" b="0" i="0">
-                <a:solidFill>
-                  <a:srgbClr val="000000"/>
-                </a:solidFill>
-                <a:latin typeface="微软雅黑" panose="020B0503020204020204" charset="-122"/>
-                <a:ea typeface="微软雅黑" panose="020B0503020204020204" charset="-122"/>
-              </a:rPr>
-              <a:t>在和学长们的讨论后，对基础的补齐思路大致如下：</a:t>
-            </a:r>
-            <a:endParaRPr lang="zh-CN" altLang="en-US" sz="1600" b="0" i="0">
-              <a:solidFill>
-                <a:srgbClr val="000000"/>
-              </a:solidFill>
-              <a:latin typeface="微软雅黑" panose="020B0503020204020204" charset="-122"/>
-              <a:ea typeface="微软雅黑" panose="020B0503020204020204" charset="-122"/>
-            </a:endParaRPr>
-          </a:p>
-          <a:p>
-            <a:pPr marL="0" indent="0" algn="just"/>
-            <a:endParaRPr lang="zh-CN" altLang="en-US" sz="1600" b="0" i="0">
-              <a:solidFill>
-                <a:srgbClr val="000000"/>
-              </a:solidFill>
-              <a:latin typeface="微软雅黑" panose="020B0503020204020204" charset="-122"/>
-              <a:ea typeface="微软雅黑" panose="020B0503020204020204" charset="-122"/>
-            </a:endParaRPr>
-          </a:p>
-          <a:p>
-            <a:pPr marL="0" indent="0" algn="just"/>
-            <a:r>
-              <a:rPr lang="zh-CN" altLang="en-US" sz="1600" b="0" i="0">
-                <a:solidFill>
-                  <a:srgbClr val="000000"/>
-                </a:solidFill>
-                <a:latin typeface="微软雅黑" panose="020B0503020204020204" charset="-122"/>
-                <a:ea typeface="微软雅黑" panose="020B0503020204020204" charset="-122"/>
-              </a:rPr>
-              <a:t>理论知识：</a:t>
-            </a:r>
-            <a:endParaRPr lang="zh-CN" altLang="en-US" sz="1600" b="0" i="0">
-              <a:solidFill>
-                <a:srgbClr val="000000"/>
-              </a:solidFill>
-              <a:latin typeface="微软雅黑" panose="020B0503020204020204" charset="-122"/>
-              <a:ea typeface="微软雅黑" panose="020B0503020204020204" charset="-122"/>
-            </a:endParaRPr>
-          </a:p>
-          <a:p>
-            <a:pPr marL="0" indent="457200" algn="just"/>
-            <a:r>
-              <a:rPr lang="en-US" altLang="zh-CN" sz="1600" b="0" i="0">
-                <a:solidFill>
-                  <a:srgbClr val="000000"/>
-                </a:solidFill>
-                <a:latin typeface="微软雅黑" panose="020B0503020204020204" charset="-122"/>
-                <a:ea typeface="微软雅黑" panose="020B0503020204020204" charset="-122"/>
-              </a:rPr>
-              <a:t>1.</a:t>
-            </a:r>
-            <a:r>
-              <a:rPr lang="zh-CN" altLang="en-US" sz="1600" b="0" i="0">
-                <a:solidFill>
-                  <a:srgbClr val="000000"/>
-                </a:solidFill>
-                <a:latin typeface="微软雅黑" panose="020B0503020204020204" charset="-122"/>
-                <a:ea typeface="微软雅黑" panose="020B0503020204020204" charset="-122"/>
-              </a:rPr>
-              <a:t>前置的</a:t>
-            </a:r>
-            <a:r>
-              <a:rPr lang="en-US" altLang="zh-CN" sz="1600" b="0" i="0">
-                <a:solidFill>
-                  <a:srgbClr val="000000"/>
-                </a:solidFill>
-                <a:latin typeface="微软雅黑" panose="020B0503020204020204" charset="-122"/>
-                <a:ea typeface="微软雅黑" panose="020B0503020204020204" charset="-122"/>
-              </a:rPr>
-              <a:t>NLP</a:t>
-            </a:r>
-            <a:r>
-              <a:rPr lang="zh-CN" altLang="en-US" sz="1600" b="0" i="0">
-                <a:solidFill>
-                  <a:srgbClr val="000000"/>
-                </a:solidFill>
-                <a:latin typeface="微软雅黑" panose="020B0503020204020204" charset="-122"/>
-                <a:ea typeface="微软雅黑" panose="020B0503020204020204" charset="-122"/>
-              </a:rPr>
-              <a:t>，</a:t>
-            </a:r>
-            <a:r>
-              <a:rPr lang="en-US" altLang="zh-CN" sz="1600" b="0" i="0">
-                <a:solidFill>
-                  <a:srgbClr val="000000"/>
-                </a:solidFill>
-                <a:latin typeface="微软雅黑" panose="020B0503020204020204" charset="-122"/>
-                <a:ea typeface="微软雅黑" panose="020B0503020204020204" charset="-122"/>
-              </a:rPr>
-              <a:t>DL</a:t>
-            </a:r>
-            <a:endParaRPr lang="en-US" altLang="zh-CN" sz="1600" b="0" i="0">
-              <a:solidFill>
-                <a:srgbClr val="000000"/>
-              </a:solidFill>
-              <a:latin typeface="微软雅黑" panose="020B0503020204020204" charset="-122"/>
-              <a:ea typeface="微软雅黑" panose="020B0503020204020204" charset="-122"/>
-            </a:endParaRPr>
-          </a:p>
-          <a:p>
-            <a:pPr marL="0" indent="457200" algn="just"/>
-            <a:r>
-              <a:rPr lang="en-US" altLang="zh-CN" sz="1600" b="0" i="0">
-                <a:solidFill>
-                  <a:srgbClr val="000000"/>
-                </a:solidFill>
-                <a:latin typeface="微软雅黑" panose="020B0503020204020204" charset="-122"/>
-                <a:ea typeface="微软雅黑" panose="020B0503020204020204" charset="-122"/>
-              </a:rPr>
-              <a:t>2.LLM</a:t>
-            </a:r>
-            <a:endParaRPr lang="en-US" altLang="zh-CN" sz="1600" b="0" i="0">
-              <a:solidFill>
-                <a:srgbClr val="000000"/>
-              </a:solidFill>
-              <a:latin typeface="微软雅黑" panose="020B0503020204020204" charset="-122"/>
-              <a:ea typeface="微软雅黑" panose="020B0503020204020204" charset="-122"/>
-            </a:endParaRPr>
-          </a:p>
-          <a:p>
-            <a:pPr marL="0" indent="457200" algn="just"/>
-            <a:r>
-              <a:rPr lang="en-US" altLang="zh-CN" sz="1600" b="0" i="0">
-                <a:solidFill>
-                  <a:srgbClr val="000000"/>
-                </a:solidFill>
-                <a:latin typeface="微软雅黑" panose="020B0503020204020204" charset="-122"/>
-                <a:ea typeface="微软雅黑" panose="020B0503020204020204" charset="-122"/>
-              </a:rPr>
-              <a:t>3.</a:t>
-            </a:r>
-            <a:r>
-              <a:rPr lang="zh-CN" altLang="en-US" sz="1600" b="0" i="0">
-                <a:solidFill>
-                  <a:srgbClr val="000000"/>
-                </a:solidFill>
-                <a:latin typeface="微软雅黑" panose="020B0503020204020204" charset="-122"/>
-                <a:ea typeface="微软雅黑" panose="020B0503020204020204" charset="-122"/>
-              </a:rPr>
-              <a:t>模型微调，剪枝，模型量化（目前我正在主要学习的）</a:t>
-            </a:r>
-            <a:endParaRPr lang="en-US" altLang="zh-CN" sz="1600" b="0" i="0">
-              <a:solidFill>
-                <a:srgbClr val="000000"/>
-              </a:solidFill>
-              <a:latin typeface="微软雅黑" panose="020B0503020204020204" charset="-122"/>
-              <a:ea typeface="微软雅黑" panose="020B0503020204020204" charset="-122"/>
-            </a:endParaRPr>
-          </a:p>
-          <a:p>
-            <a:pPr marL="0" indent="457200" algn="just"/>
-            <a:r>
-              <a:rPr lang="en-US" altLang="zh-CN" sz="1600" b="0" i="0">
-                <a:solidFill>
-                  <a:srgbClr val="000000"/>
-                </a:solidFill>
-                <a:latin typeface="微软雅黑" panose="020B0503020204020204" charset="-122"/>
-                <a:ea typeface="微软雅黑" panose="020B0503020204020204" charset="-122"/>
-              </a:rPr>
-              <a:t>4.SLM</a:t>
-            </a:r>
-            <a:r>
-              <a:rPr lang="zh-CN" altLang="en-US" sz="1600" b="0" i="0">
-                <a:solidFill>
-                  <a:srgbClr val="000000"/>
-                </a:solidFill>
-                <a:latin typeface="微软雅黑" panose="020B0503020204020204" charset="-122"/>
-                <a:ea typeface="微软雅黑" panose="020B0503020204020204" charset="-122"/>
-              </a:rPr>
-              <a:t>，</a:t>
-            </a:r>
-            <a:r>
-              <a:rPr lang="en-US" altLang="zh-CN" sz="1600" b="0" i="0">
-                <a:solidFill>
-                  <a:srgbClr val="000000"/>
-                </a:solidFill>
-                <a:latin typeface="微软雅黑" panose="020B0503020204020204" charset="-122"/>
-                <a:ea typeface="微软雅黑" panose="020B0503020204020204" charset="-122"/>
-              </a:rPr>
-              <a:t>VLM</a:t>
-            </a:r>
-            <a:endParaRPr lang="en-US" altLang="zh-CN" sz="1600" b="0" i="0">
-              <a:solidFill>
-                <a:srgbClr val="000000"/>
-              </a:solidFill>
-              <a:latin typeface="微软雅黑" panose="020B0503020204020204" charset="-122"/>
-              <a:ea typeface="微软雅黑" panose="020B0503020204020204" charset="-122"/>
-            </a:endParaRPr>
-          </a:p>
-          <a:p>
-            <a:pPr marL="0" indent="457200" algn="just"/>
-            <a:endParaRPr lang="zh-CN" altLang="en-US" sz="1600" b="0" i="0">
-              <a:solidFill>
-                <a:srgbClr val="000000"/>
-              </a:solidFill>
-              <a:latin typeface="微软雅黑" panose="020B0503020204020204" charset="-122"/>
-              <a:ea typeface="微软雅黑" panose="020B0503020204020204" charset="-122"/>
-            </a:endParaRPr>
-          </a:p>
-          <a:p>
-            <a:pPr marL="0" lvl="0" indent="0" algn="just">
-              <a:buNone/>
-            </a:pPr>
-            <a:r>
-              <a:rPr lang="zh-CN" altLang="en-US" sz="1600" b="0" i="0">
-                <a:solidFill>
-                  <a:srgbClr val="000000"/>
-                </a:solidFill>
-                <a:latin typeface="微软雅黑" panose="020B0503020204020204" charset="-122"/>
-                <a:ea typeface="微软雅黑" panose="020B0503020204020204" charset="-122"/>
-              </a:rPr>
-              <a:t>动手实践：</a:t>
-            </a:r>
-            <a:endParaRPr lang="zh-CN" altLang="en-US" sz="1600" b="0" i="0">
-              <a:solidFill>
-                <a:srgbClr val="000000"/>
-              </a:solidFill>
-              <a:latin typeface="微软雅黑" panose="020B0503020204020204" charset="-122"/>
-              <a:ea typeface="微软雅黑" panose="020B0503020204020204" charset="-122"/>
-            </a:endParaRPr>
-          </a:p>
-          <a:p>
-            <a:pPr marL="0" lvl="0" indent="457200" algn="just">
-              <a:buNone/>
-            </a:pPr>
-            <a:r>
-              <a:rPr lang="en-US" altLang="zh-CN" sz="1600" b="0" i="0">
-                <a:solidFill>
-                  <a:srgbClr val="000000"/>
-                </a:solidFill>
-                <a:latin typeface="微软雅黑" panose="020B0503020204020204" charset="-122"/>
-                <a:ea typeface="微软雅黑" panose="020B0503020204020204" charset="-122"/>
-              </a:rPr>
-              <a:t>1.</a:t>
-            </a:r>
-            <a:r>
-              <a:rPr lang="zh-CN" altLang="en-US" sz="1600" b="0" i="0">
-                <a:solidFill>
-                  <a:srgbClr val="000000"/>
-                </a:solidFill>
-                <a:latin typeface="微软雅黑" panose="020B0503020204020204" charset="-122"/>
-                <a:ea typeface="微软雅黑" panose="020B0503020204020204" charset="-122"/>
-              </a:rPr>
-              <a:t>前置知识的实践（已经跟着一些比如李沐老师的动手深度学习等敲过一些）</a:t>
-            </a:r>
-            <a:endParaRPr lang="zh-CN" altLang="en-US" sz="1600" b="0" i="0">
-              <a:solidFill>
-                <a:srgbClr val="000000"/>
-              </a:solidFill>
-              <a:latin typeface="微软雅黑" panose="020B0503020204020204" charset="-122"/>
-              <a:ea typeface="微软雅黑" panose="020B0503020204020204" charset="-122"/>
-            </a:endParaRPr>
-          </a:p>
-          <a:p>
-            <a:pPr marL="0" lvl="0" indent="457200" algn="just">
-              <a:buNone/>
-            </a:pPr>
-            <a:r>
-              <a:rPr lang="en-US" altLang="zh-CN" sz="1600" b="0" i="0">
-                <a:solidFill>
-                  <a:srgbClr val="000000"/>
-                </a:solidFill>
-                <a:latin typeface="微软雅黑" panose="020B0503020204020204" charset="-122"/>
-                <a:ea typeface="微软雅黑" panose="020B0503020204020204" charset="-122"/>
-              </a:rPr>
-              <a:t>2.</a:t>
-            </a:r>
-            <a:r>
-              <a:rPr lang="zh-CN" altLang="en-US" sz="1600" b="0" i="0">
-                <a:solidFill>
-                  <a:srgbClr val="000000"/>
-                </a:solidFill>
-                <a:latin typeface="微软雅黑" panose="020B0503020204020204" charset="-122"/>
-                <a:ea typeface="微软雅黑" panose="020B0503020204020204" charset="-122"/>
-              </a:rPr>
-              <a:t>自己实践一次模型的微调对齐（目前正在尝试的）</a:t>
-            </a:r>
-            <a:endParaRPr lang="zh-CN" altLang="en-US" sz="1600" b="0" i="0">
-              <a:solidFill>
-                <a:srgbClr val="000000"/>
-              </a:solidFill>
-              <a:latin typeface="微软雅黑" panose="020B0503020204020204" charset="-122"/>
-              <a:ea typeface="微软雅黑" panose="020B0503020204020204" charset="-122"/>
-            </a:endParaRPr>
-          </a:p>
-          <a:p>
-            <a:pPr marL="0" lvl="0" indent="457200" algn="just">
-              <a:buNone/>
-            </a:pPr>
-            <a:r>
-              <a:rPr lang="en-US" altLang="zh-CN" sz="1600" b="0" i="0">
-                <a:solidFill>
-                  <a:srgbClr val="000000"/>
-                </a:solidFill>
-                <a:latin typeface="微软雅黑" panose="020B0503020204020204" charset="-122"/>
-                <a:ea typeface="微软雅黑" panose="020B0503020204020204" charset="-122"/>
-              </a:rPr>
-              <a:t>3.</a:t>
-            </a:r>
-            <a:r>
-              <a:rPr lang="zh-CN" altLang="en-US" sz="1600" b="0" i="0">
-                <a:solidFill>
-                  <a:srgbClr val="000000"/>
-                </a:solidFill>
-                <a:latin typeface="微软雅黑" panose="020B0503020204020204" charset="-122"/>
-                <a:ea typeface="微软雅黑" panose="020B0503020204020204" charset="-122"/>
-              </a:rPr>
-              <a:t>尝试自己把一个原有模型迁移到其他任务</a:t>
-            </a:r>
-            <a:endParaRPr lang="zh-CN" altLang="en-US" sz="1600" b="0" i="0">
-              <a:solidFill>
-                <a:srgbClr val="000000"/>
-              </a:solidFill>
-              <a:latin typeface="微软雅黑" panose="020B0503020204020204" charset="-122"/>
-              <a:ea typeface="微软雅黑" panose="020B0503020204020204" charset="-122"/>
-            </a:endParaRPr>
-          </a:p>
-          <a:p>
-            <a:pPr marL="0" lvl="0" indent="457200" algn="just">
-              <a:buNone/>
-            </a:pPr>
-            <a:r>
-              <a:rPr lang="en-US" altLang="zh-CN" sz="1600" b="0" i="0">
-                <a:solidFill>
-                  <a:srgbClr val="000000"/>
-                </a:solidFill>
-                <a:latin typeface="微软雅黑" panose="020B0503020204020204" charset="-122"/>
-                <a:ea typeface="微软雅黑" panose="020B0503020204020204" charset="-122"/>
-              </a:rPr>
-              <a:t>4.</a:t>
-            </a:r>
-            <a:r>
-              <a:rPr lang="zh-CN" altLang="en-US" sz="1600" b="0" i="0">
-                <a:solidFill>
-                  <a:srgbClr val="000000"/>
-                </a:solidFill>
-                <a:latin typeface="微软雅黑" panose="020B0503020204020204" charset="-122"/>
-                <a:ea typeface="微软雅黑" panose="020B0503020204020204" charset="-122"/>
-              </a:rPr>
-              <a:t>实践一次模型量化</a:t>
-            </a:r>
-            <a:endParaRPr lang="zh-CN" altLang="en-US" sz="1600" b="0" i="0">
-              <a:solidFill>
-                <a:srgbClr val="000000"/>
-              </a:solidFill>
-              <a:latin typeface="微软雅黑" panose="020B0503020204020204" charset="-122"/>
-              <a:ea typeface="微软雅黑" panose="020B0503020204020204" charset="-122"/>
-            </a:endParaRPr>
-          </a:p>
-          <a:p>
-            <a:pPr marL="0" indent="0" algn="just"/>
-            <a:endParaRPr lang="zh-CN" altLang="en-US" sz="1600" b="0" i="0">
-              <a:solidFill>
-                <a:srgbClr val="000000"/>
-              </a:solidFill>
-              <a:latin typeface="微软雅黑" panose="020B0503020204020204" charset="-122"/>
-              <a:ea typeface="微软雅黑" panose="020B0503020204020204" charset="-122"/>
-            </a:endParaRPr>
-          </a:p>
-        </p:txBody>
-      </p:sp>
-    </p:spTree>
-  </p:cSld>
-  <p:clrMapOvr>
-    <a:masterClrMapping/>
-  </p:clrMapOvr>
-</p:sld>
-</file>
-
-<file path=ppt/slides/slide19.xml><?xml version="1.0" encoding="utf-8"?>
-<p:sld xmlns:a="http://schemas.openxmlformats.org/drawingml/2006/main" xmlns:r="http://schemas.openxmlformats.org/officeDocument/2006/relationships" xmlns:p="http://schemas.openxmlformats.org/presentationml/2006/main">
-  <p:cSld>
-    <p:spTree>
-      <p:nvGrpSpPr>
-        <p:cNvPr id="1" name=""/>
-        <p:cNvGrpSpPr/>
-        <p:nvPr/>
-      </p:nvGrpSpPr>
-      <p:grpSpPr>
-        <a:xfrm>
-          <a:off x="0" y="0"/>
-          <a:ext cx="0" cy="0"/>
-          <a:chOff x="0" y="0"/>
-          <a:chExt cx="0" cy="0"/>
-        </a:xfrm>
-      </p:grpSpPr>
-      <p:sp>
-        <p:nvSpPr>
-          <p:cNvPr id="13" name="文本框 12"/>
-          <p:cNvSpPr txBox="1"/>
-          <p:nvPr/>
-        </p:nvSpPr>
-        <p:spPr>
-          <a:xfrm>
-            <a:off x="106466" y="601786"/>
-            <a:ext cx="1287780" cy="398780"/>
-          </a:xfrm>
-          <a:prstGeom prst="rect">
-            <a:avLst/>
-          </a:prstGeom>
-          <a:noFill/>
-        </p:spPr>
-        <p:txBody>
-          <a:bodyPr wrap="none" rtlCol="0">
-            <a:spAutoFit/>
-          </a:bodyPr>
-          <a:lstStyle/>
-          <a:p>
-            <a:pPr marL="342900" indent="-342900">
-              <a:buFont typeface="Wingdings" panose="05000000000000000000" charset="0"/>
-              <a:buChar char="n"/>
-            </a:pPr>
-            <a:r>
-              <a:rPr lang="zh-CN" altLang="en-US" sz="2000" b="1" dirty="0">
-                <a:latin typeface="微软雅黑" panose="020B0503020204020204" charset="-122"/>
-                <a:ea typeface="微软雅黑" panose="020B0503020204020204" charset="-122"/>
-              </a:rPr>
-              <a:t>下一周</a:t>
-            </a:r>
-            <a:endParaRPr lang="zh-CN" altLang="en-US" sz="2000" b="1" dirty="0">
-              <a:latin typeface="微软雅黑" panose="020B0503020204020204" charset="-122"/>
-              <a:ea typeface="微软雅黑" panose="020B0503020204020204" charset="-122"/>
-            </a:endParaRPr>
-          </a:p>
-        </p:txBody>
-      </p:sp>
-      <p:sp>
-        <p:nvSpPr>
-          <p:cNvPr id="6" name="矩形 5"/>
-          <p:cNvSpPr/>
-          <p:nvPr>
-            <p:custDataLst>
-              <p:tags r:id="rId1"/>
-            </p:custDataLst>
-          </p:nvPr>
-        </p:nvSpPr>
-        <p:spPr>
-          <a:xfrm>
-            <a:off x="-6350" y="0"/>
-            <a:ext cx="12198350" cy="540000"/>
-          </a:xfrm>
-          <a:prstGeom prst="rect">
-            <a:avLst/>
-          </a:prstGeom>
-          <a:solidFill>
-            <a:srgbClr val="A099CB"/>
-          </a:solidFill>
-          <a:ln>
-            <a:noFill/>
-          </a:ln>
-        </p:spPr>
-        <p:style>
-          <a:lnRef idx="2">
-            <a:schemeClr val="accent1">
-              <a:shade val="50000"/>
-            </a:schemeClr>
-          </a:lnRef>
-          <a:fillRef idx="1">
-            <a:schemeClr val="accent1"/>
-          </a:fillRef>
-          <a:effectRef idx="0">
-            <a:schemeClr val="accent1"/>
-          </a:effectRef>
-          <a:fontRef idx="minor">
-            <a:schemeClr val="lt1"/>
-          </a:fontRef>
-        </p:style>
-        <p:txBody>
-          <a:bodyPr rtlCol="0" anchor="ctr"/>
-          <a:p>
-            <a:pPr marL="0" marR="0" lvl="0" indent="0" algn="ctr" defTabSz="914400" rtl="0" eaLnBrk="1" fontAlgn="auto" latinLnBrk="0" hangingPunct="1">
-              <a:lnSpc>
-                <a:spcPct val="100000"/>
-              </a:lnSpc>
-              <a:spcBef>
-                <a:spcPts val="0"/>
-              </a:spcBef>
-              <a:spcAft>
-                <a:spcPts val="0"/>
-              </a:spcAft>
-              <a:buClrTx/>
-              <a:buSzTx/>
-              <a:buFontTx/>
-              <a:buNone/>
-              <a:defRPr/>
-            </a:pPr>
-            <a:r>
-              <a:rPr lang="en-US" altLang="zh-CN" dirty="0">
-                <a:effectLst/>
-                <a:latin typeface="微软雅黑" panose="020B0503020204020204" charset="-122"/>
-                <a:ea typeface="微软雅黑" panose="020B0503020204020204" charset="-122"/>
-                <a:sym typeface="+mn-ea"/>
-              </a:rPr>
-              <a:t>4.</a:t>
-            </a:r>
-            <a:r>
-              <a:rPr lang="zh-CN" altLang="en-US" dirty="0">
-                <a:effectLst/>
-                <a:latin typeface="微软雅黑" panose="020B0503020204020204" charset="-122"/>
-                <a:ea typeface="微软雅黑" panose="020B0503020204020204" charset="-122"/>
-                <a:sym typeface="+mn-ea"/>
-              </a:rPr>
-              <a:t>计划</a:t>
-            </a:r>
-            <a:endParaRPr lang="zh-CN" altLang="en-US" dirty="0">
-              <a:effectLst/>
-              <a:latin typeface="微软雅黑" panose="020B0503020204020204" charset="-122"/>
-              <a:ea typeface="微软雅黑" panose="020B0503020204020204" charset="-122"/>
-              <a:sym typeface="+mn-ea"/>
-            </a:endParaRPr>
-          </a:p>
-        </p:txBody>
-      </p:sp>
-      <p:sp>
-        <p:nvSpPr>
-          <p:cNvPr id="7" name="文本框 6"/>
-          <p:cNvSpPr txBox="1"/>
-          <p:nvPr/>
-        </p:nvSpPr>
-        <p:spPr>
-          <a:xfrm>
-            <a:off x="911860" y="889635"/>
-            <a:ext cx="8903970" cy="3046095"/>
-          </a:xfrm>
-          <a:prstGeom prst="rect">
-            <a:avLst/>
-          </a:prstGeom>
-        </p:spPr>
-        <p:txBody>
-          <a:bodyPr wrap="square">
-            <a:spAutoFit/>
-          </a:bodyPr>
-          <a:p>
-            <a:pPr marL="0" indent="0" algn="just"/>
-            <a:r>
-              <a:rPr lang="zh-CN" altLang="en-US" sz="1600" b="0" i="0">
-                <a:solidFill>
-                  <a:srgbClr val="000000"/>
-                </a:solidFill>
-                <a:latin typeface="微软雅黑" panose="020B0503020204020204" charset="-122"/>
-                <a:ea typeface="微软雅黑" panose="020B0503020204020204" charset="-122"/>
-              </a:rPr>
-              <a:t>动手实践方面，我主要请教的是</a:t>
-            </a:r>
-            <a:r>
-              <a:rPr lang="en-US" altLang="zh-CN" sz="1600" b="0" i="0">
-                <a:solidFill>
-                  <a:srgbClr val="000000"/>
-                </a:solidFill>
-                <a:latin typeface="微软雅黑" panose="020B0503020204020204" charset="-122"/>
-                <a:ea typeface="微软雅黑" panose="020B0503020204020204" charset="-122"/>
-              </a:rPr>
-              <a:t>zls</a:t>
-            </a:r>
-            <a:r>
-              <a:rPr lang="zh-CN" altLang="en-US" sz="1600" b="0" i="0">
-                <a:solidFill>
-                  <a:srgbClr val="000000"/>
-                </a:solidFill>
-                <a:latin typeface="微软雅黑" panose="020B0503020204020204" charset="-122"/>
-                <a:ea typeface="微软雅黑" panose="020B0503020204020204" charset="-122"/>
-              </a:rPr>
-              <a:t>学长，可以学习他部署的文生图模型然后进行微调的步骤。我也部署一个相似参数量的模型</a:t>
-            </a:r>
-            <a:r>
-              <a:rPr lang="en-US" altLang="zh-CN" sz="1600" b="0" i="0">
-                <a:solidFill>
-                  <a:srgbClr val="000000"/>
-                </a:solidFill>
-                <a:latin typeface="微软雅黑" panose="020B0503020204020204" charset="-122"/>
-                <a:ea typeface="微软雅黑" panose="020B0503020204020204" charset="-122"/>
-              </a:rPr>
-              <a:t> </a:t>
-            </a:r>
-            <a:r>
-              <a:rPr lang="zh-CN" altLang="en-US" sz="1600" b="0" i="0">
-                <a:solidFill>
-                  <a:srgbClr val="000000"/>
-                </a:solidFill>
-                <a:latin typeface="微软雅黑" panose="020B0503020204020204" charset="-122"/>
-                <a:ea typeface="微软雅黑" panose="020B0503020204020204" charset="-122"/>
-              </a:rPr>
-              <a:t>（学长的模型花费内存</a:t>
-            </a:r>
-            <a:r>
-              <a:rPr lang="en-US" altLang="zh-CN" sz="1600" b="0" i="0">
-                <a:solidFill>
-                  <a:srgbClr val="000000"/>
-                </a:solidFill>
-                <a:latin typeface="微软雅黑" panose="020B0503020204020204" charset="-122"/>
-                <a:ea typeface="微软雅黑" panose="020B0503020204020204" charset="-122"/>
-              </a:rPr>
-              <a:t>50G</a:t>
-            </a:r>
-            <a:r>
-              <a:rPr lang="zh-CN" altLang="en-US" sz="1600" b="0" i="0">
-                <a:solidFill>
-                  <a:srgbClr val="000000"/>
-                </a:solidFill>
-                <a:latin typeface="微软雅黑" panose="020B0503020204020204" charset="-122"/>
-                <a:ea typeface="微软雅黑" panose="020B0503020204020204" charset="-122"/>
-              </a:rPr>
-              <a:t>左右，显存</a:t>
-            </a:r>
-            <a:r>
-              <a:rPr lang="en-US" altLang="zh-CN" sz="1600" b="0" i="0">
-                <a:solidFill>
-                  <a:srgbClr val="000000"/>
-                </a:solidFill>
-                <a:latin typeface="微软雅黑" panose="020B0503020204020204" charset="-122"/>
-                <a:ea typeface="微软雅黑" panose="020B0503020204020204" charset="-122"/>
-              </a:rPr>
-              <a:t>24G</a:t>
-            </a:r>
-            <a:r>
-              <a:rPr lang="zh-CN" altLang="en-US" sz="1600" b="0" i="0">
-                <a:solidFill>
-                  <a:srgbClr val="000000"/>
-                </a:solidFill>
-                <a:latin typeface="微软雅黑" panose="020B0503020204020204" charset="-122"/>
-                <a:ea typeface="微软雅黑" panose="020B0503020204020204" charset="-122"/>
-              </a:rPr>
-              <a:t>跑起来没有问题）</a:t>
-            </a:r>
-            <a:endParaRPr lang="zh-CN" altLang="en-US" sz="1600" b="0" i="0">
-              <a:solidFill>
-                <a:srgbClr val="000000"/>
-              </a:solidFill>
-              <a:latin typeface="微软雅黑" panose="020B0503020204020204" charset="-122"/>
-              <a:ea typeface="微软雅黑" panose="020B0503020204020204" charset="-122"/>
-            </a:endParaRPr>
-          </a:p>
-          <a:p>
-            <a:pPr marL="0" indent="0" algn="just"/>
-            <a:endParaRPr lang="zh-CN" altLang="en-US" sz="1600" b="0" i="0">
-              <a:solidFill>
-                <a:srgbClr val="000000"/>
-              </a:solidFill>
-              <a:latin typeface="微软雅黑" panose="020B0503020204020204" charset="-122"/>
-              <a:ea typeface="微软雅黑" panose="020B0503020204020204" charset="-122"/>
-            </a:endParaRPr>
-          </a:p>
-          <a:p>
-            <a:pPr marL="0" indent="0" algn="just"/>
-            <a:r>
-              <a:rPr lang="zh-CN" altLang="en-US" sz="1600" b="0" i="0">
-                <a:solidFill>
-                  <a:srgbClr val="000000"/>
-                </a:solidFill>
-                <a:latin typeface="微软雅黑" panose="020B0503020204020204" charset="-122"/>
-                <a:ea typeface="微软雅黑" panose="020B0503020204020204" charset="-122"/>
-              </a:rPr>
-              <a:t>或者是这个：这个是我找的一个医疗影像的大模型项目，他有一些自带的数据集和公开的数据集，然后提供了几个微调的实例，我已经部署好了，等着下周去尝试一个微调，调的最好的模型作者说已经商用了就没开放</a:t>
-            </a:r>
-            <a:endParaRPr lang="zh-CN" altLang="en-US" sz="1600" b="0" i="0">
-              <a:solidFill>
-                <a:srgbClr val="000000"/>
-              </a:solidFill>
-              <a:latin typeface="微软雅黑" panose="020B0503020204020204" charset="-122"/>
-              <a:ea typeface="微软雅黑" panose="020B0503020204020204" charset="-122"/>
-            </a:endParaRPr>
-          </a:p>
-          <a:p>
-            <a:pPr marL="0" indent="0" algn="just"/>
-            <a:endParaRPr lang="zh-CN" altLang="en-US" sz="1600" b="0" i="0">
-              <a:solidFill>
-                <a:srgbClr val="000000"/>
-              </a:solidFill>
-              <a:latin typeface="微软雅黑" panose="020B0503020204020204" charset="-122"/>
-              <a:ea typeface="微软雅黑" panose="020B0503020204020204" charset="-122"/>
-            </a:endParaRPr>
-          </a:p>
-          <a:p>
-            <a:pPr marL="0" indent="0" algn="just"/>
-            <a:r>
-              <a:rPr lang="en-US" altLang="zh-CN" sz="1600" b="0" i="0">
-                <a:solidFill>
-                  <a:srgbClr val="000000"/>
-                </a:solidFill>
-                <a:latin typeface="微软雅黑" panose="020B0503020204020204" charset="-122"/>
-                <a:ea typeface="微软雅黑" panose="020B0503020204020204" charset="-122"/>
-              </a:rPr>
-              <a:t>https://github.com/WangRongsheng/XrayGLM/tree/main</a:t>
-            </a:r>
-            <a:endParaRPr lang="zh-CN" altLang="en-US" sz="1600" b="0" i="0">
-              <a:solidFill>
-                <a:srgbClr val="000000"/>
-              </a:solidFill>
-              <a:latin typeface="微软雅黑" panose="020B0503020204020204" charset="-122"/>
-              <a:ea typeface="微软雅黑" panose="020B0503020204020204" charset="-122"/>
-            </a:endParaRPr>
-          </a:p>
-          <a:p>
-            <a:pPr marL="0" indent="0" algn="just"/>
-            <a:endParaRPr lang="zh-CN" altLang="en-US" sz="1600" b="0" i="0">
-              <a:solidFill>
-                <a:srgbClr val="000000"/>
-              </a:solidFill>
-              <a:latin typeface="微软雅黑" panose="020B0503020204020204" charset="-122"/>
-              <a:ea typeface="微软雅黑" panose="020B0503020204020204" charset="-122"/>
-            </a:endParaRPr>
-          </a:p>
-          <a:p>
-            <a:pPr marL="0" indent="0" algn="just"/>
-            <a:endParaRPr lang="en-US" altLang="zh-CN" sz="1600" b="0" i="0">
-              <a:solidFill>
-                <a:srgbClr val="000000"/>
-              </a:solidFill>
-              <a:latin typeface="微软雅黑" panose="020B0503020204020204" charset="-122"/>
-              <a:ea typeface="微软雅黑" panose="020B0503020204020204" charset="-122"/>
-            </a:endParaRPr>
-          </a:p>
-          <a:p>
-            <a:pPr marL="0" indent="0" algn="just"/>
-            <a:endParaRPr lang="zh-CN" altLang="en-US" sz="1600" b="0" i="0">
-              <a:solidFill>
-                <a:srgbClr val="000000"/>
-              </a:solidFill>
-              <a:latin typeface="微软雅黑" panose="020B0503020204020204" charset="-122"/>
-              <a:ea typeface="微软雅黑" panose="020B0503020204020204" charset="-122"/>
-            </a:endParaRPr>
-          </a:p>
-          <a:p>
-            <a:pPr marL="0" indent="0" algn="just"/>
-            <a:endParaRPr lang="zh-CN" altLang="en-US" sz="1600" b="0" i="0">
-              <a:solidFill>
-                <a:srgbClr val="000000"/>
-              </a:solidFill>
-              <a:latin typeface="微软雅黑" panose="020B0503020204020204" charset="-122"/>
-              <a:ea typeface="微软雅黑" panose="020B0503020204020204" charset="-122"/>
-            </a:endParaRPr>
-          </a:p>
-        </p:txBody>
-      </p:sp>
-      <p:pic>
-        <p:nvPicPr>
-          <p:cNvPr id="2" name="图片 1"/>
-          <p:cNvPicPr>
-            <a:picLocks noChangeAspect="1"/>
-          </p:cNvPicPr>
-          <p:nvPr/>
-        </p:nvPicPr>
-        <p:blipFill>
-          <a:blip r:embed="rId2"/>
-          <a:stretch>
-            <a:fillRect/>
-          </a:stretch>
-        </p:blipFill>
-        <p:spPr>
-          <a:xfrm>
-            <a:off x="311785" y="3044190"/>
-            <a:ext cx="5784215" cy="3710305"/>
-          </a:xfrm>
-          <a:prstGeom prst="rect">
-            <a:avLst/>
-          </a:prstGeom>
-        </p:spPr>
-      </p:pic>
-      <p:pic>
-        <p:nvPicPr>
-          <p:cNvPr id="4" name="图片 3"/>
-          <p:cNvPicPr>
-            <a:picLocks noChangeAspect="1"/>
-          </p:cNvPicPr>
-          <p:nvPr/>
-        </p:nvPicPr>
-        <p:blipFill>
-          <a:blip r:embed="rId3"/>
-          <a:stretch>
-            <a:fillRect/>
-          </a:stretch>
-        </p:blipFill>
-        <p:spPr>
-          <a:xfrm>
-            <a:off x="6096000" y="4029075"/>
-            <a:ext cx="5321935" cy="1846580"/>
-          </a:xfrm>
-          <a:prstGeom prst="rect">
-            <a:avLst/>
-          </a:prstGeom>
-        </p:spPr>
-      </p:pic>
     </p:spTree>
   </p:cSld>
   <p:clrMapOvr>
@@ -8913,7 +5492,7 @@
         </p:nvGrpSpPr>
         <p:grpSpPr>
           <a:xfrm>
-            <a:off x="3031524" y="2415834"/>
+            <a:off x="3031524" y="2632369"/>
             <a:ext cx="7442200" cy="2992120"/>
             <a:chOff x="2742599" y="427033"/>
             <a:chExt cx="7442200" cy="2992120"/>
@@ -8931,7 +5510,7 @@
           </p:nvSpPr>
           <p:spPr>
             <a:xfrm>
-              <a:off x="2742599" y="1620516"/>
+              <a:off x="2742599" y="1516376"/>
               <a:ext cx="795655" cy="583565"/>
             </a:xfrm>
             <a:prstGeom prst="rect">
@@ -9079,7 +5658,7 @@
         </p:nvSpPr>
         <p:spPr>
           <a:xfrm>
-            <a:off x="3031490" y="2459990"/>
+            <a:off x="3031490" y="2632075"/>
             <a:ext cx="795655" cy="583565"/>
           </a:xfrm>
           <a:prstGeom prst="rect">
@@ -9156,7 +5735,7 @@
         </p:nvSpPr>
         <p:spPr>
           <a:xfrm>
-            <a:off x="3827179" y="4758685"/>
+            <a:off x="3827179" y="4697090"/>
             <a:ext cx="7462520" cy="648970"/>
           </a:xfrm>
           <a:prstGeom prst="rect">
@@ -9217,7 +5796,7 @@
         </p:nvSpPr>
         <p:spPr>
           <a:xfrm>
-            <a:off x="3519170" y="2456180"/>
+            <a:off x="3541395" y="2780030"/>
             <a:ext cx="8304530" cy="648970"/>
           </a:xfrm>
           <a:prstGeom prst="rect">
@@ -9244,6 +5823,17 @@
               <a:buNone/>
               <a:defRPr/>
             </a:pPr>
+            <a:r>
+              <a:rPr lang="en-US" altLang="zh-CN" sz="2400" dirty="0">
+                <a:solidFill>
+                  <a:srgbClr val="383987"/>
+                </a:solidFill>
+                <a:latin typeface="微软雅黑" panose="020B0503020204020204" charset="-122"/>
+                <a:ea typeface="微软雅黑" panose="020B0503020204020204" charset="-122"/>
+                <a:sym typeface="+mn-ea"/>
+              </a:rPr>
+              <a:t>PneumoLLM: Harnessing the power of large language model for pneumoconiosis diagnosis</a:t>
+            </a:r>
             <a:endParaRPr lang="en-US" altLang="zh-CN" sz="2400" dirty="0">
               <a:solidFill>
                 <a:srgbClr val="383987"/>
@@ -9253,32 +5843,6 @@
               <a:sym typeface="+mn-ea"/>
             </a:endParaRPr>
           </a:p>
-        </p:txBody>
-      </p:sp>
-      <p:sp>
-        <p:nvSpPr>
-          <p:cNvPr id="2" name="文本框 1"/>
-          <p:cNvSpPr txBox="1"/>
-          <p:nvPr>
-            <p:custDataLst>
-              <p:tags r:id="rId8"/>
-            </p:custDataLst>
-          </p:nvPr>
-        </p:nvSpPr>
-        <p:spPr>
-          <a:xfrm>
-            <a:off x="3031524" y="4758667"/>
-            <a:ext cx="795655" cy="583565"/>
-          </a:xfrm>
-          <a:prstGeom prst="rect">
-            <a:avLst/>
-          </a:prstGeom>
-          <a:noFill/>
-        </p:spPr>
-        <p:txBody>
-          <a:bodyPr wrap="square" rtlCol="0">
-            <a:spAutoFit/>
-          </a:bodyPr>
           <a:p>
             <a:pPr marL="0" marR="0" lvl="0" indent="0" algn="ctr" defTabSz="914400" rtl="0" eaLnBrk="1" fontAlgn="auto" latinLnBrk="0" hangingPunct="1">
               <a:lnSpc>
@@ -9296,37 +5860,12 @@
               <a:buNone/>
               <a:defRPr/>
             </a:pPr>
-            <a:r>
-              <a:rPr kumimoji="0" lang="en-US" altLang="zh-CN" sz="3200" b="0" i="0" u="none" strike="noStrike" kern="1200" cap="none" spc="0" normalizeH="0" baseline="0" noProof="0" dirty="0">
-                <a:ln w="3175">
-                  <a:solidFill>
-                    <a:srgbClr val="383987"/>
-                  </a:solidFill>
-                </a:ln>
-                <a:noFill/>
-                <a:effectLst/>
-                <a:uLnTx/>
-                <a:uFillTx/>
-                <a:latin typeface="Agency FB" panose="020B0503020202020204" pitchFamily="34" charset="0"/>
-                <a:ea typeface="微软雅黑" panose="020B0503020204020204" charset="-122"/>
-                <a:cs typeface="+mn-cs"/>
-                <a:sym typeface="+mn-ea"/>
-              </a:rPr>
-              <a:t>04</a:t>
-            </a:r>
-            <a:endParaRPr kumimoji="0" lang="en-US" altLang="zh-CN" sz="3200" b="0" i="0" u="none" strike="noStrike" kern="1200" cap="none" spc="0" normalizeH="0" baseline="0" noProof="0" dirty="0">
-              <a:ln w="3175">
-                <a:solidFill>
-                  <a:srgbClr val="383987"/>
-                </a:solidFill>
-              </a:ln>
-              <a:noFill/>
-              <a:effectLst/>
-              <a:uLnTx/>
-              <a:uFillTx/>
-              <a:latin typeface="Agency FB" panose="020B0503020202020204" pitchFamily="34" charset="0"/>
+            <a:endParaRPr lang="en-US" altLang="zh-CN" sz="2400" dirty="0">
+              <a:solidFill>
+                <a:srgbClr val="383987"/>
+              </a:solidFill>
+              <a:latin typeface="微软雅黑" panose="020B0503020204020204" charset="-122"/>
               <a:ea typeface="微软雅黑" panose="020B0503020204020204" charset="-122"/>
-              <a:cs typeface="+mn-cs"/>
               <a:sym typeface="+mn-ea"/>
             </a:endParaRPr>
           </a:p>
@@ -9334,18 +5873,18 @@
       </p:sp>
       <p:sp>
         <p:nvSpPr>
-          <p:cNvPr id="3" name="文本框 2"/>
+          <p:cNvPr id="2" name="文本框 1"/>
           <p:cNvSpPr txBox="1"/>
           <p:nvPr>
             <p:custDataLst>
-              <p:tags r:id="rId9"/>
+              <p:tags r:id="rId8"/>
             </p:custDataLst>
           </p:nvPr>
         </p:nvSpPr>
         <p:spPr>
           <a:xfrm>
-            <a:off x="3827179" y="3576950"/>
-            <a:ext cx="7462520" cy="648970"/>
+            <a:off x="3031524" y="4758667"/>
+            <a:ext cx="795655" cy="583565"/>
           </a:xfrm>
           <a:prstGeom prst="rect">
             <a:avLst/>
@@ -9353,7 +5892,9 @@
           <a:noFill/>
         </p:spPr>
         <p:txBody>
-          <a:bodyPr anchor="ctr"/>
+          <a:bodyPr wrap="square" rtlCol="0">
+            <a:spAutoFit/>
+          </a:bodyPr>
           <a:p>
             <a:pPr marL="0" marR="0" lvl="0" indent="0" algn="ctr" defTabSz="914400" rtl="0" eaLnBrk="1" fontAlgn="auto" latinLnBrk="0" hangingPunct="1">
               <a:lnSpc>
@@ -9371,12 +5912,37 @@
               <a:buNone/>
               <a:defRPr/>
             </a:pPr>
-            <a:endParaRPr lang="en-US" altLang="zh-CN" sz="2400" dirty="0">
-              <a:solidFill>
-                <a:srgbClr val="383987"/>
-              </a:solidFill>
-              <a:latin typeface="微软雅黑" panose="020B0503020204020204" charset="-122"/>
+            <a:r>
+              <a:rPr kumimoji="0" lang="en-US" altLang="zh-CN" sz="3200" b="0" i="0" u="none" strike="noStrike" kern="1200" cap="none" spc="0" normalizeH="0" baseline="0" noProof="0" dirty="0">
+                <a:ln w="3175">
+                  <a:solidFill>
+                    <a:srgbClr val="383987"/>
+                  </a:solidFill>
+                </a:ln>
+                <a:noFill/>
+                <a:effectLst/>
+                <a:uLnTx/>
+                <a:uFillTx/>
+                <a:latin typeface="Agency FB" panose="020B0503020202020204" pitchFamily="34" charset="0"/>
+                <a:ea typeface="微软雅黑" panose="020B0503020204020204" charset="-122"/>
+                <a:cs typeface="+mn-cs"/>
+                <a:sym typeface="+mn-ea"/>
+              </a:rPr>
+              <a:t>04</a:t>
+            </a:r>
+            <a:endParaRPr kumimoji="0" lang="en-US" altLang="zh-CN" sz="3200" b="0" i="0" u="none" strike="noStrike" kern="1200" cap="none" spc="0" normalizeH="0" baseline="0" noProof="0" dirty="0">
+              <a:ln w="3175">
+                <a:solidFill>
+                  <a:srgbClr val="383987"/>
+                </a:solidFill>
+              </a:ln>
+              <a:noFill/>
+              <a:effectLst/>
+              <a:uLnTx/>
+              <a:uFillTx/>
+              <a:latin typeface="Agency FB" panose="020B0503020202020204" pitchFamily="34" charset="0"/>
               <a:ea typeface="微软雅黑" panose="020B0503020204020204" charset="-122"/>
+              <a:cs typeface="+mn-cs"/>
               <a:sym typeface="+mn-ea"/>
             </a:endParaRPr>
           </a:p>
@@ -9384,18 +5950,18 @@
       </p:sp>
       <p:sp>
         <p:nvSpPr>
-          <p:cNvPr id="7" name="文本框 6"/>
+          <p:cNvPr id="3" name="文本框 2"/>
           <p:cNvSpPr txBox="1"/>
           <p:nvPr>
             <p:custDataLst>
-              <p:tags r:id="rId10"/>
+              <p:tags r:id="rId9"/>
             </p:custDataLst>
           </p:nvPr>
         </p:nvSpPr>
         <p:spPr>
           <a:xfrm>
-            <a:off x="3646170" y="1589405"/>
-            <a:ext cx="8304530" cy="648970"/>
+            <a:off x="3940209" y="3825870"/>
+            <a:ext cx="7462520" cy="648970"/>
           </a:xfrm>
           <a:prstGeom prst="rect">
             <a:avLst/>
@@ -9422,7 +5988,7 @@
               <a:defRPr/>
             </a:pPr>
             <a:r>
-              <a:rPr lang="zh-CN" altLang="en-US" sz="2400" dirty="0">
+              <a:rPr lang="en-US" altLang="zh-CN" sz="2400" dirty="0">
                 <a:solidFill>
                   <a:srgbClr val="383987"/>
                 </a:solidFill>
@@ -9430,9 +5996,9 @@
                 <a:ea typeface="微软雅黑" panose="020B0503020204020204" charset="-122"/>
                 <a:sym typeface="+mn-ea"/>
               </a:rPr>
-              <a:t>基础论文</a:t>
-            </a:r>
-            <a:endParaRPr lang="zh-CN" altLang="en-US" sz="2400" dirty="0">
+              <a:t>Integrated image-based deep learning and </a:t>
+            </a:r>
+            <a:endParaRPr lang="en-US" altLang="zh-CN" sz="2400" dirty="0">
               <a:solidFill>
                 <a:srgbClr val="383987"/>
               </a:solidFill>
@@ -9441,32 +6007,6 @@
               <a:sym typeface="+mn-ea"/>
             </a:endParaRPr>
           </a:p>
-        </p:txBody>
-      </p:sp>
-      <p:sp>
-        <p:nvSpPr>
-          <p:cNvPr id="9" name="文本框 8"/>
-          <p:cNvSpPr txBox="1"/>
-          <p:nvPr>
-            <p:custDataLst>
-              <p:tags r:id="rId11"/>
-            </p:custDataLst>
-          </p:nvPr>
-        </p:nvSpPr>
-        <p:spPr>
-          <a:xfrm>
-            <a:off x="3031490" y="1634490"/>
-            <a:ext cx="795655" cy="583565"/>
-          </a:xfrm>
-          <a:prstGeom prst="rect">
-            <a:avLst/>
-          </a:prstGeom>
-          <a:noFill/>
-        </p:spPr>
-        <p:txBody>
-          <a:bodyPr wrap="square" rtlCol="0">
-            <a:spAutoFit/>
-          </a:bodyPr>
           <a:p>
             <a:pPr marL="0" marR="0" lvl="0" indent="0" algn="ctr" defTabSz="914400" rtl="0" eaLnBrk="1" fontAlgn="auto" latinLnBrk="0" hangingPunct="1">
               <a:lnSpc>
@@ -9485,113 +6025,27 @@
               <a:defRPr/>
             </a:pPr>
             <a:r>
-              <a:rPr kumimoji="0" lang="en-US" altLang="zh-CN" sz="3200" b="0" i="0" u="none" strike="noStrike" kern="1200" cap="none" spc="0" normalizeH="0" baseline="0" noProof="0" dirty="0">
-                <a:ln w="3175">
-                  <a:solidFill>
-                    <a:srgbClr val="383987"/>
-                  </a:solidFill>
-                </a:ln>
-                <a:noFill/>
-                <a:effectLst/>
-                <a:uLnTx/>
-                <a:uFillTx/>
-                <a:latin typeface="Agency FB" panose="020B0503020202020204" pitchFamily="34" charset="0"/>
-                <a:ea typeface="微软雅黑" panose="020B0503020204020204" charset="-122"/>
-                <a:cs typeface="+mn-cs"/>
+              <a:rPr lang="en-US" altLang="zh-CN" sz="2400" dirty="0">
+                <a:solidFill>
+                  <a:srgbClr val="383987"/>
+                </a:solidFill>
+                <a:latin typeface="微软雅黑" panose="020B0503020204020204" charset="-122"/>
+                <a:ea typeface="微软雅黑" panose="020B0503020204020204" charset="-122"/>
                 <a:sym typeface="+mn-ea"/>
               </a:rPr>
-              <a:t>01</a:t>
-            </a:r>
-            <a:endParaRPr kumimoji="0" lang="en-US" altLang="zh-CN" sz="3200" b="0" i="0" u="none" strike="noStrike" kern="1200" cap="none" spc="0" normalizeH="0" baseline="0" noProof="0" dirty="0">
-              <a:ln w="3175">
-                <a:solidFill>
-                  <a:srgbClr val="383987"/>
-                </a:solidFill>
-              </a:ln>
-              <a:noFill/>
-              <a:effectLst/>
-              <a:uLnTx/>
-              <a:uFillTx/>
-              <a:latin typeface="Agency FB" panose="020B0503020202020204" pitchFamily="34" charset="0"/>
+              <a:t>language models for primary diabetes care</a:t>
+            </a:r>
+            <a:endParaRPr lang="en-US" altLang="zh-CN" sz="2400" dirty="0">
+              <a:solidFill>
+                <a:srgbClr val="383987"/>
+              </a:solidFill>
+              <a:latin typeface="微软雅黑" panose="020B0503020204020204" charset="-122"/>
               <a:ea typeface="微软雅黑" panose="020B0503020204020204" charset="-122"/>
-              <a:cs typeface="+mn-cs"/>
               <a:sym typeface="+mn-ea"/>
             </a:endParaRPr>
           </a:p>
-        </p:txBody>
-      </p:sp>
-    </p:spTree>
-  </p:cSld>
-  <p:clrMapOvr>
-    <a:masterClrMapping/>
-  </p:clrMapOvr>
-</p:sld>
-</file>
-
-<file path=ppt/slides/slide20.xml><?xml version="1.0" encoding="utf-8"?>
-<p:sld xmlns:a="http://schemas.openxmlformats.org/drawingml/2006/main" xmlns:r="http://schemas.openxmlformats.org/officeDocument/2006/relationships" xmlns:p="http://schemas.openxmlformats.org/presentationml/2006/main">
-  <p:cSld>
-    <p:spTree>
-      <p:nvGrpSpPr>
-        <p:cNvPr id="1" name=""/>
-        <p:cNvGrpSpPr/>
-        <p:nvPr/>
-      </p:nvGrpSpPr>
-      <p:grpSpPr>
-        <a:xfrm>
-          <a:off x="0" y="0"/>
-          <a:ext cx="0" cy="0"/>
-          <a:chOff x="0" y="0"/>
-          <a:chExt cx="0" cy="0"/>
-        </a:xfrm>
-      </p:grpSpPr>
-      <p:pic>
-        <p:nvPicPr>
-          <p:cNvPr id="4" name="图片 3" descr="1"/>
-          <p:cNvPicPr>
-            <a:picLocks noChangeAspect="1"/>
-          </p:cNvPicPr>
-          <p:nvPr/>
-        </p:nvPicPr>
-        <p:blipFill>
-          <a:blip r:embed="rId1"/>
-          <a:stretch>
-            <a:fillRect/>
-          </a:stretch>
-        </p:blipFill>
-        <p:spPr>
-          <a:xfrm>
-            <a:off x="4745355" y="-588645"/>
-            <a:ext cx="12060555" cy="8474075"/>
-          </a:xfrm>
-          <a:prstGeom prst="rect">
-            <a:avLst/>
-          </a:prstGeom>
-        </p:spPr>
-      </p:pic>
-      <p:sp>
-        <p:nvSpPr>
-          <p:cNvPr id="5" name="文本框 4"/>
-          <p:cNvSpPr txBox="1"/>
-          <p:nvPr/>
-        </p:nvSpPr>
-        <p:spPr>
-          <a:xfrm>
-            <a:off x="768985" y="2095500"/>
-            <a:ext cx="7110730" cy="1445260"/>
-          </a:xfrm>
-          <a:prstGeom prst="rect">
-            <a:avLst/>
-          </a:prstGeom>
-          <a:noFill/>
-        </p:spPr>
-        <p:txBody>
-          <a:bodyPr wrap="square" rtlCol="0">
-            <a:spAutoFit/>
-          </a:bodyPr>
-          <a:lstStyle/>
-          <a:p>
-            <a:pPr marL="0" marR="0" lvl="0" indent="0" algn="l" defTabSz="914400" rtl="0" eaLnBrk="1" fontAlgn="auto" latinLnBrk="0" hangingPunct="1">
+          <a:p>
+            <a:pPr marL="0" marR="0" lvl="0" indent="0" algn="ctr" defTabSz="914400" rtl="0" eaLnBrk="1" fontAlgn="auto" latinLnBrk="0" hangingPunct="1">
               <a:lnSpc>
                 <a:spcPct val="100000"/>
               </a:lnSpc>
@@ -9607,50 +6061,31 @@
               <a:buNone/>
               <a:defRPr/>
             </a:pPr>
-            <a:r>
-              <a:rPr kumimoji="0" lang="en-US" altLang="zh-CN" sz="8800" b="0" i="0" u="none" strike="noStrike" kern="1200" cap="none" spc="0" normalizeH="0" baseline="0" noProof="0" dirty="0">
-                <a:ln>
-                  <a:solidFill>
-                    <a:srgbClr val="383987"/>
-                  </a:solidFill>
-                </a:ln>
-                <a:noFill/>
-                <a:effectLst/>
-                <a:uLnTx/>
-                <a:uFillTx/>
-                <a:latin typeface="Agency FB" panose="020B0503020202020204" pitchFamily="34" charset="0"/>
-                <a:ea typeface="宋体" panose="02010600030101010101" pitchFamily="2" charset="-122"/>
-                <a:cs typeface="+mn-cs"/>
-              </a:rPr>
-              <a:t>THANKS</a:t>
-            </a:r>
-            <a:endParaRPr kumimoji="0" lang="en-US" altLang="zh-CN" sz="8800" b="0" i="0" u="none" strike="noStrike" kern="1200" cap="none" spc="0" normalizeH="0" baseline="0" noProof="0" dirty="0">
-              <a:ln>
-                <a:solidFill>
-                  <a:srgbClr val="383987"/>
-                </a:solidFill>
-              </a:ln>
-              <a:noFill/>
-              <a:effectLst/>
-              <a:uLnTx/>
-              <a:uFillTx/>
-              <a:latin typeface="Agency FB" panose="020B0503020202020204" pitchFamily="34" charset="0"/>
-              <a:ea typeface="宋体" panose="02010600030101010101" pitchFamily="2" charset="-122"/>
-              <a:cs typeface="+mn-cs"/>
+            <a:endParaRPr lang="en-US" altLang="zh-CN" sz="2400" dirty="0">
+              <a:solidFill>
+                <a:srgbClr val="383987"/>
+              </a:solidFill>
+              <a:latin typeface="微软雅黑" panose="020B0503020204020204" charset="-122"/>
+              <a:ea typeface="微软雅黑" panose="020B0503020204020204" charset="-122"/>
+              <a:sym typeface="+mn-ea"/>
             </a:endParaRPr>
           </a:p>
         </p:txBody>
       </p:sp>
       <p:sp>
         <p:nvSpPr>
-          <p:cNvPr id="2" name="文本框 1"/>
+          <p:cNvPr id="7" name="文本框 6"/>
           <p:cNvSpPr txBox="1"/>
-          <p:nvPr/>
-        </p:nvSpPr>
-        <p:spPr>
-          <a:xfrm>
-            <a:off x="934085" y="3540760"/>
-            <a:ext cx="4176395" cy="460375"/>
+          <p:nvPr>
+            <p:custDataLst>
+              <p:tags r:id="rId10"/>
+            </p:custDataLst>
+          </p:nvPr>
+        </p:nvSpPr>
+        <p:spPr>
+          <a:xfrm>
+            <a:off x="3406140" y="1589405"/>
+            <a:ext cx="8304530" cy="648970"/>
           </a:xfrm>
           <a:prstGeom prst="rect">
             <a:avLst/>
@@ -9658,12 +6093,9 @@
           <a:noFill/>
         </p:spPr>
         <p:txBody>
-          <a:bodyPr wrap="square" rtlCol="0">
-            <a:spAutoFit/>
-          </a:bodyPr>
-          <a:lstStyle/>
-          <a:p>
-            <a:pPr marL="0" marR="0" lvl="0" indent="0" algn="dist" defTabSz="914400" rtl="0" eaLnBrk="1" fontAlgn="auto" latinLnBrk="0" hangingPunct="1">
+          <a:bodyPr anchor="ctr"/>
+          <a:p>
+            <a:pPr marL="0" marR="0" lvl="0" indent="0" algn="ctr" defTabSz="914400" rtl="0" eaLnBrk="1" fontAlgn="auto" latinLnBrk="0" hangingPunct="1">
               <a:lnSpc>
                 <a:spcPct val="100000"/>
               </a:lnSpc>
@@ -9680,35 +6112,100 @@
               <a:defRPr/>
             </a:pPr>
             <a:r>
-              <a:rPr kumimoji="0" lang="zh-CN" altLang="en-US" sz="2400" b="0" i="0" u="none" strike="noStrike" kern="1200" cap="none" spc="0" normalizeH="0" baseline="0" noProof="0">
-                <a:ln>
-                  <a:noFill/>
+              <a:rPr lang="zh-CN" altLang="en-US" sz="2400" dirty="0">
+                <a:solidFill>
+                  <a:srgbClr val="383987"/>
+                </a:solidFill>
+                <a:latin typeface="微软雅黑" panose="020B0503020204020204" charset="-122"/>
+                <a:ea typeface="微软雅黑" panose="020B0503020204020204" charset="-122"/>
+                <a:sym typeface="+mn-ea"/>
+              </a:rPr>
+              <a:t>基础论文</a:t>
+            </a:r>
+            <a:endParaRPr lang="zh-CN" altLang="en-US" sz="2400" dirty="0">
+              <a:solidFill>
+                <a:srgbClr val="383987"/>
+              </a:solidFill>
+              <a:latin typeface="微软雅黑" panose="020B0503020204020204" charset="-122"/>
+              <a:ea typeface="微软雅黑" panose="020B0503020204020204" charset="-122"/>
+              <a:sym typeface="+mn-ea"/>
+            </a:endParaRPr>
+          </a:p>
+        </p:txBody>
+      </p:sp>
+      <p:sp>
+        <p:nvSpPr>
+          <p:cNvPr id="9" name="文本框 8"/>
+          <p:cNvSpPr txBox="1"/>
+          <p:nvPr>
+            <p:custDataLst>
+              <p:tags r:id="rId11"/>
+            </p:custDataLst>
+          </p:nvPr>
+        </p:nvSpPr>
+        <p:spPr>
+          <a:xfrm>
+            <a:off x="3031490" y="1634490"/>
+            <a:ext cx="795655" cy="583565"/>
+          </a:xfrm>
+          <a:prstGeom prst="rect">
+            <a:avLst/>
+          </a:prstGeom>
+          <a:noFill/>
+        </p:spPr>
+        <p:txBody>
+          <a:bodyPr wrap="square" rtlCol="0">
+            <a:spAutoFit/>
+          </a:bodyPr>
+          <a:p>
+            <a:pPr marL="0" marR="0" lvl="0" indent="0" algn="ctr" defTabSz="914400" rtl="0" eaLnBrk="1" fontAlgn="auto" latinLnBrk="0" hangingPunct="1">
+              <a:lnSpc>
+                <a:spcPct val="100000"/>
+              </a:lnSpc>
+              <a:spcBef>
+                <a:spcPts val="0"/>
+              </a:spcBef>
+              <a:spcAft>
+                <a:spcPts val="0"/>
+              </a:spcAft>
+              <a:buClrTx/>
+              <a:buSzTx/>
+              <a:buFontTx/>
+              <a:buNone/>
+              <a:defRPr/>
+            </a:pPr>
+            <a:r>
+              <a:rPr kumimoji="0" lang="en-US" altLang="zh-CN" sz="3200" b="0" i="0" u="none" strike="noStrike" kern="1200" cap="none" spc="0" normalizeH="0" baseline="0" noProof="0" dirty="0">
+                <a:ln w="3175">
+                  <a:solidFill>
+                    <a:srgbClr val="383987"/>
+                  </a:solidFill>
                 </a:ln>
-                <a:solidFill>
-                  <a:srgbClr val="383987"/>
-                </a:solidFill>
+                <a:noFill/>
                 <a:effectLst/>
                 <a:uLnTx/>
                 <a:uFillTx/>
-                <a:latin typeface="微软雅黑" panose="020B0503020204020204" charset="-122"/>
+                <a:latin typeface="Agency FB" panose="020B0503020202020204" pitchFamily="34" charset="0"/>
                 <a:ea typeface="微软雅黑" panose="020B0503020204020204" charset="-122"/>
                 <a:cs typeface="+mn-cs"/>
-              </a:rPr>
-              <a:t>谢谢观看</a:t>
-            </a:r>
-            <a:endParaRPr kumimoji="0" lang="zh-CN" altLang="en-US" sz="2400" b="0" i="0" u="none" strike="noStrike" kern="1200" cap="none" spc="0" normalizeH="0" baseline="0" noProof="0">
-              <a:ln>
-                <a:noFill/>
+                <a:sym typeface="+mn-ea"/>
+              </a:rPr>
+              <a:t>01</a:t>
+            </a:r>
+            <a:endParaRPr kumimoji="0" lang="en-US" altLang="zh-CN" sz="3200" b="0" i="0" u="none" strike="noStrike" kern="1200" cap="none" spc="0" normalizeH="0" baseline="0" noProof="0" dirty="0">
+              <a:ln w="3175">
+                <a:solidFill>
+                  <a:srgbClr val="383987"/>
+                </a:solidFill>
               </a:ln>
-              <a:solidFill>
-                <a:srgbClr val="383987"/>
-              </a:solidFill>
+              <a:noFill/>
               <a:effectLst/>
               <a:uLnTx/>
               <a:uFillTx/>
-              <a:latin typeface="微软雅黑" panose="020B0503020204020204" charset="-122"/>
+              <a:latin typeface="Agency FB" panose="020B0503020202020204" pitchFamily="34" charset="0"/>
               <a:ea typeface="微软雅黑" panose="020B0503020204020204" charset="-122"/>
               <a:cs typeface="+mn-cs"/>
+              <a:sym typeface="+mn-ea"/>
             </a:endParaRPr>
           </a:p>
         </p:txBody>
@@ -10896,7 +7393,69 @@
                 <a:latin typeface="微软雅黑" panose="020B0503020204020204" charset="-122"/>
                 <a:ea typeface="微软雅黑" panose="020B0503020204020204" charset="-122"/>
               </a:rPr>
-              <a:t>的</a:t>
+              <a:t>的目的。</a:t>
+            </a:r>
+            <a:endParaRPr lang="zh-CN" altLang="en-US" sz="1600" dirty="0">
+              <a:solidFill>
+                <a:schemeClr val="tx1"/>
+              </a:solidFill>
+              <a:latin typeface="微软雅黑" panose="020B0503020204020204" charset="-122"/>
+              <a:ea typeface="微软雅黑" panose="020B0503020204020204" charset="-122"/>
+            </a:endParaRPr>
+          </a:p>
+          <a:p>
+            <a:pPr marL="0" lvl="0" indent="457200">
+              <a:buNone/>
+            </a:pPr>
+            <a:r>
+              <a:rPr lang="zh-CN" altLang="en-US" sz="1600" dirty="0">
+                <a:solidFill>
+                  <a:schemeClr val="tx1"/>
+                </a:solidFill>
+                <a:latin typeface="微软雅黑" panose="020B0503020204020204" charset="-122"/>
+                <a:ea typeface="微软雅黑" panose="020B0503020204020204" charset="-122"/>
+              </a:rPr>
+              <a:t>可以尝试多种方法加入</a:t>
+            </a:r>
+            <a:r>
+              <a:rPr lang="en-US" altLang="zh-CN" sz="1600" dirty="0">
+                <a:solidFill>
+                  <a:schemeClr val="tx1"/>
+                </a:solidFill>
+                <a:latin typeface="微软雅黑" panose="020B0503020204020204" charset="-122"/>
+                <a:ea typeface="微软雅黑" panose="020B0503020204020204" charset="-122"/>
+              </a:rPr>
+              <a:t>PVP</a:t>
+            </a:r>
+            <a:r>
+              <a:rPr lang="zh-CN" altLang="en-US" sz="1600" dirty="0">
+                <a:solidFill>
+                  <a:schemeClr val="tx1"/>
+                </a:solidFill>
+                <a:latin typeface="微软雅黑" panose="020B0503020204020204" charset="-122"/>
+                <a:ea typeface="微软雅黑" panose="020B0503020204020204" charset="-122"/>
+              </a:rPr>
+              <a:t>组件把迁移学习统一设计为</a:t>
+            </a:r>
+            <a:r>
+              <a:rPr lang="en-US" altLang="zh-CN" sz="1600" dirty="0">
+                <a:solidFill>
+                  <a:schemeClr val="tx1"/>
+                </a:solidFill>
+                <a:latin typeface="微软雅黑" panose="020B0503020204020204" charset="-122"/>
+                <a:ea typeface="微软雅黑" panose="020B0503020204020204" charset="-122"/>
+              </a:rPr>
+              <a:t>NLP</a:t>
+            </a:r>
+            <a:r>
+              <a:rPr lang="zh-CN" altLang="en-US" sz="1600" dirty="0">
+                <a:solidFill>
+                  <a:schemeClr val="tx1"/>
+                </a:solidFill>
+                <a:latin typeface="微软雅黑" panose="020B0503020204020204" charset="-122"/>
+                <a:ea typeface="微软雅黑" panose="020B0503020204020204" charset="-122"/>
+              </a:rPr>
+              <a:t>问题</a:t>
             </a:r>
             <a:endParaRPr lang="zh-CN" altLang="en-US" sz="1600" dirty="0">
               <a:solidFill>
@@ -11170,7 +7729,7 @@
         </p:nvSpPr>
         <p:spPr>
           <a:xfrm>
-            <a:off x="286385" y="2426970"/>
+            <a:off x="330835" y="1538605"/>
             <a:ext cx="11251565" cy="1423670"/>
           </a:xfrm>
           <a:prstGeom prst="rect">
@@ -11194,7 +7753,47 @@
                 <a:latin typeface="微软雅黑" panose="020B0503020204020204" charset="-122"/>
                 <a:ea typeface="微软雅黑" panose="020B0503020204020204" charset="-122"/>
               </a:rPr>
-              <a:t>提出知识蒸馏的想法</a:t>
+              <a:t>提出知识蒸馏的想法：将大模型（</a:t>
+            </a:r>
+            <a:r>
+              <a:rPr lang="en-US" altLang="zh-CN" sz="1600" dirty="0">
+                <a:solidFill>
+                  <a:schemeClr val="tx1"/>
+                </a:solidFill>
+                <a:latin typeface="微软雅黑" panose="020B0503020204020204" charset="-122"/>
+                <a:ea typeface="微软雅黑" panose="020B0503020204020204" charset="-122"/>
+              </a:rPr>
+              <a:t>Teacher</a:t>
+            </a:r>
+            <a:r>
+              <a:rPr lang="zh-CN" altLang="en-US" sz="1600" dirty="0">
+                <a:solidFill>
+                  <a:schemeClr val="tx1"/>
+                </a:solidFill>
+                <a:latin typeface="微软雅黑" panose="020B0503020204020204" charset="-122"/>
+                <a:ea typeface="微软雅黑" panose="020B0503020204020204" charset="-122"/>
+              </a:rPr>
+              <a:t>）中蕴含的知识（或者是映射关系）教给小模型（</a:t>
+            </a:r>
+            <a:r>
+              <a:rPr lang="en-US" altLang="zh-CN" sz="1600" dirty="0">
+                <a:solidFill>
+                  <a:schemeClr val="tx1"/>
+                </a:solidFill>
+                <a:latin typeface="微软雅黑" panose="020B0503020204020204" charset="-122"/>
+                <a:ea typeface="微软雅黑" panose="020B0503020204020204" charset="-122"/>
+              </a:rPr>
+              <a:t>Student</a:t>
+            </a:r>
+            <a:r>
+              <a:rPr lang="zh-CN" altLang="en-US" sz="1600" dirty="0">
+                <a:solidFill>
+                  <a:schemeClr val="tx1"/>
+                </a:solidFill>
+                <a:latin typeface="微软雅黑" panose="020B0503020204020204" charset="-122"/>
+                <a:ea typeface="微软雅黑" panose="020B0503020204020204" charset="-122"/>
+              </a:rPr>
+              <a:t>）也是一种迁移学习。</a:t>
             </a:r>
             <a:endParaRPr lang="zh-CN" altLang="en-US" sz="1600" dirty="0">
               <a:solidFill>
@@ -11204,8 +7803,247 @@
               <a:ea typeface="微软雅黑" panose="020B0503020204020204" charset="-122"/>
             </a:endParaRPr>
           </a:p>
-        </p:txBody>
-      </p:sp>
+          <a:p>
+            <a:pPr marL="0" lvl="0" indent="457200">
+              <a:buNone/>
+            </a:pPr>
+            <a:endParaRPr lang="zh-CN" altLang="en-US" sz="1600" dirty="0">
+              <a:solidFill>
+                <a:schemeClr val="tx1"/>
+              </a:solidFill>
+              <a:latin typeface="微软雅黑" panose="020B0503020204020204" charset="-122"/>
+              <a:ea typeface="微软雅黑" panose="020B0503020204020204" charset="-122"/>
+            </a:endParaRPr>
+          </a:p>
+          <a:p>
+            <a:pPr marL="0" lvl="0" indent="457200">
+              <a:buNone/>
+            </a:pPr>
+            <a:endParaRPr lang="zh-CN" altLang="en-US" sz="1600" dirty="0">
+              <a:solidFill>
+                <a:schemeClr val="tx1"/>
+              </a:solidFill>
+              <a:latin typeface="微软雅黑" panose="020B0503020204020204" charset="-122"/>
+              <a:ea typeface="微软雅黑" panose="020B0503020204020204" charset="-122"/>
+            </a:endParaRPr>
+          </a:p>
+          <a:p>
+            <a:pPr marL="0" lvl="0" indent="457200">
+              <a:buNone/>
+            </a:pPr>
+            <a:endParaRPr lang="zh-CN" altLang="en-US" sz="1600" dirty="0">
+              <a:solidFill>
+                <a:schemeClr val="tx1"/>
+              </a:solidFill>
+              <a:latin typeface="微软雅黑" panose="020B0503020204020204" charset="-122"/>
+              <a:ea typeface="微软雅黑" panose="020B0503020204020204" charset="-122"/>
+            </a:endParaRPr>
+          </a:p>
+          <a:p>
+            <a:pPr marL="0" lvl="0" indent="457200">
+              <a:buNone/>
+            </a:pPr>
+            <a:endParaRPr lang="zh-CN" altLang="en-US" sz="1600" dirty="0">
+              <a:solidFill>
+                <a:schemeClr val="tx1"/>
+              </a:solidFill>
+              <a:latin typeface="微软雅黑" panose="020B0503020204020204" charset="-122"/>
+              <a:ea typeface="微软雅黑" panose="020B0503020204020204" charset="-122"/>
+            </a:endParaRPr>
+          </a:p>
+          <a:p>
+            <a:pPr marL="0" lvl="0" indent="457200">
+              <a:buNone/>
+            </a:pPr>
+            <a:endParaRPr lang="zh-CN" altLang="en-US" sz="1600" dirty="0">
+              <a:solidFill>
+                <a:schemeClr val="tx1"/>
+              </a:solidFill>
+              <a:latin typeface="微软雅黑" panose="020B0503020204020204" charset="-122"/>
+              <a:ea typeface="微软雅黑" panose="020B0503020204020204" charset="-122"/>
+            </a:endParaRPr>
+          </a:p>
+          <a:p>
+            <a:pPr marL="0" lvl="0" indent="457200">
+              <a:buNone/>
+            </a:pPr>
+            <a:endParaRPr lang="zh-CN" altLang="en-US" sz="1600" dirty="0">
+              <a:solidFill>
+                <a:schemeClr val="tx1"/>
+              </a:solidFill>
+              <a:latin typeface="微软雅黑" panose="020B0503020204020204" charset="-122"/>
+              <a:ea typeface="微软雅黑" panose="020B0503020204020204" charset="-122"/>
+            </a:endParaRPr>
+          </a:p>
+          <a:p>
+            <a:pPr marL="0" lvl="0" indent="457200">
+              <a:buNone/>
+            </a:pPr>
+            <a:endParaRPr lang="zh-CN" altLang="en-US" sz="1600" dirty="0">
+              <a:solidFill>
+                <a:schemeClr val="tx1"/>
+              </a:solidFill>
+              <a:latin typeface="微软雅黑" panose="020B0503020204020204" charset="-122"/>
+              <a:ea typeface="微软雅黑" panose="020B0503020204020204" charset="-122"/>
+            </a:endParaRPr>
+          </a:p>
+          <a:p>
+            <a:pPr marL="0" lvl="0" indent="457200">
+              <a:buNone/>
+            </a:pPr>
+            <a:endParaRPr lang="zh-CN" altLang="en-US" sz="1600" dirty="0">
+              <a:solidFill>
+                <a:schemeClr val="tx1"/>
+              </a:solidFill>
+              <a:latin typeface="微软雅黑" panose="020B0503020204020204" charset="-122"/>
+              <a:ea typeface="微软雅黑" panose="020B0503020204020204" charset="-122"/>
+            </a:endParaRPr>
+          </a:p>
+          <a:p>
+            <a:pPr marL="0" lvl="0" indent="457200">
+              <a:buNone/>
+            </a:pPr>
+            <a:endParaRPr lang="zh-CN" altLang="en-US" sz="1600" dirty="0">
+              <a:solidFill>
+                <a:schemeClr val="tx1"/>
+              </a:solidFill>
+              <a:latin typeface="微软雅黑" panose="020B0503020204020204" charset="-122"/>
+              <a:ea typeface="微软雅黑" panose="020B0503020204020204" charset="-122"/>
+            </a:endParaRPr>
+          </a:p>
+          <a:p>
+            <a:pPr marL="0" lvl="0" indent="457200">
+              <a:buNone/>
+            </a:pPr>
+            <a:endParaRPr lang="zh-CN" altLang="en-US" sz="1600" dirty="0">
+              <a:solidFill>
+                <a:schemeClr val="tx1"/>
+              </a:solidFill>
+              <a:latin typeface="微软雅黑" panose="020B0503020204020204" charset="-122"/>
+              <a:ea typeface="微软雅黑" panose="020B0503020204020204" charset="-122"/>
+            </a:endParaRPr>
+          </a:p>
+          <a:p>
+            <a:pPr marL="0" lvl="0" indent="457200">
+              <a:buNone/>
+            </a:pPr>
+            <a:endParaRPr lang="zh-CN" altLang="en-US" sz="1600" dirty="0">
+              <a:solidFill>
+                <a:schemeClr val="tx1"/>
+              </a:solidFill>
+              <a:latin typeface="微软雅黑" panose="020B0503020204020204" charset="-122"/>
+              <a:ea typeface="微软雅黑" panose="020B0503020204020204" charset="-122"/>
+            </a:endParaRPr>
+          </a:p>
+          <a:p>
+            <a:pPr marL="0" lvl="0" indent="457200">
+              <a:buNone/>
+            </a:pPr>
+            <a:endParaRPr lang="zh-CN" altLang="en-US" sz="1600" dirty="0">
+              <a:solidFill>
+                <a:schemeClr val="tx1"/>
+              </a:solidFill>
+              <a:latin typeface="微软雅黑" panose="020B0503020204020204" charset="-122"/>
+              <a:ea typeface="微软雅黑" panose="020B0503020204020204" charset="-122"/>
+            </a:endParaRPr>
+          </a:p>
+          <a:p>
+            <a:pPr marL="0" lvl="0" indent="457200">
+              <a:buNone/>
+            </a:pPr>
+            <a:r>
+              <a:rPr lang="en-US" altLang="zh-CN" sz="1600" dirty="0">
+                <a:solidFill>
+                  <a:schemeClr val="tx1"/>
+                </a:solidFill>
+                <a:latin typeface="微软雅黑" panose="020B0503020204020204" charset="-122"/>
+                <a:ea typeface="微软雅黑" panose="020B0503020204020204" charset="-122"/>
+              </a:rPr>
+              <a:t>Total loss</a:t>
+            </a:r>
+            <a:r>
+              <a:rPr lang="zh-CN" altLang="en-US" sz="1600" dirty="0">
+                <a:solidFill>
+                  <a:schemeClr val="tx1"/>
+                </a:solidFill>
+                <a:latin typeface="微软雅黑" panose="020B0503020204020204" charset="-122"/>
+                <a:ea typeface="微软雅黑" panose="020B0503020204020204" charset="-122"/>
+              </a:rPr>
+              <a:t>设计为软目标与硬目标所对应的交叉熵的加权平均（表示为</a:t>
+            </a:r>
+            <a:r>
+              <a:rPr lang="en-US" altLang="zh-CN" sz="1600" dirty="0">
+                <a:solidFill>
+                  <a:schemeClr val="tx1"/>
+                </a:solidFill>
+                <a:latin typeface="微软雅黑" panose="020B0503020204020204" charset="-122"/>
+                <a:ea typeface="微软雅黑" panose="020B0503020204020204" charset="-122"/>
+              </a:rPr>
+              <a:t>KD loss</a:t>
+            </a:r>
+            <a:r>
+              <a:rPr lang="zh-CN" altLang="en-US" sz="1600" dirty="0">
+                <a:solidFill>
+                  <a:schemeClr val="tx1"/>
+                </a:solidFill>
+                <a:latin typeface="微软雅黑" panose="020B0503020204020204" charset="-122"/>
+                <a:ea typeface="微软雅黑" panose="020B0503020204020204" charset="-122"/>
+              </a:rPr>
+              <a:t>与</a:t>
+            </a:r>
+            <a:r>
+              <a:rPr lang="en-US" altLang="zh-CN" sz="1600" dirty="0">
+                <a:solidFill>
+                  <a:schemeClr val="tx1"/>
+                </a:solidFill>
+                <a:latin typeface="微软雅黑" panose="020B0503020204020204" charset="-122"/>
+                <a:ea typeface="微软雅黑" panose="020B0503020204020204" charset="-122"/>
+              </a:rPr>
+              <a:t>CE loss</a:t>
+            </a:r>
+            <a:r>
+              <a:rPr lang="zh-CN" altLang="en-US" sz="1600" dirty="0">
+                <a:solidFill>
+                  <a:schemeClr val="tx1"/>
+                </a:solidFill>
+                <a:latin typeface="微软雅黑" panose="020B0503020204020204" charset="-122"/>
+                <a:ea typeface="微软雅黑" panose="020B0503020204020204" charset="-122"/>
+              </a:rPr>
+              <a:t>）。让学生网络受到教室网络的预测和真实答案的损失控制。</a:t>
+            </a:r>
+            <a:endParaRPr lang="zh-CN" altLang="en-US" sz="1600" dirty="0">
+              <a:solidFill>
+                <a:schemeClr val="tx1"/>
+              </a:solidFill>
+              <a:latin typeface="微软雅黑" panose="020B0503020204020204" charset="-122"/>
+              <a:ea typeface="微软雅黑" panose="020B0503020204020204" charset="-122"/>
+            </a:endParaRPr>
+          </a:p>
+        </p:txBody>
+      </p:sp>
+      <p:pic>
+        <p:nvPicPr>
+          <p:cNvPr id="2" name="图片 1"/>
+          <p:cNvPicPr/>
+          <p:nvPr/>
+        </p:nvPicPr>
+        <p:blipFill>
+          <a:blip r:embed="rId3"/>
+          <a:srcRect r="19899"/>
+          <a:stretch>
+            <a:fillRect/>
+          </a:stretch>
+        </p:blipFill>
+        <p:spPr>
+          <a:xfrm>
+            <a:off x="1420495" y="2056765"/>
+            <a:ext cx="5869305" cy="2830195"/>
+          </a:xfrm>
+          <a:prstGeom prst="rect">
+            <a:avLst/>
+          </a:prstGeom>
+        </p:spPr>
+      </p:pic>
     </p:spTree>
   </p:cSld>
   <p:clrMapOvr>
@@ -11215,280 +8053,6 @@
 </file>
 
 <file path=ppt/slides/slide7.xml><?xml version="1.0" encoding="utf-8"?>
-<p:sld xmlns:a="http://schemas.openxmlformats.org/drawingml/2006/main" xmlns:r="http://schemas.openxmlformats.org/officeDocument/2006/relationships" xmlns:p="http://schemas.openxmlformats.org/presentationml/2006/main">
-  <p:cSld>
-    <p:spTree>
-      <p:nvGrpSpPr>
-        <p:cNvPr id="1" name=""/>
-        <p:cNvGrpSpPr/>
-        <p:nvPr/>
-      </p:nvGrpSpPr>
-      <p:grpSpPr>
-        <a:xfrm>
-          <a:off x="0" y="0"/>
-          <a:ext cx="0" cy="0"/>
-          <a:chOff x="0" y="0"/>
-          <a:chExt cx="0" cy="0"/>
-        </a:xfrm>
-      </p:grpSpPr>
-      <p:sp>
-        <p:nvSpPr>
-          <p:cNvPr id="13" name="文本框 12"/>
-          <p:cNvSpPr txBox="1"/>
-          <p:nvPr/>
-        </p:nvSpPr>
-        <p:spPr>
-          <a:xfrm>
-            <a:off x="106466" y="601786"/>
-            <a:ext cx="1033780" cy="398780"/>
-          </a:xfrm>
-          <a:prstGeom prst="rect">
-            <a:avLst/>
-          </a:prstGeom>
-          <a:noFill/>
-        </p:spPr>
-        <p:txBody>
-          <a:bodyPr wrap="none" rtlCol="0">
-            <a:spAutoFit/>
-          </a:bodyPr>
-          <a:lstStyle/>
-          <a:p>
-            <a:pPr marL="342900" indent="-342900">
-              <a:buFont typeface="Wingdings" panose="05000000000000000000" charset="0"/>
-              <a:buChar char="n"/>
-            </a:pPr>
-            <a:r>
-              <a:rPr lang="zh-CN" altLang="en-US" sz="2000" b="1" dirty="0">
-                <a:latin typeface="微软雅黑" panose="020B0503020204020204" charset="-122"/>
-                <a:ea typeface="微软雅黑" panose="020B0503020204020204" charset="-122"/>
-              </a:rPr>
-              <a:t>概述</a:t>
-            </a:r>
-            <a:endParaRPr lang="zh-CN" altLang="en-US" sz="2000" b="1" dirty="0"/>
-          </a:p>
-        </p:txBody>
-      </p:sp>
-      <p:sp>
-        <p:nvSpPr>
-          <p:cNvPr id="7" name="文本框 6"/>
-          <p:cNvSpPr txBox="1"/>
-          <p:nvPr/>
-        </p:nvSpPr>
-        <p:spPr>
-          <a:xfrm>
-            <a:off x="724535" y="1323340"/>
-            <a:ext cx="2247900" cy="410845"/>
-          </a:xfrm>
-          <a:prstGeom prst="rect">
-            <a:avLst/>
-          </a:prstGeom>
-          <a:noFill/>
-        </p:spPr>
-        <p:txBody>
-          <a:bodyPr wrap="square">
-            <a:noAutofit/>
-          </a:bodyPr>
-          <a:lstStyle/>
-          <a:p>
-            <a:pPr algn="l" fontAlgn="auto">
-              <a:lnSpc>
-                <a:spcPts val="2200"/>
-              </a:lnSpc>
-              <a:buClrTx/>
-              <a:buSzTx/>
-              <a:buNone/>
-            </a:pPr>
-            <a:endParaRPr lang="zh-CN" altLang="en-US" sz="1600" dirty="0">
-              <a:latin typeface="微软雅黑" panose="020B0503020204020204" charset="-122"/>
-              <a:ea typeface="微软雅黑" panose="020B0503020204020204" charset="-122"/>
-            </a:endParaRPr>
-          </a:p>
-        </p:txBody>
-      </p:sp>
-      <p:sp>
-        <p:nvSpPr>
-          <p:cNvPr id="3" name="矩形 2"/>
-          <p:cNvSpPr/>
-          <p:nvPr>
-            <p:custDataLst>
-              <p:tags r:id="rId1"/>
-            </p:custDataLst>
-          </p:nvPr>
-        </p:nvSpPr>
-        <p:spPr>
-          <a:xfrm>
-            <a:off x="-6350" y="0"/>
-            <a:ext cx="12198350" cy="540000"/>
-          </a:xfrm>
-          <a:prstGeom prst="rect">
-            <a:avLst/>
-          </a:prstGeom>
-          <a:solidFill>
-            <a:srgbClr val="A099CB"/>
-          </a:solidFill>
-          <a:ln>
-            <a:noFill/>
-          </a:ln>
-        </p:spPr>
-        <p:style>
-          <a:lnRef idx="2">
-            <a:schemeClr val="accent1">
-              <a:shade val="50000"/>
-            </a:schemeClr>
-          </a:lnRef>
-          <a:fillRef idx="1">
-            <a:schemeClr val="accent1"/>
-          </a:fillRef>
-          <a:effectRef idx="0">
-            <a:schemeClr val="accent1"/>
-          </a:effectRef>
-          <a:fontRef idx="minor">
-            <a:schemeClr val="lt1"/>
-          </a:fontRef>
-        </p:style>
-        <p:txBody>
-          <a:bodyPr rtlCol="0" anchor="ctr"/>
-          <a:p>
-            <a:pPr marL="0" marR="0" lvl="0" indent="0" algn="ctr" defTabSz="914400" rtl="0" eaLnBrk="1" fontAlgn="auto" latinLnBrk="0" hangingPunct="1">
-              <a:lnSpc>
-                <a:spcPct val="100000"/>
-              </a:lnSpc>
-              <a:spcBef>
-                <a:spcPts val="0"/>
-              </a:spcBef>
-              <a:spcAft>
-                <a:spcPts val="0"/>
-              </a:spcAft>
-              <a:buClrTx/>
-              <a:buSzTx/>
-              <a:buFontTx/>
-              <a:buNone/>
-              <a:defRPr/>
-            </a:pPr>
-            <a:r>
-              <a:rPr lang="en-US" altLang="zh-CN" sz="1800" dirty="0">
-                <a:effectLst/>
-                <a:latin typeface="微软雅黑" panose="020B0503020204020204" charset="-122"/>
-                <a:ea typeface="微软雅黑" panose="020B0503020204020204" charset="-122"/>
-              </a:rPr>
-              <a:t>1.</a:t>
-            </a:r>
-            <a:r>
-              <a:rPr lang="en-US" altLang="zh-CN" dirty="0">
-                <a:effectLst/>
-                <a:latin typeface="微软雅黑" panose="020B0503020204020204" charset="-122"/>
-                <a:ea typeface="微软雅黑" panose="020B0503020204020204" charset="-122"/>
-                <a:sym typeface="+mn-ea"/>
-              </a:rPr>
-              <a:t>基础大模型论文</a:t>
-            </a:r>
-            <a:endParaRPr lang="en-US" altLang="zh-CN" dirty="0">
-              <a:effectLst/>
-              <a:latin typeface="微软雅黑" panose="020B0503020204020204" charset="-122"/>
-              <a:ea typeface="微软雅黑" panose="020B0503020204020204" charset="-122"/>
-            </a:endParaRPr>
-          </a:p>
-        </p:txBody>
-      </p:sp>
-      <p:sp>
-        <p:nvSpPr>
-          <p:cNvPr id="5" name="文本框 4"/>
-          <p:cNvSpPr txBox="1"/>
-          <p:nvPr>
-            <p:custDataLst>
-              <p:tags r:id="rId2"/>
-            </p:custDataLst>
-          </p:nvPr>
-        </p:nvSpPr>
-        <p:spPr>
-          <a:xfrm>
-            <a:off x="455295" y="972185"/>
-            <a:ext cx="11736705" cy="506730"/>
-          </a:xfrm>
-          <a:prstGeom prst="rect">
-            <a:avLst/>
-          </a:prstGeom>
-          <a:noFill/>
-        </p:spPr>
-        <p:txBody>
-          <a:bodyPr wrap="square" rtlCol="0">
-            <a:spAutoFit/>
-          </a:bodyPr>
-          <a:p>
-            <a:pPr marL="285750" indent="-285750">
-              <a:lnSpc>
-                <a:spcPct val="150000"/>
-              </a:lnSpc>
-              <a:buFont typeface="Wingdings" panose="05000000000000000000" charset="0"/>
-              <a:buChar char="p"/>
-            </a:pPr>
-            <a:r>
-              <a:rPr lang="en-US" altLang="zh-CN" b="1" dirty="0">
-                <a:latin typeface="微软雅黑" panose="020B0503020204020204" charset="-122"/>
-                <a:ea typeface="微软雅黑" panose="020B0503020204020204" charset="-122"/>
-              </a:rPr>
-              <a:t>Hinton G. Distilling the Knowledge in a Neural Network[J]. arXiv preprint arXiv:1503.02531, 2015.</a:t>
-            </a:r>
-            <a:endParaRPr lang="en-US" altLang="zh-CN" b="1" dirty="0">
-              <a:latin typeface="微软雅黑" panose="020B0503020204020204" charset="-122"/>
-              <a:ea typeface="微软雅黑" panose="020B0503020204020204" charset="-122"/>
-            </a:endParaRPr>
-          </a:p>
-        </p:txBody>
-      </p:sp>
-      <p:sp>
-        <p:nvSpPr>
-          <p:cNvPr id="10" name="文本框 9"/>
-          <p:cNvSpPr txBox="1"/>
-          <p:nvPr/>
-        </p:nvSpPr>
-        <p:spPr>
-          <a:xfrm>
-            <a:off x="286385" y="2426970"/>
-            <a:ext cx="11251565" cy="1423670"/>
-          </a:xfrm>
-          <a:prstGeom prst="rect">
-            <a:avLst/>
-          </a:prstGeom>
-          <a:noFill/>
-        </p:spPr>
-        <p:txBody>
-          <a:bodyPr wrap="square" rtlCol="0">
-            <a:noAutofit/>
-          </a:bodyPr>
-          <a:p>
-            <a:pPr marL="0" lvl="0" indent="457200">
-              <a:buNone/>
-            </a:pPr>
-            <a:r>
-              <a:rPr lang="zh-CN" altLang="en-US" sz="1600" dirty="0">
-                <a:solidFill>
-                  <a:schemeClr val="tx1"/>
-                </a:solidFill>
-                <a:latin typeface="微软雅黑" panose="020B0503020204020204" charset="-122"/>
-                <a:ea typeface="微软雅黑" panose="020B0503020204020204" charset="-122"/>
-              </a:rPr>
-              <a:t>提出知识蒸馏的想法</a:t>
-            </a:r>
-            <a:endParaRPr lang="zh-CN" altLang="en-US" sz="1600" dirty="0">
-              <a:solidFill>
-                <a:schemeClr val="tx1"/>
-              </a:solidFill>
-              <a:latin typeface="微软雅黑" panose="020B0503020204020204" charset="-122"/>
-              <a:ea typeface="微软雅黑" panose="020B0503020204020204" charset="-122"/>
-            </a:endParaRPr>
-          </a:p>
-        </p:txBody>
-      </p:sp>
-    </p:spTree>
-  </p:cSld>
-  <p:clrMapOvr>
-    <a:masterClrMapping/>
-  </p:clrMapOvr>
-</p:sld>
-</file>
-
-<file path=ppt/slides/slide8.xml><?xml version="1.0" encoding="utf-8"?>
 <p:sld xmlns:a="http://schemas.openxmlformats.org/drawingml/2006/main" xmlns:r="http://schemas.openxmlformats.org/officeDocument/2006/relationships" xmlns:p="http://schemas.openxmlformats.org/presentationml/2006/main">
   <p:cSld>
     <p:spTree>
@@ -11648,7 +8212,7 @@
                 <a:ea typeface="微软雅黑" panose="020B0503020204020204" charset="-122"/>
                 <a:sym typeface="+mn-ea"/>
               </a:rPr>
-              <a:t>LLM-Pruner: On the Structural Pruning of Large Language Models</a:t>
+              <a:t>PneumoLLM: Harnessing the power of large language model for pneumoconiosis diagnosis</a:t>
             </a:r>
             <a:endParaRPr lang="en-US" altLang="zh-CN" sz="3600" dirty="0">
               <a:solidFill>
@@ -11657,6 +8221,986 @@
               <a:latin typeface="微软雅黑" panose="020B0503020204020204" charset="-122"/>
               <a:ea typeface="微软雅黑" panose="020B0503020204020204" charset="-122"/>
               <a:sym typeface="+mn-ea"/>
+            </a:endParaRPr>
+          </a:p>
+        </p:txBody>
+      </p:sp>
+    </p:spTree>
+  </p:cSld>
+  <p:clrMapOvr>
+    <a:masterClrMapping/>
+  </p:clrMapOvr>
+</p:sld>
+</file>
+
+<file path=ppt/slides/slide8.xml><?xml version="1.0" encoding="utf-8"?>
+<p:sld xmlns:a="http://schemas.openxmlformats.org/drawingml/2006/main" xmlns:r="http://schemas.openxmlformats.org/officeDocument/2006/relationships" xmlns:p="http://schemas.openxmlformats.org/presentationml/2006/main">
+  <p:cSld>
+    <p:spTree>
+      <p:nvGrpSpPr>
+        <p:cNvPr id="1" name=""/>
+        <p:cNvGrpSpPr/>
+        <p:nvPr/>
+      </p:nvGrpSpPr>
+      <p:grpSpPr>
+        <a:xfrm>
+          <a:off x="0" y="0"/>
+          <a:ext cx="0" cy="0"/>
+          <a:chOff x="0" y="0"/>
+          <a:chExt cx="0" cy="0"/>
+        </a:xfrm>
+      </p:grpSpPr>
+      <p:sp>
+        <p:nvSpPr>
+          <p:cNvPr id="13" name="文本框 12"/>
+          <p:cNvSpPr txBox="1"/>
+          <p:nvPr/>
+        </p:nvSpPr>
+        <p:spPr>
+          <a:xfrm>
+            <a:off x="106466" y="601786"/>
+            <a:ext cx="1033780" cy="398780"/>
+          </a:xfrm>
+          <a:prstGeom prst="rect">
+            <a:avLst/>
+          </a:prstGeom>
+          <a:noFill/>
+        </p:spPr>
+        <p:txBody>
+          <a:bodyPr wrap="none" rtlCol="0">
+            <a:spAutoFit/>
+          </a:bodyPr>
+          <a:lstStyle/>
+          <a:p>
+            <a:pPr marL="342900" indent="-342900">
+              <a:buFont typeface="Wingdings" panose="05000000000000000000" charset="0"/>
+              <a:buChar char="n"/>
+            </a:pPr>
+            <a:r>
+              <a:rPr lang="zh-CN" altLang="en-US" sz="2000" b="1" dirty="0">
+                <a:latin typeface="微软雅黑" panose="020B0503020204020204" charset="-122"/>
+                <a:ea typeface="微软雅黑" panose="020B0503020204020204" charset="-122"/>
+              </a:rPr>
+              <a:t>概述</a:t>
+            </a:r>
+            <a:endParaRPr lang="zh-CN" altLang="en-US" sz="2000" b="1" dirty="0"/>
+          </a:p>
+        </p:txBody>
+      </p:sp>
+      <p:sp>
+        <p:nvSpPr>
+          <p:cNvPr id="7" name="文本框 6"/>
+          <p:cNvSpPr txBox="1"/>
+          <p:nvPr/>
+        </p:nvSpPr>
+        <p:spPr>
+          <a:xfrm>
+            <a:off x="724535" y="1323340"/>
+            <a:ext cx="2247900" cy="410845"/>
+          </a:xfrm>
+          <a:prstGeom prst="rect">
+            <a:avLst/>
+          </a:prstGeom>
+          <a:noFill/>
+        </p:spPr>
+        <p:txBody>
+          <a:bodyPr wrap="square">
+            <a:noAutofit/>
+          </a:bodyPr>
+          <a:lstStyle/>
+          <a:p>
+            <a:pPr algn="l" fontAlgn="auto">
+              <a:lnSpc>
+                <a:spcPts val="2200"/>
+              </a:lnSpc>
+              <a:buClrTx/>
+              <a:buSzTx/>
+              <a:buNone/>
+            </a:pPr>
+            <a:endParaRPr lang="zh-CN" altLang="en-US" sz="1600" dirty="0">
+              <a:latin typeface="微软雅黑" panose="020B0503020204020204" charset="-122"/>
+              <a:ea typeface="微软雅黑" panose="020B0503020204020204" charset="-122"/>
+            </a:endParaRPr>
+          </a:p>
+        </p:txBody>
+      </p:sp>
+      <p:sp>
+        <p:nvSpPr>
+          <p:cNvPr id="3" name="矩形 2"/>
+          <p:cNvSpPr/>
+          <p:nvPr>
+            <p:custDataLst>
+              <p:tags r:id="rId1"/>
+            </p:custDataLst>
+          </p:nvPr>
+        </p:nvSpPr>
+        <p:spPr>
+          <a:xfrm>
+            <a:off x="-6350" y="0"/>
+            <a:ext cx="12198350" cy="540000"/>
+          </a:xfrm>
+          <a:prstGeom prst="rect">
+            <a:avLst/>
+          </a:prstGeom>
+          <a:solidFill>
+            <a:srgbClr val="A099CB"/>
+          </a:solidFill>
+          <a:ln>
+            <a:noFill/>
+          </a:ln>
+        </p:spPr>
+        <p:style>
+          <a:lnRef idx="2">
+            <a:schemeClr val="accent1">
+              <a:shade val="50000"/>
+            </a:schemeClr>
+          </a:lnRef>
+          <a:fillRef idx="1">
+            <a:schemeClr val="accent1"/>
+          </a:fillRef>
+          <a:effectRef idx="0">
+            <a:schemeClr val="accent1"/>
+          </a:effectRef>
+          <a:fontRef idx="minor">
+            <a:schemeClr val="lt1"/>
+          </a:fontRef>
+        </p:style>
+        <p:txBody>
+          <a:bodyPr rtlCol="0" anchor="ctr"/>
+          <a:p>
+            <a:pPr indent="0" algn="ctr">
+              <a:lnSpc>
+                <a:spcPct val="150000"/>
+              </a:lnSpc>
+              <a:buFont typeface="Wingdings" panose="05000000000000000000" charset="0"/>
+              <a:buNone/>
+            </a:pPr>
+            <a:r>
+              <a:rPr lang="en-US" altLang="zh-CN" dirty="0">
+                <a:effectLst/>
+                <a:latin typeface="微软雅黑" panose="020B0503020204020204" charset="-122"/>
+                <a:ea typeface="微软雅黑" panose="020B0503020204020204" charset="-122"/>
+                <a:sym typeface="+mn-ea"/>
+              </a:rPr>
+              <a:t>2.</a:t>
+            </a:r>
+            <a:r>
+              <a:rPr lang="en-US" altLang="zh-CN" dirty="0">
+                <a:effectLst/>
+                <a:latin typeface="微软雅黑" panose="020B0503020204020204" charset="-122"/>
+                <a:ea typeface="微软雅黑" panose="020B0503020204020204" charset="-122"/>
+                <a:sym typeface="+mn-ea"/>
+              </a:rPr>
+              <a:t>PneumoLLM: Harnessing the power of large language model for pneumoconiosis diagnosis</a:t>
+            </a:r>
+            <a:endParaRPr lang="en-US" altLang="zh-CN" dirty="0">
+              <a:effectLst/>
+              <a:latin typeface="微软雅黑" panose="020B0503020204020204" charset="-122"/>
+              <a:ea typeface="微软雅黑" panose="020B0503020204020204" charset="-122"/>
+            </a:endParaRPr>
+          </a:p>
+        </p:txBody>
+      </p:sp>
+      <p:sp>
+        <p:nvSpPr>
+          <p:cNvPr id="5" name="文本框 4"/>
+          <p:cNvSpPr txBox="1"/>
+          <p:nvPr>
+            <p:custDataLst>
+              <p:tags r:id="rId2"/>
+            </p:custDataLst>
+          </p:nvPr>
+        </p:nvSpPr>
+        <p:spPr>
+          <a:xfrm>
+            <a:off x="455295" y="972185"/>
+            <a:ext cx="1725930" cy="506730"/>
+          </a:xfrm>
+          <a:prstGeom prst="rect">
+            <a:avLst/>
+          </a:prstGeom>
+          <a:noFill/>
+        </p:spPr>
+        <p:txBody>
+          <a:bodyPr wrap="square" rtlCol="0">
+            <a:spAutoFit/>
+          </a:bodyPr>
+          <a:p>
+            <a:pPr marL="285750" indent="-285750">
+              <a:lnSpc>
+                <a:spcPct val="150000"/>
+              </a:lnSpc>
+              <a:buFont typeface="Wingdings" panose="05000000000000000000" charset="0"/>
+              <a:buChar char="p"/>
+            </a:pPr>
+            <a:r>
+              <a:rPr lang="zh-CN" altLang="en-US" b="1" dirty="0">
+                <a:latin typeface="微软雅黑" panose="020B0503020204020204" charset="-122"/>
+                <a:ea typeface="微软雅黑" panose="020B0503020204020204" charset="-122"/>
+              </a:rPr>
+              <a:t>任务：</a:t>
+            </a:r>
+            <a:endParaRPr lang="en-US" altLang="zh-CN" b="1" dirty="0">
+              <a:latin typeface="微软雅黑" panose="020B0503020204020204" charset="-122"/>
+              <a:ea typeface="微软雅黑" panose="020B0503020204020204" charset="-122"/>
+            </a:endParaRPr>
+          </a:p>
+        </p:txBody>
+      </p:sp>
+      <p:sp>
+        <p:nvSpPr>
+          <p:cNvPr id="11" name="文本框 10"/>
+          <p:cNvSpPr txBox="1"/>
+          <p:nvPr>
+            <p:custDataLst>
+              <p:tags r:id="rId3"/>
+            </p:custDataLst>
+          </p:nvPr>
+        </p:nvSpPr>
+        <p:spPr>
+          <a:xfrm>
+            <a:off x="455295" y="1849755"/>
+            <a:ext cx="1725930" cy="506730"/>
+          </a:xfrm>
+          <a:prstGeom prst="rect">
+            <a:avLst/>
+          </a:prstGeom>
+          <a:noFill/>
+        </p:spPr>
+        <p:txBody>
+          <a:bodyPr wrap="square" rtlCol="0">
+            <a:spAutoFit/>
+          </a:bodyPr>
+          <a:p>
+            <a:pPr marL="285750" indent="-285750">
+              <a:lnSpc>
+                <a:spcPct val="150000"/>
+              </a:lnSpc>
+              <a:buFont typeface="Wingdings" panose="05000000000000000000" charset="0"/>
+              <a:buChar char="p"/>
+            </a:pPr>
+            <a:r>
+              <a:rPr lang="zh-CN" altLang="en-US" b="1" dirty="0">
+                <a:latin typeface="微软雅黑" panose="020B0503020204020204" charset="-122"/>
+                <a:ea typeface="微软雅黑" panose="020B0503020204020204" charset="-122"/>
+              </a:rPr>
+              <a:t>动机：</a:t>
+            </a:r>
+            <a:endParaRPr lang="en-US" altLang="zh-CN" b="1" dirty="0">
+              <a:latin typeface="微软雅黑" panose="020B0503020204020204" charset="-122"/>
+              <a:ea typeface="微软雅黑" panose="020B0503020204020204" charset="-122"/>
+            </a:endParaRPr>
+          </a:p>
+        </p:txBody>
+      </p:sp>
+      <p:sp>
+        <p:nvSpPr>
+          <p:cNvPr id="4" name="文本框 3"/>
+          <p:cNvSpPr txBox="1"/>
+          <p:nvPr>
+            <p:custDataLst>
+              <p:tags r:id="rId4"/>
+            </p:custDataLst>
+          </p:nvPr>
+        </p:nvSpPr>
+        <p:spPr>
+          <a:xfrm>
+            <a:off x="455295" y="3140075"/>
+            <a:ext cx="1725930" cy="506730"/>
+          </a:xfrm>
+          <a:prstGeom prst="rect">
+            <a:avLst/>
+          </a:prstGeom>
+          <a:noFill/>
+        </p:spPr>
+        <p:txBody>
+          <a:bodyPr wrap="square" rtlCol="0">
+            <a:spAutoFit/>
+          </a:bodyPr>
+          <a:p>
+            <a:pPr marL="285750" indent="-285750">
+              <a:lnSpc>
+                <a:spcPct val="150000"/>
+              </a:lnSpc>
+              <a:buFont typeface="Wingdings" panose="05000000000000000000" charset="0"/>
+              <a:buChar char="p"/>
+            </a:pPr>
+            <a:r>
+              <a:rPr lang="zh-CN" altLang="en-US" b="1" dirty="0">
+                <a:latin typeface="微软雅黑" panose="020B0503020204020204" charset="-122"/>
+                <a:ea typeface="微软雅黑" panose="020B0503020204020204" charset="-122"/>
+              </a:rPr>
+              <a:t>整体</a:t>
+            </a:r>
+            <a:r>
+              <a:rPr lang="zh-CN" altLang="en-US" b="1" dirty="0">
+                <a:latin typeface="微软雅黑" panose="020B0503020204020204" charset="-122"/>
+                <a:ea typeface="微软雅黑" panose="020B0503020204020204" charset="-122"/>
+              </a:rPr>
+              <a:t>思路：</a:t>
+            </a:r>
+            <a:endParaRPr lang="en-US" altLang="zh-CN" b="1" dirty="0">
+              <a:latin typeface="微软雅黑" panose="020B0503020204020204" charset="-122"/>
+              <a:ea typeface="微软雅黑" panose="020B0503020204020204" charset="-122"/>
+            </a:endParaRPr>
+          </a:p>
+        </p:txBody>
+      </p:sp>
+      <p:sp>
+        <p:nvSpPr>
+          <p:cNvPr id="6" name="文本框 5"/>
+          <p:cNvSpPr txBox="1"/>
+          <p:nvPr>
+            <p:custDataLst>
+              <p:tags r:id="rId5"/>
+            </p:custDataLst>
+          </p:nvPr>
+        </p:nvSpPr>
+        <p:spPr>
+          <a:xfrm>
+            <a:off x="455295" y="5414010"/>
+            <a:ext cx="1725930" cy="506730"/>
+          </a:xfrm>
+          <a:prstGeom prst="rect">
+            <a:avLst/>
+          </a:prstGeom>
+          <a:noFill/>
+        </p:spPr>
+        <p:txBody>
+          <a:bodyPr wrap="square" rtlCol="0">
+            <a:spAutoFit/>
+          </a:bodyPr>
+          <a:p>
+            <a:pPr marL="285750" indent="-285750">
+              <a:lnSpc>
+                <a:spcPct val="150000"/>
+              </a:lnSpc>
+              <a:buFont typeface="Wingdings" panose="05000000000000000000" charset="0"/>
+              <a:buChar char="p"/>
+            </a:pPr>
+            <a:r>
+              <a:rPr lang="zh-CN" altLang="en-US" b="1" dirty="0">
+                <a:latin typeface="微软雅黑" panose="020B0503020204020204" charset="-122"/>
+                <a:ea typeface="微软雅黑" panose="020B0503020204020204" charset="-122"/>
+              </a:rPr>
+              <a:t>贡献：</a:t>
+            </a:r>
+            <a:endParaRPr lang="en-US" altLang="zh-CN" b="1" dirty="0">
+              <a:latin typeface="微软雅黑" panose="020B0503020204020204" charset="-122"/>
+              <a:ea typeface="微软雅黑" panose="020B0503020204020204" charset="-122"/>
+            </a:endParaRPr>
+          </a:p>
+        </p:txBody>
+      </p:sp>
+      <p:sp>
+        <p:nvSpPr>
+          <p:cNvPr id="14" name="文本框 13"/>
+          <p:cNvSpPr txBox="1"/>
+          <p:nvPr/>
+        </p:nvSpPr>
+        <p:spPr>
+          <a:xfrm>
+            <a:off x="106680" y="6453505"/>
+            <a:ext cx="12229465" cy="275590"/>
+          </a:xfrm>
+          <a:prstGeom prst="rect">
+            <a:avLst/>
+          </a:prstGeom>
+        </p:spPr>
+        <p:txBody>
+          <a:bodyPr wrap="square">
+            <a:spAutoFit/>
+          </a:bodyPr>
+          <a:p>
+            <a:pPr marL="0" indent="0" algn="l"/>
+            <a:r>
+              <a:rPr lang="en-US" altLang="zh-CN" sz="1200" b="0" i="0">
+                <a:solidFill>
+                  <a:srgbClr val="333333"/>
+                </a:solidFill>
+                <a:latin typeface="Arial" panose="020B0604020202020204"/>
+                <a:ea typeface="Arial" panose="020B0604020202020204"/>
+              </a:rPr>
+              <a:t>Song M, Wang J, Yu Z, et al. PneumoLLM: Harnessing the power of large language model for pneumoconiosis diagnosis[J]. Medical Image Analysis, 2024: 103248.</a:t>
+            </a:r>
+            <a:endParaRPr lang="en-US" altLang="zh-CN" sz="1200" b="0" i="0">
+              <a:solidFill>
+                <a:srgbClr val="333333"/>
+              </a:solidFill>
+              <a:latin typeface="Arial" panose="020B0604020202020204"/>
+              <a:ea typeface="Arial" panose="020B0604020202020204"/>
+            </a:endParaRPr>
+          </a:p>
+        </p:txBody>
+      </p:sp>
+      <p:sp>
+        <p:nvSpPr>
+          <p:cNvPr id="15" name="文本框 14"/>
+          <p:cNvSpPr txBox="1"/>
+          <p:nvPr/>
+        </p:nvSpPr>
+        <p:spPr>
+          <a:xfrm>
+            <a:off x="286385" y="1457325"/>
+            <a:ext cx="8058150" cy="444500"/>
+          </a:xfrm>
+          <a:prstGeom prst="rect">
+            <a:avLst/>
+          </a:prstGeom>
+          <a:noFill/>
+        </p:spPr>
+        <p:txBody>
+          <a:bodyPr wrap="square" rtlCol="0">
+            <a:noAutofit/>
+          </a:bodyPr>
+          <a:p>
+            <a:pPr indent="457200"/>
+            <a:r>
+              <a:rPr lang="zh-CN" altLang="zh-CN" sz="1600" dirty="0">
+                <a:solidFill>
+                  <a:schemeClr val="tx1"/>
+                </a:solidFill>
+                <a:latin typeface="微软雅黑" panose="020B0503020204020204" charset="-122"/>
+                <a:ea typeface="微软雅黑" panose="020B0503020204020204" charset="-122"/>
+              </a:rPr>
+              <a:t>结合基础医疗</a:t>
+            </a:r>
+            <a:r>
+              <a:rPr lang="en-US" altLang="zh-CN" sz="1600" dirty="0">
+                <a:solidFill>
+                  <a:schemeClr val="tx1"/>
+                </a:solidFill>
+                <a:latin typeface="微软雅黑" panose="020B0503020204020204" charset="-122"/>
+                <a:ea typeface="微软雅黑" panose="020B0503020204020204" charset="-122"/>
+              </a:rPr>
+              <a:t>LLM</a:t>
+            </a:r>
+            <a:r>
+              <a:rPr lang="zh-CN" altLang="en-US" sz="1600" dirty="0">
+                <a:solidFill>
+                  <a:schemeClr val="tx1"/>
+                </a:solidFill>
+                <a:latin typeface="微软雅黑" panose="020B0503020204020204" charset="-122"/>
+                <a:ea typeface="微软雅黑" panose="020B0503020204020204" charset="-122"/>
+              </a:rPr>
+              <a:t>实现尘肺病的二分类</a:t>
+            </a:r>
+            <a:endParaRPr lang="en-US" altLang="zh-CN" sz="1600" dirty="0">
+              <a:solidFill>
+                <a:schemeClr val="tx1"/>
+              </a:solidFill>
+              <a:latin typeface="微软雅黑" panose="020B0503020204020204" charset="-122"/>
+              <a:ea typeface="微软雅黑" panose="020B0503020204020204" charset="-122"/>
+            </a:endParaRPr>
+          </a:p>
+          <a:p>
+            <a:pPr marL="0" lvl="0" indent="457200">
+              <a:buNone/>
+            </a:pPr>
+            <a:endParaRPr lang="en-US" altLang="zh-CN" sz="1600" dirty="0">
+              <a:solidFill>
+                <a:schemeClr val="tx1"/>
+              </a:solidFill>
+              <a:latin typeface="微软雅黑" panose="020B0503020204020204" charset="-122"/>
+              <a:ea typeface="微软雅黑" panose="020B0503020204020204" charset="-122"/>
+            </a:endParaRPr>
+          </a:p>
+          <a:p>
+            <a:pPr marL="0" lvl="0" indent="457200">
+              <a:buNone/>
+            </a:pPr>
+            <a:endParaRPr lang="zh-CN" altLang="en-US" sz="1600" dirty="0">
+              <a:solidFill>
+                <a:schemeClr val="tx1"/>
+              </a:solidFill>
+              <a:latin typeface="微软雅黑" panose="020B0503020204020204" charset="-122"/>
+              <a:ea typeface="微软雅黑" panose="020B0503020204020204" charset="-122"/>
+            </a:endParaRPr>
+          </a:p>
+        </p:txBody>
+      </p:sp>
+      <p:sp>
+        <p:nvSpPr>
+          <p:cNvPr id="2" name="文本框 1"/>
+          <p:cNvSpPr txBox="1"/>
+          <p:nvPr/>
+        </p:nvSpPr>
+        <p:spPr>
+          <a:xfrm>
+            <a:off x="286385" y="2472055"/>
+            <a:ext cx="5688965" cy="444500"/>
+          </a:xfrm>
+          <a:prstGeom prst="rect">
+            <a:avLst/>
+          </a:prstGeom>
+          <a:noFill/>
+        </p:spPr>
+        <p:txBody>
+          <a:bodyPr wrap="square" rtlCol="0">
+            <a:noAutofit/>
+          </a:bodyPr>
+          <a:p>
+            <a:pPr indent="457200"/>
+            <a:r>
+              <a:rPr lang="zh-CN" altLang="en-US" sz="1600" dirty="0">
+                <a:solidFill>
+                  <a:schemeClr val="tx1"/>
+                </a:solidFill>
+                <a:latin typeface="微软雅黑" panose="020B0503020204020204" charset="-122"/>
+                <a:ea typeface="微软雅黑" panose="020B0503020204020204" charset="-122"/>
+              </a:rPr>
+              <a:t>尘肺病数据量少，临床数据不足。希望借用大模型的丰富基础知识缓解这个数据短缺问题</a:t>
+            </a:r>
+            <a:endParaRPr lang="en-US" altLang="zh-CN" sz="1600" dirty="0">
+              <a:solidFill>
+                <a:schemeClr val="tx1"/>
+              </a:solidFill>
+              <a:latin typeface="微软雅黑" panose="020B0503020204020204" charset="-122"/>
+              <a:ea typeface="微软雅黑" panose="020B0503020204020204" charset="-122"/>
+            </a:endParaRPr>
+          </a:p>
+          <a:p>
+            <a:pPr marL="0" lvl="0" indent="457200">
+              <a:buNone/>
+            </a:pPr>
+            <a:endParaRPr lang="en-US" altLang="zh-CN" sz="1600" dirty="0">
+              <a:solidFill>
+                <a:schemeClr val="tx1"/>
+              </a:solidFill>
+              <a:latin typeface="微软雅黑" panose="020B0503020204020204" charset="-122"/>
+              <a:ea typeface="微软雅黑" panose="020B0503020204020204" charset="-122"/>
+            </a:endParaRPr>
+          </a:p>
+          <a:p>
+            <a:pPr marL="0" lvl="0" indent="457200">
+              <a:buNone/>
+            </a:pPr>
+            <a:endParaRPr lang="en-US" altLang="zh-CN" sz="1600" dirty="0">
+              <a:solidFill>
+                <a:schemeClr val="tx1"/>
+              </a:solidFill>
+              <a:latin typeface="微软雅黑" panose="020B0503020204020204" charset="-122"/>
+              <a:ea typeface="微软雅黑" panose="020B0503020204020204" charset="-122"/>
+            </a:endParaRPr>
+          </a:p>
+          <a:p>
+            <a:pPr marL="0" lvl="0" indent="457200">
+              <a:buNone/>
+            </a:pPr>
+            <a:endParaRPr lang="en-US" altLang="zh-CN" sz="1600" dirty="0">
+              <a:solidFill>
+                <a:schemeClr val="tx1"/>
+              </a:solidFill>
+              <a:latin typeface="微软雅黑" panose="020B0503020204020204" charset="-122"/>
+              <a:ea typeface="微软雅黑" panose="020B0503020204020204" charset="-122"/>
+            </a:endParaRPr>
+          </a:p>
+          <a:p>
+            <a:pPr marL="0" lvl="0" indent="457200">
+              <a:buNone/>
+            </a:pPr>
+            <a:r>
+              <a:rPr lang="en-US" altLang="zh-CN" sz="1600" dirty="0">
+                <a:solidFill>
+                  <a:schemeClr val="tx1"/>
+                </a:solidFill>
+                <a:latin typeface="微软雅黑" panose="020B0503020204020204" charset="-122"/>
+                <a:ea typeface="微软雅黑" panose="020B0503020204020204" charset="-122"/>
+              </a:rPr>
+              <a:t>1.  </a:t>
+            </a:r>
+            <a:r>
+              <a:rPr lang="zh-CN" altLang="en-US" sz="1600" dirty="0">
+                <a:solidFill>
+                  <a:schemeClr val="tx1"/>
+                </a:solidFill>
+                <a:latin typeface="微软雅黑" panose="020B0503020204020204" charset="-122"/>
+                <a:ea typeface="微软雅黑" panose="020B0503020204020204" charset="-122"/>
+              </a:rPr>
+              <a:t>上下文多</a:t>
+            </a:r>
+            <a:r>
+              <a:rPr lang="en-US" altLang="zh-CN" sz="1600" dirty="0">
+                <a:solidFill>
+                  <a:schemeClr val="tx1"/>
+                </a:solidFill>
+                <a:latin typeface="微软雅黑" panose="020B0503020204020204" charset="-122"/>
+                <a:ea typeface="微软雅黑" panose="020B0503020204020204" charset="-122"/>
+              </a:rPr>
+              <a:t>token</a:t>
+            </a:r>
+            <a:r>
+              <a:rPr lang="zh-CN" altLang="en-US" sz="1600" dirty="0">
+                <a:solidFill>
+                  <a:schemeClr val="tx1"/>
+                </a:solidFill>
+                <a:latin typeface="微软雅黑" panose="020B0503020204020204" charset="-122"/>
+                <a:ea typeface="微软雅黑" panose="020B0503020204020204" charset="-122"/>
+              </a:rPr>
+              <a:t>生成根据原</a:t>
+            </a:r>
+            <a:r>
+              <a:rPr lang="en-US" altLang="zh-CN" sz="1600" dirty="0">
+                <a:solidFill>
+                  <a:schemeClr val="tx1"/>
+                </a:solidFill>
+                <a:latin typeface="微软雅黑" panose="020B0503020204020204" charset="-122"/>
+                <a:ea typeface="微软雅黑" panose="020B0503020204020204" charset="-122"/>
+              </a:rPr>
+              <a:t>token</a:t>
+            </a:r>
+            <a:r>
+              <a:rPr lang="zh-CN" altLang="en-US" sz="1600" dirty="0">
+                <a:solidFill>
+                  <a:schemeClr val="tx1"/>
+                </a:solidFill>
+                <a:latin typeface="微软雅黑" panose="020B0503020204020204" charset="-122"/>
+                <a:ea typeface="微软雅黑" panose="020B0503020204020204" charset="-122"/>
+              </a:rPr>
+              <a:t>生成诊断</a:t>
+            </a:r>
+            <a:r>
+              <a:rPr lang="en-US" altLang="zh-CN" sz="1600" dirty="0">
+                <a:solidFill>
+                  <a:schemeClr val="tx1"/>
+                </a:solidFill>
+                <a:latin typeface="微软雅黑" panose="020B0503020204020204" charset="-122"/>
+                <a:ea typeface="微软雅黑" panose="020B0503020204020204" charset="-122"/>
+              </a:rPr>
+              <a:t>token</a:t>
+            </a:r>
+            <a:endParaRPr lang="en-US" altLang="zh-CN" sz="1600" dirty="0">
+              <a:solidFill>
+                <a:schemeClr val="tx1"/>
+              </a:solidFill>
+              <a:latin typeface="微软雅黑" panose="020B0503020204020204" charset="-122"/>
+              <a:ea typeface="微软雅黑" panose="020B0503020204020204" charset="-122"/>
+            </a:endParaRPr>
+          </a:p>
+          <a:p>
+            <a:pPr marL="0" lvl="0" indent="457200">
+              <a:buNone/>
+            </a:pPr>
+            <a:r>
+              <a:rPr lang="en-US" altLang="zh-CN" sz="1600" dirty="0">
+                <a:solidFill>
+                  <a:schemeClr val="tx1"/>
+                </a:solidFill>
+                <a:latin typeface="微软雅黑" panose="020B0503020204020204" charset="-122"/>
+                <a:ea typeface="微软雅黑" panose="020B0503020204020204" charset="-122"/>
+              </a:rPr>
+              <a:t>2.  </a:t>
+            </a:r>
+            <a:r>
+              <a:rPr lang="zh-CN" altLang="en-US" sz="1600" dirty="0">
+                <a:solidFill>
+                  <a:schemeClr val="tx1"/>
+                </a:solidFill>
+                <a:latin typeface="微软雅黑" panose="020B0503020204020204" charset="-122"/>
+                <a:ea typeface="微软雅黑" panose="020B0503020204020204" charset="-122"/>
+              </a:rPr>
+              <a:t>诊断</a:t>
+            </a:r>
+            <a:r>
+              <a:rPr lang="en-US" altLang="zh-CN" sz="1600" dirty="0">
+                <a:solidFill>
+                  <a:schemeClr val="tx1"/>
+                </a:solidFill>
+                <a:latin typeface="微软雅黑" panose="020B0503020204020204" charset="-122"/>
+                <a:ea typeface="微软雅黑" panose="020B0503020204020204" charset="-122"/>
+              </a:rPr>
+              <a:t>token</a:t>
+            </a:r>
+            <a:r>
+              <a:rPr lang="zh-CN" altLang="en-US" sz="1600" dirty="0">
+                <a:solidFill>
+                  <a:schemeClr val="tx1"/>
+                </a:solidFill>
+                <a:latin typeface="微软雅黑" panose="020B0503020204020204" charset="-122"/>
+                <a:ea typeface="微软雅黑" panose="020B0503020204020204" charset="-122"/>
+              </a:rPr>
+              <a:t>和原</a:t>
+            </a:r>
+            <a:r>
+              <a:rPr lang="en-US" altLang="zh-CN" sz="1600" dirty="0">
+                <a:solidFill>
+                  <a:schemeClr val="tx1"/>
+                </a:solidFill>
+                <a:latin typeface="微软雅黑" panose="020B0503020204020204" charset="-122"/>
+                <a:ea typeface="微软雅黑" panose="020B0503020204020204" charset="-122"/>
+              </a:rPr>
+              <a:t>token</a:t>
+            </a:r>
+            <a:r>
+              <a:rPr lang="zh-CN" altLang="en-US" sz="1600" dirty="0">
+                <a:solidFill>
+                  <a:schemeClr val="tx1"/>
+                </a:solidFill>
+                <a:latin typeface="微软雅黑" panose="020B0503020204020204" charset="-122"/>
+                <a:ea typeface="微软雅黑" panose="020B0503020204020204" charset="-122"/>
+              </a:rPr>
+              <a:t>在经过</a:t>
+            </a:r>
+            <a:r>
+              <a:rPr lang="en-US" altLang="zh-CN" sz="1600" dirty="0">
+                <a:solidFill>
+                  <a:schemeClr val="tx1"/>
+                </a:solidFill>
+                <a:latin typeface="微软雅黑" panose="020B0503020204020204" charset="-122"/>
+                <a:ea typeface="微软雅黑" panose="020B0503020204020204" charset="-122"/>
+              </a:rPr>
+              <a:t>LLM</a:t>
+            </a:r>
+            <a:r>
+              <a:rPr lang="zh-CN" altLang="en-US" sz="1600" dirty="0">
+                <a:solidFill>
+                  <a:schemeClr val="tx1"/>
+                </a:solidFill>
+                <a:latin typeface="微软雅黑" panose="020B0503020204020204" charset="-122"/>
+                <a:ea typeface="微软雅黑" panose="020B0503020204020204" charset="-122"/>
+              </a:rPr>
+              <a:t>的</a:t>
+            </a:r>
+            <a:r>
+              <a:rPr lang="en-US" altLang="zh-CN" sz="1600" dirty="0">
+                <a:solidFill>
+                  <a:schemeClr val="tx1"/>
+                </a:solidFill>
+                <a:latin typeface="微软雅黑" panose="020B0503020204020204" charset="-122"/>
+                <a:ea typeface="微软雅黑" panose="020B0503020204020204" charset="-122"/>
+              </a:rPr>
+              <a:t>Transformer</a:t>
+            </a:r>
+            <a:r>
+              <a:rPr lang="zh-CN" altLang="en-US" sz="1600" dirty="0">
+                <a:solidFill>
+                  <a:schemeClr val="tx1"/>
+                </a:solidFill>
+                <a:latin typeface="微软雅黑" panose="020B0503020204020204" charset="-122"/>
+                <a:ea typeface="微软雅黑" panose="020B0503020204020204" charset="-122"/>
+              </a:rPr>
+              <a:t>层中设置的原</a:t>
+            </a:r>
+            <a:r>
+              <a:rPr lang="en-US" altLang="zh-CN" sz="1600" dirty="0">
+                <a:solidFill>
+                  <a:schemeClr val="tx1"/>
+                </a:solidFill>
+                <a:latin typeface="微软雅黑" panose="020B0503020204020204" charset="-122"/>
+                <a:ea typeface="微软雅黑" panose="020B0503020204020204" charset="-122"/>
+              </a:rPr>
+              <a:t>token</a:t>
+            </a:r>
+            <a:r>
+              <a:rPr lang="zh-CN" altLang="en-US" sz="1600" dirty="0">
+                <a:solidFill>
+                  <a:schemeClr val="tx1"/>
+                </a:solidFill>
+                <a:latin typeface="微软雅黑" panose="020B0503020204020204" charset="-122"/>
+                <a:ea typeface="微软雅黑" panose="020B0503020204020204" charset="-122"/>
+              </a:rPr>
+              <a:t>到诊断</a:t>
+            </a:r>
+            <a:r>
+              <a:rPr lang="en-US" altLang="zh-CN" sz="1600" dirty="0">
+                <a:solidFill>
+                  <a:schemeClr val="tx1"/>
+                </a:solidFill>
+                <a:latin typeface="微软雅黑" panose="020B0503020204020204" charset="-122"/>
+                <a:ea typeface="微软雅黑" panose="020B0503020204020204" charset="-122"/>
+              </a:rPr>
+              <a:t>token</a:t>
+            </a:r>
+            <a:r>
+              <a:rPr lang="zh-CN" altLang="en-US" sz="1600" dirty="0">
+                <a:solidFill>
+                  <a:schemeClr val="tx1"/>
+                </a:solidFill>
+                <a:latin typeface="微软雅黑" panose="020B0503020204020204" charset="-122"/>
+                <a:ea typeface="微软雅黑" panose="020B0503020204020204" charset="-122"/>
+              </a:rPr>
+              <a:t>的信息发射模块后获取</a:t>
+            </a:r>
+            <a:r>
+              <a:rPr lang="en-US" altLang="zh-CN" sz="1600" dirty="0">
+                <a:solidFill>
+                  <a:schemeClr val="tx1"/>
+                </a:solidFill>
+                <a:latin typeface="微软雅黑" panose="020B0503020204020204" charset="-122"/>
+                <a:ea typeface="微软雅黑" panose="020B0503020204020204" charset="-122"/>
+              </a:rPr>
+              <a:t>LLM</a:t>
+            </a:r>
+            <a:r>
+              <a:rPr lang="zh-CN" altLang="en-US" sz="1600" dirty="0">
+                <a:solidFill>
+                  <a:schemeClr val="tx1"/>
+                </a:solidFill>
+                <a:latin typeface="微软雅黑" panose="020B0503020204020204" charset="-122"/>
+                <a:ea typeface="微软雅黑" panose="020B0503020204020204" charset="-122"/>
+              </a:rPr>
+              <a:t>的基础知识信息</a:t>
+            </a:r>
+            <a:endParaRPr lang="zh-CN" altLang="en-US" sz="1600" dirty="0">
+              <a:solidFill>
+                <a:schemeClr val="tx1"/>
+              </a:solidFill>
+              <a:latin typeface="微软雅黑" panose="020B0503020204020204" charset="-122"/>
+              <a:ea typeface="微软雅黑" panose="020B0503020204020204" charset="-122"/>
+            </a:endParaRPr>
+          </a:p>
+          <a:p>
+            <a:pPr marL="0" lvl="0" indent="457200">
+              <a:buNone/>
+            </a:pPr>
+            <a:r>
+              <a:rPr lang="en-US" altLang="zh-CN" sz="1600" dirty="0">
+                <a:solidFill>
+                  <a:schemeClr val="tx1"/>
+                </a:solidFill>
+                <a:latin typeface="微软雅黑" panose="020B0503020204020204" charset="-122"/>
+                <a:ea typeface="微软雅黑" panose="020B0503020204020204" charset="-122"/>
+              </a:rPr>
+              <a:t>3.  </a:t>
+            </a:r>
+            <a:r>
+              <a:rPr lang="zh-CN" altLang="en-US" sz="1600" dirty="0">
+                <a:solidFill>
+                  <a:schemeClr val="tx1"/>
+                </a:solidFill>
+                <a:latin typeface="微软雅黑" panose="020B0503020204020204" charset="-122"/>
+                <a:ea typeface="微软雅黑" panose="020B0503020204020204" charset="-122"/>
+              </a:rPr>
+              <a:t>最后进行二分类</a:t>
+            </a:r>
+            <a:endParaRPr lang="en-US" altLang="zh-CN" sz="1600" dirty="0">
+              <a:solidFill>
+                <a:schemeClr val="tx1"/>
+              </a:solidFill>
+              <a:latin typeface="微软雅黑" panose="020B0503020204020204" charset="-122"/>
+              <a:ea typeface="微软雅黑" panose="020B0503020204020204" charset="-122"/>
+            </a:endParaRPr>
+          </a:p>
+          <a:p>
+            <a:pPr marL="0" lvl="0" indent="457200">
+              <a:buNone/>
+            </a:pPr>
+            <a:endParaRPr lang="zh-CN" altLang="en-US" sz="1600" dirty="0">
+              <a:solidFill>
+                <a:schemeClr val="tx1"/>
+              </a:solidFill>
+              <a:latin typeface="微软雅黑" panose="020B0503020204020204" charset="-122"/>
+              <a:ea typeface="微软雅黑" panose="020B0503020204020204" charset="-122"/>
+            </a:endParaRPr>
+          </a:p>
+        </p:txBody>
+      </p:sp>
+      <p:pic>
+        <p:nvPicPr>
+          <p:cNvPr id="10" name="图片 9"/>
+          <p:cNvPicPr>
+            <a:picLocks noChangeAspect="1"/>
+          </p:cNvPicPr>
+          <p:nvPr/>
+        </p:nvPicPr>
+        <p:blipFill>
+          <a:blip r:embed="rId6"/>
+          <a:stretch>
+            <a:fillRect/>
+          </a:stretch>
+        </p:blipFill>
+        <p:spPr>
+          <a:xfrm>
+            <a:off x="5975985" y="1644650"/>
+            <a:ext cx="6214745" cy="3043555"/>
+          </a:xfrm>
+          <a:prstGeom prst="rect">
+            <a:avLst/>
+          </a:prstGeom>
+        </p:spPr>
+      </p:pic>
+      <p:sp>
+        <p:nvSpPr>
+          <p:cNvPr id="12" name="文本框 11"/>
+          <p:cNvSpPr txBox="1"/>
+          <p:nvPr/>
+        </p:nvSpPr>
+        <p:spPr>
+          <a:xfrm>
+            <a:off x="286385" y="5920740"/>
+            <a:ext cx="8058150" cy="444500"/>
+          </a:xfrm>
+          <a:prstGeom prst="rect">
+            <a:avLst/>
+          </a:prstGeom>
+          <a:noFill/>
+        </p:spPr>
+        <p:txBody>
+          <a:bodyPr wrap="square" rtlCol="0">
+            <a:noAutofit/>
+          </a:bodyPr>
+          <a:p>
+            <a:pPr indent="457200"/>
+            <a:r>
+              <a:rPr lang="zh-CN" altLang="en-US" sz="1600" dirty="0">
+                <a:solidFill>
+                  <a:schemeClr val="tx1"/>
+                </a:solidFill>
+                <a:latin typeface="微软雅黑" panose="020B0503020204020204" charset="-122"/>
+                <a:ea typeface="微软雅黑" panose="020B0503020204020204" charset="-122"/>
+              </a:rPr>
+              <a:t>设计了一个快捷提取</a:t>
+            </a:r>
+            <a:r>
+              <a:rPr lang="en-US" altLang="zh-CN" sz="1600" dirty="0">
+                <a:solidFill>
+                  <a:schemeClr val="tx1"/>
+                </a:solidFill>
+                <a:latin typeface="微软雅黑" panose="020B0503020204020204" charset="-122"/>
+                <a:ea typeface="微软雅黑" panose="020B0503020204020204" charset="-122"/>
+              </a:rPr>
+              <a:t>LLM</a:t>
+            </a:r>
+            <a:r>
+              <a:rPr lang="zh-CN" altLang="en-US" sz="1600" dirty="0">
+                <a:solidFill>
+                  <a:schemeClr val="tx1"/>
+                </a:solidFill>
+                <a:latin typeface="微软雅黑" panose="020B0503020204020204" charset="-122"/>
+                <a:ea typeface="微软雅黑" panose="020B0503020204020204" charset="-122"/>
+              </a:rPr>
+              <a:t>基础知识的方式，就是没开源</a:t>
+            </a:r>
+            <a:endParaRPr lang="en-US" altLang="zh-CN" sz="1600" dirty="0">
+              <a:solidFill>
+                <a:schemeClr val="tx1"/>
+              </a:solidFill>
+              <a:latin typeface="微软雅黑" panose="020B0503020204020204" charset="-122"/>
+              <a:ea typeface="微软雅黑" panose="020B0503020204020204" charset="-122"/>
+            </a:endParaRPr>
+          </a:p>
+          <a:p>
+            <a:pPr marL="0" lvl="0" indent="457200">
+              <a:buNone/>
+            </a:pPr>
+            <a:endParaRPr lang="en-US" altLang="zh-CN" sz="1600" dirty="0">
+              <a:solidFill>
+                <a:schemeClr val="tx1"/>
+              </a:solidFill>
+              <a:latin typeface="微软雅黑" panose="020B0503020204020204" charset="-122"/>
+              <a:ea typeface="微软雅黑" panose="020B0503020204020204" charset="-122"/>
+            </a:endParaRPr>
+          </a:p>
+          <a:p>
+            <a:pPr marL="0" lvl="0" indent="457200">
+              <a:buNone/>
+            </a:pPr>
+            <a:endParaRPr lang="zh-CN" altLang="en-US" sz="1600" dirty="0">
+              <a:solidFill>
+                <a:schemeClr val="tx1"/>
+              </a:solidFill>
+              <a:latin typeface="微软雅黑" panose="020B0503020204020204" charset="-122"/>
+              <a:ea typeface="微软雅黑" panose="020B0503020204020204" charset="-122"/>
             </a:endParaRPr>
           </a:p>
         </p:txBody>
@@ -11686,937 +9230,199 @@
           <a:chExt cx="0" cy="0"/>
         </a:xfrm>
       </p:grpSpPr>
-      <p:sp>
-        <p:nvSpPr>
-          <p:cNvPr id="13" name="文本框 12"/>
-          <p:cNvSpPr txBox="1"/>
-          <p:nvPr/>
-        </p:nvSpPr>
-        <p:spPr>
-          <a:xfrm>
-            <a:off x="106466" y="601786"/>
-            <a:ext cx="1033780" cy="398780"/>
-          </a:xfrm>
-          <a:prstGeom prst="rect">
-            <a:avLst/>
-          </a:prstGeom>
-          <a:noFill/>
-        </p:spPr>
-        <p:txBody>
-          <a:bodyPr wrap="none" rtlCol="0">
-            <a:spAutoFit/>
-          </a:bodyPr>
-          <a:lstStyle/>
-          <a:p>
-            <a:pPr marL="342900" indent="-342900">
-              <a:buFont typeface="Wingdings" panose="05000000000000000000" charset="0"/>
-              <a:buChar char="n"/>
-            </a:pPr>
-            <a:r>
-              <a:rPr lang="zh-CN" altLang="en-US" sz="2000" b="1" dirty="0">
-                <a:latin typeface="微软雅黑" panose="020B0503020204020204" charset="-122"/>
-                <a:ea typeface="微软雅黑" panose="020B0503020204020204" charset="-122"/>
-              </a:rPr>
-              <a:t>概述</a:t>
-            </a:r>
-            <a:endParaRPr lang="zh-CN" altLang="en-US" sz="2000" b="1" dirty="0"/>
-          </a:p>
-        </p:txBody>
-      </p:sp>
-      <p:sp>
-        <p:nvSpPr>
-          <p:cNvPr id="7" name="文本框 6"/>
-          <p:cNvSpPr txBox="1"/>
-          <p:nvPr/>
-        </p:nvSpPr>
-        <p:spPr>
-          <a:xfrm>
-            <a:off x="724535" y="1323340"/>
-            <a:ext cx="2247900" cy="410845"/>
-          </a:xfrm>
-          <a:prstGeom prst="rect">
-            <a:avLst/>
-          </a:prstGeom>
-          <a:noFill/>
-        </p:spPr>
-        <p:txBody>
-          <a:bodyPr wrap="square">
-            <a:noAutofit/>
-          </a:bodyPr>
-          <a:lstStyle/>
-          <a:p>
-            <a:pPr algn="l" fontAlgn="auto">
-              <a:lnSpc>
-                <a:spcPts val="2200"/>
-              </a:lnSpc>
-              <a:buClrTx/>
-              <a:buSzTx/>
-              <a:buNone/>
-            </a:pPr>
-            <a:endParaRPr lang="zh-CN" altLang="en-US" sz="1600" dirty="0">
-              <a:latin typeface="微软雅黑" panose="020B0503020204020204" charset="-122"/>
-              <a:ea typeface="微软雅黑" panose="020B0503020204020204" charset="-122"/>
-            </a:endParaRPr>
-          </a:p>
-        </p:txBody>
-      </p:sp>
-      <p:sp>
-        <p:nvSpPr>
-          <p:cNvPr id="3" name="矩形 2"/>
-          <p:cNvSpPr/>
-          <p:nvPr>
-            <p:custDataLst>
-              <p:tags r:id="rId1"/>
-            </p:custDataLst>
-          </p:nvPr>
-        </p:nvSpPr>
-        <p:spPr>
-          <a:xfrm>
-            <a:off x="-6350" y="0"/>
-            <a:ext cx="12198350" cy="540000"/>
-          </a:xfrm>
-          <a:prstGeom prst="rect">
-            <a:avLst/>
-          </a:prstGeom>
-          <a:solidFill>
-            <a:srgbClr val="A099CB"/>
-          </a:solidFill>
-          <a:ln>
-            <a:noFill/>
-          </a:ln>
-        </p:spPr>
-        <p:style>
-          <a:lnRef idx="2">
-            <a:schemeClr val="accent1">
-              <a:shade val="50000"/>
-            </a:schemeClr>
-          </a:lnRef>
-          <a:fillRef idx="1">
-            <a:schemeClr val="accent1"/>
-          </a:fillRef>
-          <a:effectRef idx="0">
-            <a:schemeClr val="accent1"/>
-          </a:effectRef>
-          <a:fontRef idx="minor">
-            <a:schemeClr val="lt1"/>
-          </a:fontRef>
-        </p:style>
-        <p:txBody>
-          <a:bodyPr rtlCol="0" anchor="ctr"/>
-          <a:p>
-            <a:pPr indent="0" algn="ctr">
-              <a:lnSpc>
-                <a:spcPct val="150000"/>
-              </a:lnSpc>
-              <a:buFont typeface="Wingdings" panose="05000000000000000000" charset="0"/>
-              <a:buNone/>
-            </a:pPr>
-            <a:r>
-              <a:rPr lang="en-US" altLang="zh-CN" dirty="0">
-                <a:effectLst/>
-                <a:latin typeface="微软雅黑" panose="020B0503020204020204" charset="-122"/>
-                <a:ea typeface="微软雅黑" panose="020B0503020204020204" charset="-122"/>
-                <a:sym typeface="+mn-ea"/>
-              </a:rPr>
-              <a:t>2.</a:t>
-            </a:r>
-            <a:r>
-              <a:rPr lang="en-US" altLang="zh-CN" dirty="0">
-                <a:effectLst/>
-                <a:latin typeface="微软雅黑" panose="020B0503020204020204" charset="-122"/>
-                <a:ea typeface="微软雅黑" panose="020B0503020204020204" charset="-122"/>
-                <a:sym typeface="+mn-ea"/>
-              </a:rPr>
-              <a:t>LLM-Pruner: On the Structural Pruning of Large Language Models</a:t>
-            </a:r>
-            <a:endParaRPr lang="en-US" altLang="zh-CN" dirty="0">
-              <a:effectLst/>
-              <a:latin typeface="微软雅黑" panose="020B0503020204020204" charset="-122"/>
-              <a:ea typeface="微软雅黑" panose="020B0503020204020204" charset="-122"/>
-            </a:endParaRPr>
-          </a:p>
-        </p:txBody>
-      </p:sp>
-      <p:sp>
-        <p:nvSpPr>
-          <p:cNvPr id="5" name="文本框 4"/>
-          <p:cNvSpPr txBox="1"/>
-          <p:nvPr>
-            <p:custDataLst>
-              <p:tags r:id="rId2"/>
-            </p:custDataLst>
-          </p:nvPr>
-        </p:nvSpPr>
-        <p:spPr>
-          <a:xfrm>
-            <a:off x="455295" y="972185"/>
-            <a:ext cx="1725930" cy="506730"/>
-          </a:xfrm>
-          <a:prstGeom prst="rect">
-            <a:avLst/>
-          </a:prstGeom>
-          <a:noFill/>
-        </p:spPr>
-        <p:txBody>
-          <a:bodyPr wrap="square" rtlCol="0">
-            <a:spAutoFit/>
-          </a:bodyPr>
-          <a:p>
-            <a:pPr marL="285750" indent="-285750">
-              <a:lnSpc>
-                <a:spcPct val="150000"/>
-              </a:lnSpc>
-              <a:buFont typeface="Wingdings" panose="05000000000000000000" charset="0"/>
-              <a:buChar char="p"/>
-            </a:pPr>
-            <a:r>
-              <a:rPr lang="zh-CN" altLang="en-US" b="1" dirty="0">
-                <a:latin typeface="微软雅黑" panose="020B0503020204020204" charset="-122"/>
-                <a:ea typeface="微软雅黑" panose="020B0503020204020204" charset="-122"/>
-              </a:rPr>
-              <a:t>任务：</a:t>
-            </a:r>
-            <a:endParaRPr lang="en-US" altLang="zh-CN" b="1" dirty="0">
-              <a:latin typeface="微软雅黑" panose="020B0503020204020204" charset="-122"/>
-              <a:ea typeface="微软雅黑" panose="020B0503020204020204" charset="-122"/>
-            </a:endParaRPr>
-          </a:p>
-        </p:txBody>
-      </p:sp>
-      <p:sp>
-        <p:nvSpPr>
-          <p:cNvPr id="8" name="文本框 7"/>
-          <p:cNvSpPr txBox="1"/>
-          <p:nvPr/>
-        </p:nvSpPr>
-        <p:spPr>
-          <a:xfrm>
-            <a:off x="286385" y="2472055"/>
-            <a:ext cx="9719945" cy="1276350"/>
-          </a:xfrm>
-          <a:prstGeom prst="rect">
-            <a:avLst/>
-          </a:prstGeom>
-          <a:noFill/>
-        </p:spPr>
-        <p:txBody>
-          <a:bodyPr wrap="square" rtlCol="0">
-            <a:noAutofit/>
-          </a:bodyPr>
-          <a:p>
-            <a:pPr marL="0" lvl="0" indent="0">
-              <a:buNone/>
-            </a:pPr>
-            <a:endParaRPr lang="en-US" altLang="zh-CN" sz="1600" dirty="0">
-              <a:solidFill>
-                <a:schemeClr val="tx1"/>
-              </a:solidFill>
-              <a:latin typeface="微软雅黑" panose="020B0503020204020204" charset="-122"/>
-              <a:ea typeface="微软雅黑" panose="020B0503020204020204" charset="-122"/>
-            </a:endParaRPr>
-          </a:p>
-          <a:p>
-            <a:pPr marL="0" lvl="0" indent="0">
-              <a:buNone/>
-            </a:pPr>
-            <a:endParaRPr lang="en-US" altLang="zh-CN" sz="1600" dirty="0">
-              <a:solidFill>
-                <a:schemeClr val="tx1"/>
-              </a:solidFill>
-              <a:latin typeface="微软雅黑" panose="020B0503020204020204" charset="-122"/>
-              <a:ea typeface="微软雅黑" panose="020B0503020204020204" charset="-122"/>
-            </a:endParaRPr>
-          </a:p>
-          <a:p>
-            <a:pPr marL="0" lvl="0" indent="0">
-              <a:buNone/>
-            </a:pPr>
-            <a:endParaRPr lang="en-US" altLang="zh-CN" sz="1600" dirty="0">
-              <a:solidFill>
-                <a:schemeClr val="tx1"/>
-              </a:solidFill>
-              <a:latin typeface="微软雅黑" panose="020B0503020204020204" charset="-122"/>
-              <a:ea typeface="微软雅黑" panose="020B0503020204020204" charset="-122"/>
-            </a:endParaRPr>
-          </a:p>
-          <a:p>
-            <a:pPr marL="0" lvl="0" indent="0">
-              <a:buNone/>
-            </a:pPr>
-            <a:endParaRPr lang="en-US" altLang="zh-CN" sz="1600" dirty="0">
-              <a:solidFill>
-                <a:schemeClr val="tx1"/>
-              </a:solidFill>
-              <a:latin typeface="微软雅黑" panose="020B0503020204020204" charset="-122"/>
-              <a:ea typeface="微软雅黑" panose="020B0503020204020204" charset="-122"/>
-            </a:endParaRPr>
-          </a:p>
-        </p:txBody>
-      </p:sp>
-      <p:sp>
-        <p:nvSpPr>
-          <p:cNvPr id="11" name="文本框 10"/>
-          <p:cNvSpPr txBox="1"/>
-          <p:nvPr>
-            <p:custDataLst>
-              <p:tags r:id="rId3"/>
-            </p:custDataLst>
-          </p:nvPr>
-        </p:nvSpPr>
-        <p:spPr>
-          <a:xfrm>
-            <a:off x="455295" y="2056765"/>
-            <a:ext cx="1725930" cy="506730"/>
-          </a:xfrm>
-          <a:prstGeom prst="rect">
-            <a:avLst/>
-          </a:prstGeom>
-          <a:noFill/>
-        </p:spPr>
-        <p:txBody>
-          <a:bodyPr wrap="square" rtlCol="0">
-            <a:spAutoFit/>
-          </a:bodyPr>
-          <a:p>
-            <a:pPr marL="285750" indent="-285750">
-              <a:lnSpc>
-                <a:spcPct val="150000"/>
-              </a:lnSpc>
-              <a:buFont typeface="Wingdings" panose="05000000000000000000" charset="0"/>
-              <a:buChar char="p"/>
-            </a:pPr>
-            <a:r>
-              <a:rPr lang="zh-CN" altLang="en-US" b="1" dirty="0">
-                <a:latin typeface="微软雅黑" panose="020B0503020204020204" charset="-122"/>
-                <a:ea typeface="微软雅黑" panose="020B0503020204020204" charset="-122"/>
-              </a:rPr>
-              <a:t>动机：</a:t>
-            </a:r>
-            <a:endParaRPr lang="en-US" altLang="zh-CN" b="1" dirty="0">
-              <a:latin typeface="微软雅黑" panose="020B0503020204020204" charset="-122"/>
-              <a:ea typeface="微软雅黑" panose="020B0503020204020204" charset="-122"/>
-            </a:endParaRPr>
-          </a:p>
-        </p:txBody>
-      </p:sp>
-      <p:sp>
-        <p:nvSpPr>
-          <p:cNvPr id="4" name="文本框 3"/>
-          <p:cNvSpPr txBox="1"/>
-          <p:nvPr>
-            <p:custDataLst>
-              <p:tags r:id="rId4"/>
-            </p:custDataLst>
-          </p:nvPr>
-        </p:nvSpPr>
-        <p:spPr>
-          <a:xfrm>
-            <a:off x="455295" y="3140075"/>
-            <a:ext cx="1725930" cy="506730"/>
-          </a:xfrm>
-          <a:prstGeom prst="rect">
-            <a:avLst/>
-          </a:prstGeom>
-          <a:noFill/>
-        </p:spPr>
-        <p:txBody>
-          <a:bodyPr wrap="square" rtlCol="0">
-            <a:spAutoFit/>
-          </a:bodyPr>
-          <a:p>
-            <a:pPr marL="285750" indent="-285750">
-              <a:lnSpc>
-                <a:spcPct val="150000"/>
-              </a:lnSpc>
-              <a:buFont typeface="Wingdings" panose="05000000000000000000" charset="0"/>
-              <a:buChar char="p"/>
-            </a:pPr>
-            <a:r>
-              <a:rPr lang="zh-CN" altLang="en-US" b="1" dirty="0">
-                <a:latin typeface="微软雅黑" panose="020B0503020204020204" charset="-122"/>
-                <a:ea typeface="微软雅黑" panose="020B0503020204020204" charset="-122"/>
-              </a:rPr>
-              <a:t>整体</a:t>
-            </a:r>
-            <a:r>
-              <a:rPr lang="zh-CN" altLang="en-US" b="1" dirty="0">
-                <a:latin typeface="微软雅黑" panose="020B0503020204020204" charset="-122"/>
-                <a:ea typeface="微软雅黑" panose="020B0503020204020204" charset="-122"/>
-              </a:rPr>
-              <a:t>思路：</a:t>
-            </a:r>
-            <a:endParaRPr lang="en-US" altLang="zh-CN" b="1" dirty="0">
-              <a:latin typeface="微软雅黑" panose="020B0503020204020204" charset="-122"/>
-              <a:ea typeface="微软雅黑" panose="020B0503020204020204" charset="-122"/>
-            </a:endParaRPr>
-          </a:p>
-        </p:txBody>
-      </p:sp>
-      <p:sp>
-        <p:nvSpPr>
-          <p:cNvPr id="6" name="文本框 5"/>
-          <p:cNvSpPr txBox="1"/>
-          <p:nvPr>
-            <p:custDataLst>
-              <p:tags r:id="rId5"/>
-            </p:custDataLst>
-          </p:nvPr>
-        </p:nvSpPr>
-        <p:spPr>
-          <a:xfrm>
-            <a:off x="455295" y="5052695"/>
-            <a:ext cx="1725930" cy="506730"/>
-          </a:xfrm>
-          <a:prstGeom prst="rect">
-            <a:avLst/>
-          </a:prstGeom>
-          <a:noFill/>
-        </p:spPr>
-        <p:txBody>
-          <a:bodyPr wrap="square" rtlCol="0">
-            <a:spAutoFit/>
-          </a:bodyPr>
-          <a:p>
-            <a:pPr marL="285750" indent="-285750">
-              <a:lnSpc>
-                <a:spcPct val="150000"/>
-              </a:lnSpc>
-              <a:buFont typeface="Wingdings" panose="05000000000000000000" charset="0"/>
-              <a:buChar char="p"/>
-            </a:pPr>
-            <a:r>
-              <a:rPr lang="zh-CN" altLang="en-US" b="1" dirty="0">
-                <a:latin typeface="微软雅黑" panose="020B0503020204020204" charset="-122"/>
-                <a:ea typeface="微软雅黑" panose="020B0503020204020204" charset="-122"/>
-              </a:rPr>
-              <a:t>贡献：</a:t>
-            </a:r>
-            <a:endParaRPr lang="en-US" altLang="zh-CN" b="1" dirty="0">
-              <a:latin typeface="微软雅黑" panose="020B0503020204020204" charset="-122"/>
-              <a:ea typeface="微软雅黑" panose="020B0503020204020204" charset="-122"/>
-            </a:endParaRPr>
-          </a:p>
-        </p:txBody>
-      </p:sp>
-      <p:sp>
-        <p:nvSpPr>
-          <p:cNvPr id="14" name="文本框 13"/>
-          <p:cNvSpPr txBox="1"/>
-          <p:nvPr/>
-        </p:nvSpPr>
-        <p:spPr>
-          <a:xfrm>
-            <a:off x="106680" y="6453505"/>
-            <a:ext cx="12229465" cy="275590"/>
-          </a:xfrm>
-          <a:prstGeom prst="rect">
-            <a:avLst/>
-          </a:prstGeom>
-        </p:spPr>
-        <p:txBody>
-          <a:bodyPr wrap="square">
-            <a:spAutoFit/>
-          </a:bodyPr>
-          <a:p>
-            <a:pPr marL="0" indent="0" algn="l"/>
-            <a:r>
-              <a:rPr lang="en-US" altLang="zh-CN" sz="1200" b="0" i="0">
-                <a:solidFill>
-                  <a:srgbClr val="333333"/>
-                </a:solidFill>
-                <a:latin typeface="Arial" panose="020B0604020202020204"/>
-                <a:ea typeface="Arial" panose="020B0604020202020204"/>
-              </a:rPr>
-              <a:t>Ma X, Fang G, Wang X. Llm-pruner: On the structural pruning of large language models[J]. Advances in neural information processing systems, 2023, 36: 21702-21720..</a:t>
-            </a:r>
-            <a:endParaRPr lang="en-US" altLang="zh-CN" sz="1200" b="0" i="0">
-              <a:solidFill>
-                <a:srgbClr val="333333"/>
-              </a:solidFill>
-              <a:latin typeface="Arial" panose="020B0604020202020204"/>
-              <a:ea typeface="Arial" panose="020B0604020202020204"/>
-            </a:endParaRPr>
-          </a:p>
-        </p:txBody>
-      </p:sp>
-      <p:sp>
-        <p:nvSpPr>
-          <p:cNvPr id="15" name="文本框 14"/>
-          <p:cNvSpPr txBox="1"/>
-          <p:nvPr/>
-        </p:nvSpPr>
-        <p:spPr>
-          <a:xfrm>
-            <a:off x="286385" y="1457325"/>
-            <a:ext cx="8058150" cy="603885"/>
-          </a:xfrm>
-          <a:prstGeom prst="rect">
-            <a:avLst/>
-          </a:prstGeom>
-          <a:noFill/>
-        </p:spPr>
-        <p:txBody>
-          <a:bodyPr wrap="square" rtlCol="0">
-            <a:noAutofit/>
-          </a:bodyPr>
-          <a:p>
-            <a:pPr indent="457200"/>
-            <a:r>
-              <a:rPr lang="zh-CN" altLang="en-US" sz="1600" dirty="0">
-                <a:latin typeface="微软雅黑" panose="020B0503020204020204" charset="-122"/>
-                <a:ea typeface="微软雅黑" panose="020B0503020204020204" charset="-122"/>
-                <a:sym typeface="+mn-ea"/>
-              </a:rPr>
-              <a:t>结构化剪枝，快速自动化的减少模型参数量，降低成本</a:t>
-            </a:r>
-            <a:endParaRPr lang="zh-CN" altLang="zh-CN" sz="1600" dirty="0">
-              <a:solidFill>
-                <a:schemeClr val="tx1"/>
-              </a:solidFill>
-              <a:latin typeface="微软雅黑" panose="020B0503020204020204" charset="-122"/>
-              <a:ea typeface="微软雅黑" panose="020B0503020204020204" charset="-122"/>
-            </a:endParaRPr>
-          </a:p>
-          <a:p>
-            <a:pPr indent="457200"/>
-            <a:endParaRPr lang="zh-CN" altLang="zh-CN" sz="1600" dirty="0">
-              <a:solidFill>
-                <a:schemeClr val="tx1"/>
-              </a:solidFill>
-              <a:latin typeface="微软雅黑" panose="020B0503020204020204" charset="-122"/>
-              <a:ea typeface="微软雅黑" panose="020B0503020204020204" charset="-122"/>
-            </a:endParaRPr>
-          </a:p>
-          <a:p>
-            <a:pPr indent="457200"/>
-            <a:endParaRPr lang="zh-CN" altLang="zh-CN" sz="1600" dirty="0">
-              <a:solidFill>
-                <a:schemeClr val="tx1"/>
-              </a:solidFill>
-              <a:latin typeface="微软雅黑" panose="020B0503020204020204" charset="-122"/>
-              <a:ea typeface="微软雅黑" panose="020B0503020204020204" charset="-122"/>
-            </a:endParaRPr>
-          </a:p>
-          <a:p>
-            <a:pPr indent="457200"/>
-            <a:endParaRPr lang="zh-CN" altLang="zh-CN" sz="1600" dirty="0">
-              <a:solidFill>
-                <a:schemeClr val="tx1"/>
-              </a:solidFill>
-              <a:latin typeface="微软雅黑" panose="020B0503020204020204" charset="-122"/>
-              <a:ea typeface="微软雅黑" panose="020B0503020204020204" charset="-122"/>
-            </a:endParaRPr>
-          </a:p>
-          <a:p>
-            <a:pPr indent="457200"/>
-            <a:r>
-              <a:rPr lang="en-US" altLang="zh-CN" sz="1600" dirty="0">
-                <a:solidFill>
-                  <a:schemeClr val="tx1"/>
-                </a:solidFill>
-                <a:latin typeface="微软雅黑" panose="020B0503020204020204" charset="-122"/>
-                <a:ea typeface="微软雅黑" panose="020B0503020204020204" charset="-122"/>
-              </a:rPr>
-              <a:t>1.  </a:t>
-            </a:r>
-            <a:r>
-              <a:rPr lang="zh-CN" altLang="en-US" sz="1600" dirty="0">
-                <a:solidFill>
-                  <a:schemeClr val="tx1"/>
-                </a:solidFill>
-                <a:latin typeface="微软雅黑" panose="020B0503020204020204" charset="-122"/>
-                <a:ea typeface="微软雅黑" panose="020B0503020204020204" charset="-122"/>
-              </a:rPr>
-              <a:t>即使是</a:t>
-            </a:r>
-            <a:r>
-              <a:rPr lang="en-US" altLang="zh-CN" sz="1600" dirty="0">
-                <a:solidFill>
-                  <a:schemeClr val="tx1"/>
-                </a:solidFill>
-                <a:latin typeface="微软雅黑" panose="020B0503020204020204" charset="-122"/>
-                <a:ea typeface="微软雅黑" panose="020B0503020204020204" charset="-122"/>
-              </a:rPr>
-              <a:t>LLaMA</a:t>
-            </a:r>
-            <a:r>
-              <a:rPr lang="zh-CN" altLang="en-US" sz="1600" dirty="0">
-                <a:solidFill>
-                  <a:schemeClr val="tx1"/>
-                </a:solidFill>
-                <a:latin typeface="微软雅黑" panose="020B0503020204020204" charset="-122"/>
-                <a:ea typeface="微软雅黑" panose="020B0503020204020204" charset="-122"/>
-              </a:rPr>
-              <a:t>（</a:t>
-            </a:r>
-            <a:r>
-              <a:rPr lang="en-US" altLang="zh-CN" sz="1600" dirty="0">
-                <a:solidFill>
-                  <a:schemeClr val="tx1"/>
-                </a:solidFill>
-                <a:latin typeface="微软雅黑" panose="020B0503020204020204" charset="-122"/>
-                <a:ea typeface="微软雅黑" panose="020B0503020204020204" charset="-122"/>
-              </a:rPr>
-              <a:t>5.2B</a:t>
-            </a:r>
-            <a:r>
-              <a:rPr lang="zh-CN" altLang="en-US" sz="1600" dirty="0">
-                <a:solidFill>
-                  <a:schemeClr val="tx1"/>
-                </a:solidFill>
-                <a:latin typeface="微软雅黑" panose="020B0503020204020204" charset="-122"/>
-                <a:ea typeface="微软雅黑" panose="020B0503020204020204" charset="-122"/>
-              </a:rPr>
-              <a:t>）的模型执行推理和微调的成本都无法让普通用户接受</a:t>
-            </a:r>
-            <a:r>
-              <a:rPr lang="en-US" altLang="zh-CN" sz="1600" dirty="0">
-                <a:solidFill>
-                  <a:schemeClr val="tx1"/>
-                </a:solidFill>
-                <a:latin typeface="微软雅黑" panose="020B0503020204020204" charset="-122"/>
-                <a:ea typeface="微软雅黑" panose="020B0503020204020204" charset="-122"/>
-              </a:rPr>
-              <a:t>  </a:t>
-            </a:r>
-            <a:endParaRPr lang="en-US" altLang="zh-CN" sz="1600" dirty="0">
-              <a:solidFill>
-                <a:schemeClr val="tx1"/>
-              </a:solidFill>
-              <a:latin typeface="微软雅黑" panose="020B0503020204020204" charset="-122"/>
-              <a:ea typeface="微软雅黑" panose="020B0503020204020204" charset="-122"/>
-            </a:endParaRPr>
-          </a:p>
-          <a:p>
-            <a:pPr indent="457200"/>
-            <a:r>
-              <a:rPr lang="en-US" altLang="zh-CN" sz="1600" dirty="0">
-                <a:solidFill>
-                  <a:schemeClr val="tx1"/>
-                </a:solidFill>
-                <a:latin typeface="微软雅黑" panose="020B0503020204020204" charset="-122"/>
-                <a:ea typeface="微软雅黑" panose="020B0503020204020204" charset="-122"/>
-              </a:rPr>
-              <a:t>2.  </a:t>
-            </a:r>
-            <a:r>
-              <a:rPr lang="zh-CN" altLang="en-US" sz="1600" dirty="0">
-                <a:solidFill>
-                  <a:schemeClr val="tx1"/>
-                </a:solidFill>
-                <a:latin typeface="微软雅黑" panose="020B0503020204020204" charset="-122"/>
-                <a:ea typeface="微软雅黑" panose="020B0503020204020204" charset="-122"/>
-              </a:rPr>
-              <a:t>非结构化得到推理比较要求专门的硬件或者软件支持加速</a:t>
-            </a:r>
-            <a:endParaRPr lang="zh-CN" altLang="en-US" sz="1600" dirty="0">
-              <a:solidFill>
-                <a:schemeClr val="tx1"/>
-              </a:solidFill>
-              <a:latin typeface="微软雅黑" panose="020B0503020204020204" charset="-122"/>
-              <a:ea typeface="微软雅黑" panose="020B0503020204020204" charset="-122"/>
-            </a:endParaRPr>
-          </a:p>
-          <a:p>
-            <a:pPr indent="457200"/>
-            <a:endParaRPr lang="zh-CN" altLang="en-US" sz="1600" dirty="0">
-              <a:solidFill>
-                <a:schemeClr val="tx1"/>
-              </a:solidFill>
-              <a:latin typeface="微软雅黑" panose="020B0503020204020204" charset="-122"/>
-              <a:ea typeface="微软雅黑" panose="020B0503020204020204" charset="-122"/>
-            </a:endParaRPr>
-          </a:p>
-          <a:p>
-            <a:pPr indent="457200"/>
-            <a:endParaRPr lang="zh-CN" altLang="en-US" sz="1600" dirty="0">
-              <a:solidFill>
-                <a:schemeClr val="tx1"/>
-              </a:solidFill>
-              <a:latin typeface="微软雅黑" panose="020B0503020204020204" charset="-122"/>
-              <a:ea typeface="微软雅黑" panose="020B0503020204020204" charset="-122"/>
-            </a:endParaRPr>
-          </a:p>
-          <a:p>
-            <a:pPr indent="457200"/>
-            <a:endParaRPr lang="zh-CN" altLang="en-US" sz="1600" dirty="0">
-              <a:solidFill>
-                <a:schemeClr val="tx1"/>
-              </a:solidFill>
-              <a:latin typeface="微软雅黑" panose="020B0503020204020204" charset="-122"/>
-              <a:ea typeface="微软雅黑" panose="020B0503020204020204" charset="-122"/>
-            </a:endParaRPr>
-          </a:p>
-          <a:p>
-            <a:pPr indent="457200"/>
-            <a:r>
-              <a:rPr lang="en-US" altLang="zh-CN" sz="1600" dirty="0">
-                <a:solidFill>
-                  <a:schemeClr val="tx1"/>
-                </a:solidFill>
-                <a:latin typeface="微软雅黑" panose="020B0503020204020204" charset="-122"/>
-                <a:ea typeface="微软雅黑" panose="020B0503020204020204" charset="-122"/>
-              </a:rPr>
-              <a:t>1.  </a:t>
-            </a:r>
-            <a:r>
-              <a:rPr lang="zh-CN" altLang="en-US" sz="1600" dirty="0">
-                <a:solidFill>
-                  <a:schemeClr val="tx1"/>
-                </a:solidFill>
-                <a:latin typeface="微软雅黑" panose="020B0503020204020204" charset="-122"/>
-                <a:ea typeface="微软雅黑" panose="020B0503020204020204" charset="-122"/>
-              </a:rPr>
-              <a:t>根据依赖性分组</a:t>
-            </a:r>
-            <a:endParaRPr lang="zh-CN" altLang="en-US" sz="1600" dirty="0">
-              <a:solidFill>
-                <a:schemeClr val="tx1"/>
-              </a:solidFill>
-              <a:latin typeface="微软雅黑" panose="020B0503020204020204" charset="-122"/>
-              <a:ea typeface="微软雅黑" panose="020B0503020204020204" charset="-122"/>
-            </a:endParaRPr>
-          </a:p>
-          <a:p>
-            <a:pPr indent="457200"/>
-            <a:r>
-              <a:rPr lang="en-US" altLang="zh-CN" sz="1600" dirty="0">
-                <a:solidFill>
-                  <a:schemeClr val="tx1"/>
-                </a:solidFill>
-                <a:latin typeface="微软雅黑" panose="020B0503020204020204" charset="-122"/>
-                <a:ea typeface="微软雅黑" panose="020B0503020204020204" charset="-122"/>
-              </a:rPr>
-              <a:t>2.  </a:t>
-            </a:r>
-            <a:r>
-              <a:rPr lang="zh-CN" altLang="en-US" sz="1600" dirty="0">
-                <a:solidFill>
-                  <a:schemeClr val="tx1"/>
-                </a:solidFill>
-                <a:latin typeface="微软雅黑" panose="020B0503020204020204" charset="-122"/>
-                <a:ea typeface="微软雅黑" panose="020B0503020204020204" charset="-122"/>
-              </a:rPr>
-              <a:t>根据损失评估重要性剪枝</a:t>
-            </a:r>
-            <a:endParaRPr lang="zh-CN" altLang="en-US" sz="1600" dirty="0">
-              <a:solidFill>
-                <a:schemeClr val="tx1"/>
-              </a:solidFill>
-              <a:latin typeface="微软雅黑" panose="020B0503020204020204" charset="-122"/>
-              <a:ea typeface="微软雅黑" panose="020B0503020204020204" charset="-122"/>
-            </a:endParaRPr>
-          </a:p>
-          <a:p>
-            <a:pPr indent="457200"/>
-            <a:r>
-              <a:rPr lang="en-US" altLang="zh-CN" sz="1600" dirty="0">
-                <a:solidFill>
-                  <a:schemeClr val="tx1"/>
-                </a:solidFill>
-                <a:latin typeface="微软雅黑" panose="020B0503020204020204" charset="-122"/>
-                <a:ea typeface="微软雅黑" panose="020B0503020204020204" charset="-122"/>
-              </a:rPr>
-              <a:t>3.  </a:t>
-            </a:r>
-            <a:r>
-              <a:rPr lang="zh-CN" altLang="en-US" sz="1600" dirty="0">
-                <a:solidFill>
-                  <a:schemeClr val="tx1"/>
-                </a:solidFill>
-                <a:latin typeface="微软雅黑" panose="020B0503020204020204" charset="-122"/>
-                <a:ea typeface="微软雅黑" panose="020B0503020204020204" charset="-122"/>
-              </a:rPr>
-              <a:t>最后再执行一些微调保证模型能力</a:t>
-            </a:r>
-            <a:endParaRPr lang="zh-CN" altLang="en-US" sz="1600" dirty="0">
-              <a:solidFill>
-                <a:schemeClr val="tx1"/>
-              </a:solidFill>
-              <a:latin typeface="微软雅黑" panose="020B0503020204020204" charset="-122"/>
-              <a:ea typeface="微软雅黑" panose="020B0503020204020204" charset="-122"/>
-            </a:endParaRPr>
-          </a:p>
-          <a:p>
-            <a:pPr indent="457200"/>
-            <a:endParaRPr lang="en-US" altLang="zh-CN" sz="1600" dirty="0">
-              <a:solidFill>
-                <a:schemeClr val="tx1"/>
-              </a:solidFill>
-              <a:latin typeface="微软雅黑" panose="020B0503020204020204" charset="-122"/>
-              <a:ea typeface="微软雅黑" panose="020B0503020204020204" charset="-122"/>
-            </a:endParaRPr>
-          </a:p>
-          <a:p>
-            <a:pPr marL="0" lvl="0" indent="0">
-              <a:buNone/>
-            </a:pPr>
-            <a:endParaRPr lang="en-US" altLang="zh-CN" sz="1600" dirty="0">
-              <a:solidFill>
-                <a:schemeClr val="tx1"/>
-              </a:solidFill>
-              <a:latin typeface="微软雅黑" panose="020B0503020204020204" charset="-122"/>
-              <a:ea typeface="微软雅黑" panose="020B0503020204020204" charset="-122"/>
-            </a:endParaRPr>
-          </a:p>
-          <a:p>
-            <a:pPr marL="0" lvl="0" indent="0">
-              <a:buNone/>
-            </a:pPr>
-            <a:endParaRPr lang="en-US" altLang="zh-CN" sz="1600" dirty="0">
-              <a:solidFill>
-                <a:schemeClr val="tx1"/>
-              </a:solidFill>
-              <a:latin typeface="微软雅黑" panose="020B0503020204020204" charset="-122"/>
-              <a:ea typeface="微软雅黑" panose="020B0503020204020204" charset="-122"/>
-            </a:endParaRPr>
-          </a:p>
-          <a:p>
-            <a:pPr marL="0" lvl="0" indent="0">
-              <a:buNone/>
-            </a:pPr>
-            <a:endParaRPr lang="en-US" altLang="zh-CN" sz="1600" dirty="0">
-              <a:solidFill>
-                <a:schemeClr val="tx1"/>
-              </a:solidFill>
-              <a:latin typeface="微软雅黑" panose="020B0503020204020204" charset="-122"/>
-              <a:ea typeface="微软雅黑" panose="020B0503020204020204" charset="-122"/>
-            </a:endParaRPr>
-          </a:p>
-          <a:p>
-            <a:pPr marL="0" lvl="0" indent="457200">
-              <a:buNone/>
-            </a:pPr>
-            <a:endParaRPr lang="en-US" altLang="zh-CN" sz="1600" dirty="0">
-              <a:solidFill>
-                <a:schemeClr val="tx1"/>
-              </a:solidFill>
-              <a:latin typeface="微软雅黑" panose="020B0503020204020204" charset="-122"/>
-              <a:ea typeface="微软雅黑" panose="020B0503020204020204" charset="-122"/>
-            </a:endParaRPr>
-          </a:p>
-          <a:p>
-            <a:pPr marL="0" lvl="0" indent="457200">
-              <a:buNone/>
-            </a:pPr>
-            <a:r>
-              <a:rPr lang="en-US" altLang="zh-CN" sz="1600" dirty="0">
-                <a:solidFill>
-                  <a:schemeClr val="tx1"/>
-                </a:solidFill>
-                <a:latin typeface="微软雅黑" panose="020B0503020204020204" charset="-122"/>
-                <a:ea typeface="微软雅黑" panose="020B0503020204020204" charset="-122"/>
-              </a:rPr>
-              <a:t>1.  </a:t>
-            </a:r>
-            <a:r>
-              <a:rPr lang="zh-CN" altLang="en-US" sz="1600" dirty="0">
-                <a:solidFill>
-                  <a:schemeClr val="tx1"/>
-                </a:solidFill>
-                <a:latin typeface="微软雅黑" panose="020B0503020204020204" charset="-122"/>
-                <a:ea typeface="微软雅黑" panose="020B0503020204020204" charset="-122"/>
-              </a:rPr>
-              <a:t>降低参数量，加速推理和微调</a:t>
-            </a:r>
-            <a:endParaRPr lang="zh-CN" altLang="en-US" sz="1600" dirty="0">
-              <a:solidFill>
-                <a:schemeClr val="tx1"/>
-              </a:solidFill>
-              <a:latin typeface="微软雅黑" panose="020B0503020204020204" charset="-122"/>
-              <a:ea typeface="微软雅黑" panose="020B0503020204020204" charset="-122"/>
-            </a:endParaRPr>
-          </a:p>
-          <a:p>
-            <a:pPr marL="0" lvl="0" indent="457200">
-              <a:buNone/>
-            </a:pPr>
-            <a:r>
-              <a:rPr lang="en-US" altLang="zh-CN" sz="1600" dirty="0">
-                <a:solidFill>
-                  <a:schemeClr val="tx1"/>
-                </a:solidFill>
-                <a:latin typeface="微软雅黑" panose="020B0503020204020204" charset="-122"/>
-                <a:ea typeface="微软雅黑" panose="020B0503020204020204" charset="-122"/>
-              </a:rPr>
-              <a:t>2.  </a:t>
-            </a:r>
-            <a:r>
-              <a:rPr lang="zh-CN" altLang="en-US" sz="1600" dirty="0">
-                <a:solidFill>
-                  <a:schemeClr val="tx1"/>
-                </a:solidFill>
-                <a:latin typeface="微软雅黑" panose="020B0503020204020204" charset="-122"/>
-                <a:ea typeface="微软雅黑" panose="020B0503020204020204" charset="-122"/>
-              </a:rPr>
-              <a:t>降低训练需要的显存大小</a:t>
-            </a:r>
-            <a:endParaRPr lang="zh-CN" altLang="en-US" sz="1600" dirty="0">
-              <a:solidFill>
-                <a:schemeClr val="tx1"/>
-              </a:solidFill>
-              <a:latin typeface="微软雅黑" panose="020B0503020204020204" charset="-122"/>
-              <a:ea typeface="微软雅黑" panose="020B0503020204020204" charset="-122"/>
-            </a:endParaRPr>
-          </a:p>
-          <a:p>
-            <a:pPr marL="0" lvl="0" indent="457200">
-              <a:buNone/>
-            </a:pPr>
-            <a:r>
-              <a:rPr lang="en-US" altLang="zh-CN" sz="1600" dirty="0">
-                <a:solidFill>
-                  <a:schemeClr val="tx1"/>
-                </a:solidFill>
-                <a:latin typeface="微软雅黑" panose="020B0503020204020204" charset="-122"/>
-                <a:ea typeface="微软雅黑" panose="020B0503020204020204" charset="-122"/>
-              </a:rPr>
-              <a:t>3.  </a:t>
-            </a:r>
-            <a:r>
-              <a:rPr lang="zh-CN" altLang="en-US" sz="1600" dirty="0">
-                <a:solidFill>
-                  <a:schemeClr val="tx1"/>
-                </a:solidFill>
-                <a:latin typeface="微软雅黑" panose="020B0503020204020204" charset="-122"/>
-                <a:ea typeface="微软雅黑" panose="020B0503020204020204" charset="-122"/>
-              </a:rPr>
-              <a:t>执行自动的结构化剪枝，快速方便</a:t>
-            </a:r>
-            <a:endParaRPr lang="zh-CN" altLang="en-US" sz="1600" dirty="0">
-              <a:solidFill>
-                <a:schemeClr val="tx1"/>
-              </a:solidFill>
-              <a:latin typeface="微软雅黑" panose="020B0503020204020204" charset="-122"/>
-              <a:ea typeface="微软雅黑" panose="020B0503020204020204" charset="-122"/>
-            </a:endParaRPr>
-          </a:p>
-        </p:txBody>
-      </p:sp>
       <p:pic>
         <p:nvPicPr>
-          <p:cNvPr id="9" name="图片 8"/>
+          <p:cNvPr id="4" name="图片 3" descr="1"/>
           <p:cNvPicPr>
             <a:picLocks noChangeAspect="1"/>
           </p:cNvPicPr>
           <p:nvPr/>
         </p:nvPicPr>
         <p:blipFill>
-          <a:blip r:embed="rId6"/>
+          <a:blip r:embed="rId1"/>
           <a:stretch>
             <a:fillRect/>
           </a:stretch>
         </p:blipFill>
         <p:spPr>
           <a:xfrm>
-            <a:off x="5867400" y="3046095"/>
-            <a:ext cx="6236335" cy="2422525"/>
+            <a:off x="4745355" y="-588645"/>
+            <a:ext cx="12060555" cy="8474075"/>
           </a:xfrm>
           <a:prstGeom prst="rect">
             <a:avLst/>
           </a:prstGeom>
         </p:spPr>
       </p:pic>
+      <p:sp>
+        <p:nvSpPr>
+          <p:cNvPr id="5" name="文本框 4"/>
+          <p:cNvSpPr txBox="1"/>
+          <p:nvPr/>
+        </p:nvSpPr>
+        <p:spPr>
+          <a:xfrm>
+            <a:off x="1038225" y="1470025"/>
+            <a:ext cx="2301875" cy="1861185"/>
+          </a:xfrm>
+          <a:prstGeom prst="rect">
+            <a:avLst/>
+          </a:prstGeom>
+          <a:noFill/>
+        </p:spPr>
+        <p:txBody>
+          <a:bodyPr wrap="square" rtlCol="0">
+            <a:spAutoFit/>
+          </a:bodyPr>
+          <a:lstStyle/>
+          <a:p>
+            <a:pPr marL="0" marR="0" lvl="0" indent="0" algn="l" defTabSz="914400" rtl="0" eaLnBrk="1" fontAlgn="auto" latinLnBrk="0" hangingPunct="1">
+              <a:lnSpc>
+                <a:spcPct val="100000"/>
+              </a:lnSpc>
+              <a:spcBef>
+                <a:spcPts val="0"/>
+              </a:spcBef>
+              <a:spcAft>
+                <a:spcPts val="0"/>
+              </a:spcAft>
+              <a:buClrTx/>
+              <a:buSzTx/>
+              <a:buFontTx/>
+              <a:buNone/>
+              <a:defRPr/>
+            </a:pPr>
+            <a:r>
+              <a:rPr kumimoji="0" lang="en-US" altLang="zh-CN" sz="11500" b="0" i="0" u="none" strike="noStrike" kern="1200" cap="none" spc="0" normalizeH="0" baseline="0" noProof="0" dirty="0">
+                <a:ln>
+                  <a:solidFill>
+                    <a:srgbClr val="383987"/>
+                  </a:solidFill>
+                </a:ln>
+                <a:noFill/>
+                <a:effectLst/>
+                <a:uLnTx/>
+                <a:uFillTx/>
+                <a:latin typeface="Agency FB" panose="020B0503020202020204" pitchFamily="34" charset="0"/>
+                <a:ea typeface="宋体" panose="02010600030101010101" pitchFamily="2" charset="-122"/>
+                <a:cs typeface="+mn-cs"/>
+              </a:rPr>
+              <a:t>03</a:t>
+            </a:r>
+            <a:endParaRPr kumimoji="0" lang="en-US" altLang="zh-CN" sz="11500" b="0" i="0" u="none" strike="noStrike" kern="1200" cap="none" spc="0" normalizeH="0" baseline="0" noProof="0" dirty="0">
+              <a:ln>
+                <a:solidFill>
+                  <a:srgbClr val="383987"/>
+                </a:solidFill>
+              </a:ln>
+              <a:noFill/>
+              <a:effectLst/>
+              <a:uLnTx/>
+              <a:uFillTx/>
+              <a:latin typeface="Agency FB" panose="020B0503020202020204" pitchFamily="34" charset="0"/>
+              <a:ea typeface="宋体" panose="02010600030101010101" pitchFamily="2" charset="-122"/>
+              <a:cs typeface="+mn-cs"/>
+            </a:endParaRPr>
+          </a:p>
+        </p:txBody>
+      </p:sp>
+      <p:sp>
+        <p:nvSpPr>
+          <p:cNvPr id="6" name="文本框 5"/>
+          <p:cNvSpPr txBox="1"/>
+          <p:nvPr/>
+        </p:nvSpPr>
+        <p:spPr>
+          <a:xfrm>
+            <a:off x="1265555" y="3049270"/>
+            <a:ext cx="11768455" cy="777240"/>
+          </a:xfrm>
+          <a:prstGeom prst="rect">
+            <a:avLst/>
+          </a:prstGeom>
+          <a:noFill/>
+        </p:spPr>
+        <p:txBody>
+          <a:bodyPr wrap="square" rtlCol="0">
+            <a:noAutofit/>
+          </a:bodyPr>
+          <a:lstStyle/>
+          <a:p>
+            <a:pPr marL="0" marR="0" lvl="0" indent="0" algn="ctr" defTabSz="914400" rtl="0" eaLnBrk="1" fontAlgn="auto" latinLnBrk="0" hangingPunct="1">
+              <a:lnSpc>
+                <a:spcPct val="100000"/>
+              </a:lnSpc>
+              <a:spcBef>
+                <a:spcPts val="0"/>
+              </a:spcBef>
+              <a:spcAft>
+                <a:spcPts val="0"/>
+              </a:spcAft>
+              <a:buClrTx/>
+              <a:buSzTx/>
+              <a:buFontTx/>
+              <a:buNone/>
+              <a:defRPr/>
+            </a:pPr>
+            <a:r>
+              <a:rPr lang="en-US" altLang="zh-CN" sz="3600" dirty="0">
+                <a:solidFill>
+                  <a:srgbClr val="383987"/>
+                </a:solidFill>
+                <a:latin typeface="微软雅黑" panose="020B0503020204020204" charset="-122"/>
+                <a:ea typeface="微软雅黑" panose="020B0503020204020204" charset="-122"/>
+                <a:sym typeface="+mn-ea"/>
+              </a:rPr>
+              <a:t>Integrated image-based deep learning and </a:t>
+            </a:r>
+            <a:endParaRPr lang="en-US" altLang="zh-CN" sz="3600" dirty="0">
+              <a:solidFill>
+                <a:srgbClr val="383987"/>
+              </a:solidFill>
+              <a:latin typeface="微软雅黑" panose="020B0503020204020204" charset="-122"/>
+              <a:ea typeface="微软雅黑" panose="020B0503020204020204" charset="-122"/>
+              <a:sym typeface="+mn-ea"/>
+            </a:endParaRPr>
+          </a:p>
+          <a:p>
+            <a:pPr marL="0" marR="0" lvl="0" indent="0" algn="ctr" defTabSz="914400" rtl="0" eaLnBrk="1" fontAlgn="auto" latinLnBrk="0" hangingPunct="1">
+              <a:lnSpc>
+                <a:spcPct val="100000"/>
+              </a:lnSpc>
+              <a:spcBef>
+                <a:spcPts val="0"/>
+              </a:spcBef>
+              <a:spcAft>
+                <a:spcPts val="0"/>
+              </a:spcAft>
+              <a:buClrTx/>
+              <a:buSzTx/>
+              <a:buFontTx/>
+              <a:buNone/>
+              <a:defRPr/>
+            </a:pPr>
+            <a:r>
+              <a:rPr lang="en-US" altLang="zh-CN" sz="3600" dirty="0">
+                <a:solidFill>
+                  <a:srgbClr val="383987"/>
+                </a:solidFill>
+                <a:latin typeface="微软雅黑" panose="020B0503020204020204" charset="-122"/>
+                <a:ea typeface="微软雅黑" panose="020B0503020204020204" charset="-122"/>
+                <a:sym typeface="+mn-ea"/>
+              </a:rPr>
+              <a:t>language models for primary diabetes care</a:t>
+            </a:r>
+            <a:endParaRPr lang="en-US" altLang="zh-CN" sz="3600" dirty="0">
+              <a:solidFill>
+                <a:srgbClr val="383987"/>
+              </a:solidFill>
+              <a:latin typeface="微软雅黑" panose="020B0503020204020204" charset="-122"/>
+              <a:ea typeface="微软雅黑" panose="020B0503020204020204" charset="-122"/>
+              <a:sym typeface="+mn-ea"/>
+            </a:endParaRPr>
+          </a:p>
+        </p:txBody>
+      </p:sp>
     </p:spTree>
   </p:cSld>
   <p:clrMapOvr>
@@ -12754,63 +9560,15 @@
 
 <file path=ppt/tags/tag29.xml><?xml version="1.0" encoding="utf-8"?>
 <p:tagLst xmlns:p="http://schemas.openxmlformats.org/presentationml/2006/main">
-  <p:tag name="KSO_WM_BEAUTIFY_FLAG" val=""/>
+  <p:tag name="KSO_WPP_MARK_KEY" val="c7925d13-95db-4618-ac98-c22196edd7f9"/>
+  <p:tag name="COMMONDATA" val="eyJoZGlkIjoiZTg3MzIzMDhlODgyZTlkYzQ0OWY3ZDI2YzlhMjBjMGIifQ=="/>
+  <p:tag name="commondata" val="eyJoZGlkIjoiNjRkZDE1MjIxMjM2NmMxYzY5Y2M3N2FjNDEyZThkY2QifQ=="/>
 </p:tagLst>
 </file>
 
 <file path=ppt/tags/tag3.xml><?xml version="1.0" encoding="utf-8"?>
 <p:tagLst xmlns:p="http://schemas.openxmlformats.org/presentationml/2006/main">
   <p:tag name="KSO_WM_DIAGRAM_VIRTUALLY_FRAME" val="{&quot;height&quot;:130.17354330708662,&quot;left&quot;:238.70267716535432,&quot;top&quot;:116.24960629921259,&quot;width&quot;:665.8}"/>
-</p:tagLst>
-</file>
-
-<file path=ppt/tags/tag30.xml><?xml version="1.0" encoding="utf-8"?>
-<p:tagLst xmlns:p="http://schemas.openxmlformats.org/presentationml/2006/main">
-  <p:tag name="KSO_WM_BEAUTIFY_FLAG" val=""/>
-</p:tagLst>
-</file>
-
-<file path=ppt/tags/tag31.xml><?xml version="1.0" encoding="utf-8"?>
-<p:tagLst xmlns:p="http://schemas.openxmlformats.org/presentationml/2006/main">
-  <p:tag name="KSO_WM_BEAUTIFY_FLAG" val=""/>
-</p:tagLst>
-</file>
-
-<file path=ppt/tags/tag32.xml><?xml version="1.0" encoding="utf-8"?>
-<p:tagLst xmlns:p="http://schemas.openxmlformats.org/presentationml/2006/main">
-  <p:tag name="KSO_WM_BEAUTIFY_FLAG" val=""/>
-</p:tagLst>
-</file>
-
-<file path=ppt/tags/tag33.xml><?xml version="1.0" encoding="utf-8"?>
-<p:tagLst xmlns:p="http://schemas.openxmlformats.org/presentationml/2006/main">
-  <p:tag name="KSO_WM_BEAUTIFY_FLAG" val=""/>
-</p:tagLst>
-</file>
-
-<file path=ppt/tags/tag34.xml><?xml version="1.0" encoding="utf-8"?>
-<p:tagLst xmlns:p="http://schemas.openxmlformats.org/presentationml/2006/main">
-  <p:tag name="KSO_WM_BEAUTIFY_FLAG" val=""/>
-</p:tagLst>
-</file>
-
-<file path=ppt/tags/tag35.xml><?xml version="1.0" encoding="utf-8"?>
-<p:tagLst xmlns:p="http://schemas.openxmlformats.org/presentationml/2006/main">
-  <p:tag name="KSO_WM_BEAUTIFY_FLAG" val=""/>
-</p:tagLst>
-</file>
-
-<file path=ppt/tags/tag36.xml><?xml version="1.0" encoding="utf-8"?>
-<p:tagLst xmlns:p="http://schemas.openxmlformats.org/presentationml/2006/main">
-  <p:tag name="KSO_WM_BEAUTIFY_FLAG" val=""/>
-</p:tagLst>
-</file>
-
-<file path=ppt/tags/tag37.xml><?xml version="1.0" encoding="utf-8"?>
-<p:tagLst xmlns:p="http://schemas.openxmlformats.org/presentationml/2006/main">
-  <p:tag name="KSO_WPP_MARK_KEY" val="c7925d13-95db-4618-ac98-c22196edd7f9"/>
-  <p:tag name="COMMONDATA" val="eyJoZGlkIjoiZTg3MzIzMDhlODgyZTlkYzQ0OWY3ZDI2YzlhMjBjMGIifQ=="/>
-  <p:tag name="commondata" val="eyJoZGlkIjoiNjRkZDE1MjIxMjM2NmMxYzY5Y2M3N2FjNDEyZThkY2QifQ=="/>
 </p:tagLst>
 </file>
 
